--- a/public/files/Manual de Usuario.pptx
+++ b/public/files/Manual de Usuario.pptx
@@ -5,7 +5,7 @@
     <p:sldMasterId id="2147483648" r:id="rId1"/>
   </p:sldMasterIdLst>
   <p:notesMasterIdLst>
-    <p:notesMasterId r:id="rId21"/>
+    <p:notesMasterId r:id="rId22"/>
   </p:notesMasterIdLst>
   <p:sldIdLst>
     <p:sldId id="256" r:id="rId2"/>
@@ -17,39 +17,40 @@
     <p:sldId id="263" r:id="rId8"/>
     <p:sldId id="264" r:id="rId9"/>
     <p:sldId id="265" r:id="rId10"/>
-    <p:sldId id="266" r:id="rId11"/>
-    <p:sldId id="271" r:id="rId12"/>
-    <p:sldId id="267" r:id="rId13"/>
-    <p:sldId id="272" r:id="rId14"/>
-    <p:sldId id="273" r:id="rId15"/>
-    <p:sldId id="274" r:id="rId16"/>
-    <p:sldId id="268" r:id="rId17"/>
-    <p:sldId id="269" r:id="rId18"/>
-    <p:sldId id="270" r:id="rId19"/>
-    <p:sldId id="275" r:id="rId20"/>
+    <p:sldId id="276" r:id="rId11"/>
+    <p:sldId id="266" r:id="rId12"/>
+    <p:sldId id="271" r:id="rId13"/>
+    <p:sldId id="267" r:id="rId14"/>
+    <p:sldId id="272" r:id="rId15"/>
+    <p:sldId id="273" r:id="rId16"/>
+    <p:sldId id="274" r:id="rId17"/>
+    <p:sldId id="268" r:id="rId18"/>
+    <p:sldId id="269" r:id="rId19"/>
+    <p:sldId id="270" r:id="rId20"/>
+    <p:sldId id="275" r:id="rId21"/>
   </p:sldIdLst>
   <p:sldSz cx="7556500" cy="10693400"/>
   <p:notesSz cx="6858000" cy="9144000"/>
   <p:embeddedFontLst>
     <p:embeddedFont>
       <p:font typeface="DM Serif Display" pitchFamily="2" charset="0"/>
-      <p:regular r:id="rId22"/>
-      <p:italic r:id="rId23"/>
+      <p:regular r:id="rId23"/>
+      <p:italic r:id="rId24"/>
     </p:embeddedFont>
     <p:embeddedFont>
       <p:font typeface="Montserrat" panose="00000500000000000000" pitchFamily="2" charset="0"/>
-      <p:regular r:id="rId24"/>
-      <p:bold r:id="rId25"/>
-      <p:italic r:id="rId26"/>
-      <p:boldItalic r:id="rId27"/>
+      <p:regular r:id="rId25"/>
+      <p:bold r:id="rId26"/>
+      <p:italic r:id="rId27"/>
+      <p:boldItalic r:id="rId28"/>
     </p:embeddedFont>
     <p:embeddedFont>
       <p:font typeface="Montserrat Bold" panose="00000800000000000000" charset="0"/>
-      <p:regular r:id="rId28"/>
+      <p:regular r:id="rId29"/>
     </p:embeddedFont>
     <p:embeddedFont>
       <p:font typeface="Montserrat Semi-Bold" panose="020B0604020202020204" charset="0"/>
-      <p:regular r:id="rId29"/>
+      <p:regular r:id="rId30"/>
     </p:embeddedFont>
   </p:embeddedFontLst>
   <p:defaultTextStyle>
@@ -248,7 +249,7 @@
           <a:p>
             <a:fld id="{69F8C96D-F554-499D-ABFC-492D82BF14D4}" type="datetimeFigureOut">
               <a:rPr lang="es-VE" smtClean="0"/>
-              <a:t>27/7/2025</a:t>
+              <a:t>28/7/2025</a:t>
             </a:fld>
             <a:endParaRPr lang="es-VE"/>
           </a:p>
@@ -407,7 +408,7 @@
           <a:p>
             <a:fld id="{A0051FEE-5973-4BB2-90A9-241C6D512812}" type="slidenum">
               <a:rPr lang="es-VE" smtClean="0"/>
-              <a:t>‹Nº›</a:t>
+              <a:t>‹#›</a:t>
             </a:fld>
             <a:endParaRPr lang="es-VE"/>
           </a:p>
@@ -608,6 +609,114 @@
         <p:cNvPr id="1" name="">
           <a:extLst>
             <a:ext uri="{FF2B5EF4-FFF2-40B4-BE49-F238E27FC236}">
+              <a16:creationId xmlns:a16="http://schemas.microsoft.com/office/drawing/2014/main" id="{BE27C23A-BE42-4794-DD91-FA94AD639F6D}"/>
+            </a:ext>
+          </a:extLst>
+        </p:cNvPr>
+        <p:cNvGrpSpPr/>
+        <p:nvPr/>
+      </p:nvGrpSpPr>
+      <p:grpSpPr>
+        <a:xfrm>
+          <a:off x="0" y="0"/>
+          <a:ext cx="0" cy="0"/>
+          <a:chOff x="0" y="0"/>
+          <a:chExt cx="0" cy="0"/>
+        </a:xfrm>
+      </p:grpSpPr>
+      <p:sp>
+        <p:nvSpPr>
+          <p:cNvPr id="2" name="Marcador de imagen de diapositiva 1">
+            <a:extLst>
+              <a:ext uri="{FF2B5EF4-FFF2-40B4-BE49-F238E27FC236}">
+                <a16:creationId xmlns:a16="http://schemas.microsoft.com/office/drawing/2014/main" id="{F5637194-F895-2FF7-FEDC-9DC467EACEF3}"/>
+              </a:ext>
+            </a:extLst>
+          </p:cNvPr>
+          <p:cNvSpPr>
+            <a:spLocks noGrp="1" noRot="1" noChangeAspect="1"/>
+          </p:cNvSpPr>
+          <p:nvPr>
+            <p:ph type="sldImg"/>
+          </p:nvPr>
+        </p:nvSpPr>
+        <p:spPr/>
+      </p:sp>
+      <p:sp>
+        <p:nvSpPr>
+          <p:cNvPr id="3" name="Marcador de notas 2">
+            <a:extLst>
+              <a:ext uri="{FF2B5EF4-FFF2-40B4-BE49-F238E27FC236}">
+                <a16:creationId xmlns:a16="http://schemas.microsoft.com/office/drawing/2014/main" id="{FB6579AA-7BF1-2B63-177D-A1DF302E30A3}"/>
+              </a:ext>
+            </a:extLst>
+          </p:cNvPr>
+          <p:cNvSpPr>
+            <a:spLocks noGrp="1"/>
+          </p:cNvSpPr>
+          <p:nvPr>
+            <p:ph type="body" idx="1"/>
+          </p:nvPr>
+        </p:nvSpPr>
+        <p:spPr/>
+        <p:txBody>
+          <a:bodyPr/>
+          <a:lstStyle/>
+          <a:p>
+            <a:endParaRPr lang="es-VE" dirty="0"/>
+          </a:p>
+        </p:txBody>
+      </p:sp>
+      <p:sp>
+        <p:nvSpPr>
+          <p:cNvPr id="4" name="Marcador de número de diapositiva 3">
+            <a:extLst>
+              <a:ext uri="{FF2B5EF4-FFF2-40B4-BE49-F238E27FC236}">
+                <a16:creationId xmlns:a16="http://schemas.microsoft.com/office/drawing/2014/main" id="{63E99472-A2A2-5E78-88E7-475169D54855}"/>
+              </a:ext>
+            </a:extLst>
+          </p:cNvPr>
+          <p:cNvSpPr>
+            <a:spLocks noGrp="1"/>
+          </p:cNvSpPr>
+          <p:nvPr>
+            <p:ph type="sldNum" sz="quarter" idx="5"/>
+          </p:nvPr>
+        </p:nvSpPr>
+        <p:spPr/>
+        <p:txBody>
+          <a:bodyPr/>
+          <a:lstStyle/>
+          <a:p>
+            <a:fld id="{A0051FEE-5973-4BB2-90A9-241C6D512812}" type="slidenum">
+              <a:rPr lang="es-VE" smtClean="0"/>
+              <a:t>17</a:t>
+            </a:fld>
+            <a:endParaRPr lang="es-VE"/>
+          </a:p>
+        </p:txBody>
+      </p:sp>
+    </p:spTree>
+    <p:extLst>
+      <p:ext uri="{BB962C8B-B14F-4D97-AF65-F5344CB8AC3E}">
+        <p14:creationId xmlns:p14="http://schemas.microsoft.com/office/powerpoint/2010/main" val="3703203971"/>
+      </p:ext>
+    </p:extLst>
+  </p:cSld>
+  <p:clrMapOvr>
+    <a:masterClrMapping/>
+  </p:clrMapOvr>
+</p:notes>
+</file>
+
+<file path=ppt/notesSlides/notesSlide11.xml><?xml version="1.0" encoding="utf-8"?>
+<p:notes xmlns:a="http://schemas.openxmlformats.org/drawingml/2006/main" xmlns:r="http://schemas.openxmlformats.org/officeDocument/2006/relationships" xmlns:p="http://schemas.openxmlformats.org/presentationml/2006/main">
+  <p:cSld>
+    <p:spTree>
+      <p:nvGrpSpPr>
+        <p:cNvPr id="1" name="">
+          <a:extLst>
+            <a:ext uri="{FF2B5EF4-FFF2-40B4-BE49-F238E27FC236}">
               <a16:creationId xmlns:a16="http://schemas.microsoft.com/office/drawing/2014/main" id="{38DF6B06-C24A-B1C8-24D0-95F1676F88E9}"/>
             </a:ext>
           </a:extLst>
@@ -689,7 +798,7 @@
           <a:p>
             <a:fld id="{A0051FEE-5973-4BB2-90A9-241C6D512812}" type="slidenum">
               <a:rPr lang="es-VE" smtClean="0"/>
-              <a:t>17</a:t>
+              <a:t>18</a:t>
             </a:fld>
             <a:endParaRPr lang="es-VE"/>
           </a:p>
@@ -708,7 +817,7 @@
 </p:notes>
 </file>
 
-<file path=ppt/notesSlides/notesSlide11.xml><?xml version="1.0" encoding="utf-8"?>
+<file path=ppt/notesSlides/notesSlide12.xml><?xml version="1.0" encoding="utf-8"?>
 <p:notes xmlns:a="http://schemas.openxmlformats.org/drawingml/2006/main" xmlns:r="http://schemas.openxmlformats.org/officeDocument/2006/relationships" xmlns:p="http://schemas.openxmlformats.org/presentationml/2006/main">
   <p:cSld>
     <p:spTree>
@@ -797,7 +906,7 @@
           <a:p>
             <a:fld id="{A0051FEE-5973-4BB2-90A9-241C6D512812}" type="slidenum">
               <a:rPr lang="es-VE" smtClean="0"/>
-              <a:t>18</a:t>
+              <a:t>19</a:t>
             </a:fld>
             <a:endParaRPr lang="es-VE"/>
           </a:p>
@@ -816,7 +925,7 @@
 </p:notes>
 </file>
 
-<file path=ppt/notesSlides/notesSlide12.xml><?xml version="1.0" encoding="utf-8"?>
+<file path=ppt/notesSlides/notesSlide13.xml><?xml version="1.0" encoding="utf-8"?>
 <p:notes xmlns:a="http://schemas.openxmlformats.org/drawingml/2006/main" xmlns:r="http://schemas.openxmlformats.org/officeDocument/2006/relationships" xmlns:p="http://schemas.openxmlformats.org/presentationml/2006/main">
   <p:cSld>
     <p:spTree>
@@ -905,7 +1014,7 @@
           <a:p>
             <a:fld id="{A0051FEE-5973-4BB2-90A9-241C6D512812}" type="slidenum">
               <a:rPr lang="es-VE" smtClean="0"/>
-              <a:t>19</a:t>
+              <a:t>20</a:t>
             </a:fld>
             <a:endParaRPr lang="es-VE"/>
           </a:p>
@@ -1040,6 +1149,114 @@
         <p:cNvPr id="1" name="">
           <a:extLst>
             <a:ext uri="{FF2B5EF4-FFF2-40B4-BE49-F238E27FC236}">
+              <a16:creationId xmlns:a16="http://schemas.microsoft.com/office/drawing/2014/main" id="{0C6EFAD1-D45F-425C-BCF1-4512E3027223}"/>
+            </a:ext>
+          </a:extLst>
+        </p:cNvPr>
+        <p:cNvGrpSpPr/>
+        <p:nvPr/>
+      </p:nvGrpSpPr>
+      <p:grpSpPr>
+        <a:xfrm>
+          <a:off x="0" y="0"/>
+          <a:ext cx="0" cy="0"/>
+          <a:chOff x="0" y="0"/>
+          <a:chExt cx="0" cy="0"/>
+        </a:xfrm>
+      </p:grpSpPr>
+      <p:sp>
+        <p:nvSpPr>
+          <p:cNvPr id="2" name="Marcador de imagen de diapositiva 1">
+            <a:extLst>
+              <a:ext uri="{FF2B5EF4-FFF2-40B4-BE49-F238E27FC236}">
+                <a16:creationId xmlns:a16="http://schemas.microsoft.com/office/drawing/2014/main" id="{B7CBD4E0-1C12-28BA-3B82-87F2B88949C0}"/>
+              </a:ext>
+            </a:extLst>
+          </p:cNvPr>
+          <p:cNvSpPr>
+            <a:spLocks noGrp="1" noRot="1" noChangeAspect="1"/>
+          </p:cNvSpPr>
+          <p:nvPr>
+            <p:ph type="sldImg"/>
+          </p:nvPr>
+        </p:nvSpPr>
+        <p:spPr/>
+      </p:sp>
+      <p:sp>
+        <p:nvSpPr>
+          <p:cNvPr id="3" name="Marcador de notas 2">
+            <a:extLst>
+              <a:ext uri="{FF2B5EF4-FFF2-40B4-BE49-F238E27FC236}">
+                <a16:creationId xmlns:a16="http://schemas.microsoft.com/office/drawing/2014/main" id="{4E5C832B-8A40-6BB2-1002-B3F650259855}"/>
+              </a:ext>
+            </a:extLst>
+          </p:cNvPr>
+          <p:cNvSpPr>
+            <a:spLocks noGrp="1"/>
+          </p:cNvSpPr>
+          <p:nvPr>
+            <p:ph type="body" idx="1"/>
+          </p:nvPr>
+        </p:nvSpPr>
+        <p:spPr/>
+        <p:txBody>
+          <a:bodyPr/>
+          <a:lstStyle/>
+          <a:p>
+            <a:endParaRPr lang="es-VE" dirty="0"/>
+          </a:p>
+        </p:txBody>
+      </p:sp>
+      <p:sp>
+        <p:nvSpPr>
+          <p:cNvPr id="4" name="Marcador de número de diapositiva 3">
+            <a:extLst>
+              <a:ext uri="{FF2B5EF4-FFF2-40B4-BE49-F238E27FC236}">
+                <a16:creationId xmlns:a16="http://schemas.microsoft.com/office/drawing/2014/main" id="{8A690198-CCCB-B307-FC92-2AE416D3580D}"/>
+              </a:ext>
+            </a:extLst>
+          </p:cNvPr>
+          <p:cNvSpPr>
+            <a:spLocks noGrp="1"/>
+          </p:cNvSpPr>
+          <p:nvPr>
+            <p:ph type="sldNum" sz="quarter" idx="5"/>
+          </p:nvPr>
+        </p:nvSpPr>
+        <p:spPr/>
+        <p:txBody>
+          <a:bodyPr/>
+          <a:lstStyle/>
+          <a:p>
+            <a:fld id="{A0051FEE-5973-4BB2-90A9-241C6D512812}" type="slidenum">
+              <a:rPr lang="es-VE" smtClean="0"/>
+              <a:t>10</a:t>
+            </a:fld>
+            <a:endParaRPr lang="es-VE"/>
+          </a:p>
+        </p:txBody>
+      </p:sp>
+    </p:spTree>
+    <p:extLst>
+      <p:ext uri="{BB962C8B-B14F-4D97-AF65-F5344CB8AC3E}">
+        <p14:creationId xmlns:p14="http://schemas.microsoft.com/office/powerpoint/2010/main" val="1184976724"/>
+      </p:ext>
+    </p:extLst>
+  </p:cSld>
+  <p:clrMapOvr>
+    <a:masterClrMapping/>
+  </p:clrMapOvr>
+</p:notes>
+</file>
+
+<file path=ppt/notesSlides/notesSlide4.xml><?xml version="1.0" encoding="utf-8"?>
+<p:notes xmlns:a="http://schemas.openxmlformats.org/drawingml/2006/main" xmlns:r="http://schemas.openxmlformats.org/officeDocument/2006/relationships" xmlns:p="http://schemas.openxmlformats.org/presentationml/2006/main">
+  <p:cSld>
+    <p:spTree>
+      <p:nvGrpSpPr>
+        <p:cNvPr id="1" name="">
+          <a:extLst>
+            <a:ext uri="{FF2B5EF4-FFF2-40B4-BE49-F238E27FC236}">
               <a16:creationId xmlns:a16="http://schemas.microsoft.com/office/drawing/2014/main" id="{EB7E7402-A483-4F1F-2A54-F8C795DA570D}"/>
             </a:ext>
           </a:extLst>
@@ -1121,7 +1338,7 @@
           <a:p>
             <a:fld id="{A0051FEE-5973-4BB2-90A9-241C6D512812}" type="slidenum">
               <a:rPr lang="es-VE" smtClean="0"/>
-              <a:t>10</a:t>
+              <a:t>11</a:t>
             </a:fld>
             <a:endParaRPr lang="es-VE"/>
           </a:p>
@@ -1140,7 +1357,7 @@
 </p:notes>
 </file>
 
-<file path=ppt/notesSlides/notesSlide4.xml><?xml version="1.0" encoding="utf-8"?>
+<file path=ppt/notesSlides/notesSlide5.xml><?xml version="1.0" encoding="utf-8"?>
 <p:notes xmlns:a="http://schemas.openxmlformats.org/drawingml/2006/main" xmlns:r="http://schemas.openxmlformats.org/officeDocument/2006/relationships" xmlns:p="http://schemas.openxmlformats.org/presentationml/2006/main">
   <p:cSld>
     <p:spTree>
@@ -1229,7 +1446,7 @@
           <a:p>
             <a:fld id="{A0051FEE-5973-4BB2-90A9-241C6D512812}" type="slidenum">
               <a:rPr lang="es-VE" smtClean="0"/>
-              <a:t>11</a:t>
+              <a:t>12</a:t>
             </a:fld>
             <a:endParaRPr lang="es-VE"/>
           </a:p>
@@ -1248,7 +1465,7 @@
 </p:notes>
 </file>
 
-<file path=ppt/notesSlides/notesSlide5.xml><?xml version="1.0" encoding="utf-8"?>
+<file path=ppt/notesSlides/notesSlide6.xml><?xml version="1.0" encoding="utf-8"?>
 <p:notes xmlns:a="http://schemas.openxmlformats.org/drawingml/2006/main" xmlns:r="http://schemas.openxmlformats.org/officeDocument/2006/relationships" xmlns:p="http://schemas.openxmlformats.org/presentationml/2006/main">
   <p:cSld>
     <p:spTree>
@@ -1337,7 +1554,7 @@
           <a:p>
             <a:fld id="{A0051FEE-5973-4BB2-90A9-241C6D512812}" type="slidenum">
               <a:rPr lang="es-VE" smtClean="0"/>
-              <a:t>12</a:t>
+              <a:t>13</a:t>
             </a:fld>
             <a:endParaRPr lang="es-VE"/>
           </a:p>
@@ -1356,7 +1573,7 @@
 </p:notes>
 </file>
 
-<file path=ppt/notesSlides/notesSlide6.xml><?xml version="1.0" encoding="utf-8"?>
+<file path=ppt/notesSlides/notesSlide7.xml><?xml version="1.0" encoding="utf-8"?>
 <p:notes xmlns:a="http://schemas.openxmlformats.org/drawingml/2006/main" xmlns:r="http://schemas.openxmlformats.org/officeDocument/2006/relationships" xmlns:p="http://schemas.openxmlformats.org/presentationml/2006/main">
   <p:cSld>
     <p:spTree>
@@ -1445,7 +1662,7 @@
           <a:p>
             <a:fld id="{A0051FEE-5973-4BB2-90A9-241C6D512812}" type="slidenum">
               <a:rPr lang="es-VE" smtClean="0"/>
-              <a:t>13</a:t>
+              <a:t>14</a:t>
             </a:fld>
             <a:endParaRPr lang="es-VE"/>
           </a:p>
@@ -1464,7 +1681,7 @@
 </p:notes>
 </file>
 
-<file path=ppt/notesSlides/notesSlide7.xml><?xml version="1.0" encoding="utf-8"?>
+<file path=ppt/notesSlides/notesSlide8.xml><?xml version="1.0" encoding="utf-8"?>
 <p:notes xmlns:a="http://schemas.openxmlformats.org/drawingml/2006/main" xmlns:r="http://schemas.openxmlformats.org/officeDocument/2006/relationships" xmlns:p="http://schemas.openxmlformats.org/presentationml/2006/main">
   <p:cSld>
     <p:spTree>
@@ -1553,7 +1770,7 @@
           <a:p>
             <a:fld id="{A0051FEE-5973-4BB2-90A9-241C6D512812}" type="slidenum">
               <a:rPr lang="es-VE" smtClean="0"/>
-              <a:t>14</a:t>
+              <a:t>15</a:t>
             </a:fld>
             <a:endParaRPr lang="es-VE"/>
           </a:p>
@@ -1572,7 +1789,7 @@
 </p:notes>
 </file>
 
-<file path=ppt/notesSlides/notesSlide8.xml><?xml version="1.0" encoding="utf-8"?>
+<file path=ppt/notesSlides/notesSlide9.xml><?xml version="1.0" encoding="utf-8"?>
 <p:notes xmlns:a="http://schemas.openxmlformats.org/drawingml/2006/main" xmlns:r="http://schemas.openxmlformats.org/officeDocument/2006/relationships" xmlns:p="http://schemas.openxmlformats.org/presentationml/2006/main">
   <p:cSld>
     <p:spTree>
@@ -1661,7 +1878,7 @@
           <a:p>
             <a:fld id="{A0051FEE-5973-4BB2-90A9-241C6D512812}" type="slidenum">
               <a:rPr lang="es-VE" smtClean="0"/>
-              <a:t>15</a:t>
+              <a:t>16</a:t>
             </a:fld>
             <a:endParaRPr lang="es-VE"/>
           </a:p>
@@ -1671,114 +1888,6 @@
     <p:extLst>
       <p:ext uri="{BB962C8B-B14F-4D97-AF65-F5344CB8AC3E}">
         <p14:creationId xmlns:p14="http://schemas.microsoft.com/office/powerpoint/2010/main" val="578264245"/>
-      </p:ext>
-    </p:extLst>
-  </p:cSld>
-  <p:clrMapOvr>
-    <a:masterClrMapping/>
-  </p:clrMapOvr>
-</p:notes>
-</file>
-
-<file path=ppt/notesSlides/notesSlide9.xml><?xml version="1.0" encoding="utf-8"?>
-<p:notes xmlns:a="http://schemas.openxmlformats.org/drawingml/2006/main" xmlns:r="http://schemas.openxmlformats.org/officeDocument/2006/relationships" xmlns:p="http://schemas.openxmlformats.org/presentationml/2006/main">
-  <p:cSld>
-    <p:spTree>
-      <p:nvGrpSpPr>
-        <p:cNvPr id="1" name="">
-          <a:extLst>
-            <a:ext uri="{FF2B5EF4-FFF2-40B4-BE49-F238E27FC236}">
-              <a16:creationId xmlns:a16="http://schemas.microsoft.com/office/drawing/2014/main" id="{BE27C23A-BE42-4794-DD91-FA94AD639F6D}"/>
-            </a:ext>
-          </a:extLst>
-        </p:cNvPr>
-        <p:cNvGrpSpPr/>
-        <p:nvPr/>
-      </p:nvGrpSpPr>
-      <p:grpSpPr>
-        <a:xfrm>
-          <a:off x="0" y="0"/>
-          <a:ext cx="0" cy="0"/>
-          <a:chOff x="0" y="0"/>
-          <a:chExt cx="0" cy="0"/>
-        </a:xfrm>
-      </p:grpSpPr>
-      <p:sp>
-        <p:nvSpPr>
-          <p:cNvPr id="2" name="Marcador de imagen de diapositiva 1">
-            <a:extLst>
-              <a:ext uri="{FF2B5EF4-FFF2-40B4-BE49-F238E27FC236}">
-                <a16:creationId xmlns:a16="http://schemas.microsoft.com/office/drawing/2014/main" id="{F5637194-F895-2FF7-FEDC-9DC467EACEF3}"/>
-              </a:ext>
-            </a:extLst>
-          </p:cNvPr>
-          <p:cNvSpPr>
-            <a:spLocks noGrp="1" noRot="1" noChangeAspect="1"/>
-          </p:cNvSpPr>
-          <p:nvPr>
-            <p:ph type="sldImg"/>
-          </p:nvPr>
-        </p:nvSpPr>
-        <p:spPr/>
-      </p:sp>
-      <p:sp>
-        <p:nvSpPr>
-          <p:cNvPr id="3" name="Marcador de notas 2">
-            <a:extLst>
-              <a:ext uri="{FF2B5EF4-FFF2-40B4-BE49-F238E27FC236}">
-                <a16:creationId xmlns:a16="http://schemas.microsoft.com/office/drawing/2014/main" id="{FB6579AA-7BF1-2B63-177D-A1DF302E30A3}"/>
-              </a:ext>
-            </a:extLst>
-          </p:cNvPr>
-          <p:cNvSpPr>
-            <a:spLocks noGrp="1"/>
-          </p:cNvSpPr>
-          <p:nvPr>
-            <p:ph type="body" idx="1"/>
-          </p:nvPr>
-        </p:nvSpPr>
-        <p:spPr/>
-        <p:txBody>
-          <a:bodyPr/>
-          <a:lstStyle/>
-          <a:p>
-            <a:endParaRPr lang="es-VE" dirty="0"/>
-          </a:p>
-        </p:txBody>
-      </p:sp>
-      <p:sp>
-        <p:nvSpPr>
-          <p:cNvPr id="4" name="Marcador de número de diapositiva 3">
-            <a:extLst>
-              <a:ext uri="{FF2B5EF4-FFF2-40B4-BE49-F238E27FC236}">
-                <a16:creationId xmlns:a16="http://schemas.microsoft.com/office/drawing/2014/main" id="{63E99472-A2A2-5E78-88E7-475169D54855}"/>
-              </a:ext>
-            </a:extLst>
-          </p:cNvPr>
-          <p:cNvSpPr>
-            <a:spLocks noGrp="1"/>
-          </p:cNvSpPr>
-          <p:nvPr>
-            <p:ph type="sldNum" sz="quarter" idx="5"/>
-          </p:nvPr>
-        </p:nvSpPr>
-        <p:spPr/>
-        <p:txBody>
-          <a:bodyPr/>
-          <a:lstStyle/>
-          <a:p>
-            <a:fld id="{A0051FEE-5973-4BB2-90A9-241C6D512812}" type="slidenum">
-              <a:rPr lang="es-VE" smtClean="0"/>
-              <a:t>16</a:t>
-            </a:fld>
-            <a:endParaRPr lang="es-VE"/>
-          </a:p>
-        </p:txBody>
-      </p:sp>
-    </p:spTree>
-    <p:extLst>
-      <p:ext uri="{BB962C8B-B14F-4D97-AF65-F5344CB8AC3E}">
-        <p14:creationId xmlns:p14="http://schemas.microsoft.com/office/powerpoint/2010/main" val="3703203971"/>
       </p:ext>
     </p:extLst>
   </p:cSld>
@@ -1968,7 +2077,7 @@
             <a:fld id="{1D8BD707-D9CF-40AE-B4C6-C98DA3205C09}" type="datetimeFigureOut">
               <a:rPr lang="en-US" smtClean="0"/>
               <a:pPr/>
-              <a:t>7/27/2025</a:t>
+              <a:t>7/28/2025</a:t>
             </a:fld>
             <a:endParaRPr lang="en-US"/>
           </a:p>
@@ -2011,7 +2120,7 @@
             <a:fld id="{B6F15528-21DE-4FAA-801E-634DDDAF4B2B}" type="slidenum">
               <a:rPr lang="en-US" smtClean="0"/>
               <a:pPr/>
-              <a:t>‹Nº›</a:t>
+              <a:t>‹#›</a:t>
             </a:fld>
             <a:endParaRPr lang="en-US"/>
           </a:p>
@@ -2133,7 +2242,7 @@
             <a:fld id="{1D8BD707-D9CF-40AE-B4C6-C98DA3205C09}" type="datetimeFigureOut">
               <a:rPr lang="en-US" smtClean="0"/>
               <a:pPr/>
-              <a:t>7/27/2025</a:t>
+              <a:t>7/28/2025</a:t>
             </a:fld>
             <a:endParaRPr lang="en-US"/>
           </a:p>
@@ -2176,7 +2285,7 @@
             <a:fld id="{B6F15528-21DE-4FAA-801E-634DDDAF4B2B}" type="slidenum">
               <a:rPr lang="en-US" smtClean="0"/>
               <a:pPr/>
-              <a:t>‹Nº›</a:t>
+              <a:t>‹#›</a:t>
             </a:fld>
             <a:endParaRPr lang="en-US"/>
           </a:p>
@@ -2308,7 +2417,7 @@
             <a:fld id="{1D8BD707-D9CF-40AE-B4C6-C98DA3205C09}" type="datetimeFigureOut">
               <a:rPr lang="en-US" smtClean="0"/>
               <a:pPr/>
-              <a:t>7/27/2025</a:t>
+              <a:t>7/28/2025</a:t>
             </a:fld>
             <a:endParaRPr lang="en-US"/>
           </a:p>
@@ -2351,7 +2460,7 @@
             <a:fld id="{B6F15528-21DE-4FAA-801E-634DDDAF4B2B}" type="slidenum">
               <a:rPr lang="en-US" smtClean="0"/>
               <a:pPr/>
-              <a:t>‹Nº›</a:t>
+              <a:t>‹#›</a:t>
             </a:fld>
             <a:endParaRPr lang="en-US"/>
           </a:p>
@@ -2473,7 +2582,7 @@
             <a:fld id="{1D8BD707-D9CF-40AE-B4C6-C98DA3205C09}" type="datetimeFigureOut">
               <a:rPr lang="en-US" smtClean="0"/>
               <a:pPr/>
-              <a:t>7/27/2025</a:t>
+              <a:t>7/28/2025</a:t>
             </a:fld>
             <a:endParaRPr lang="en-US"/>
           </a:p>
@@ -2516,7 +2625,7 @@
             <a:fld id="{B6F15528-21DE-4FAA-801E-634DDDAF4B2B}" type="slidenum">
               <a:rPr lang="en-US" smtClean="0"/>
               <a:pPr/>
-              <a:t>‹Nº›</a:t>
+              <a:t>‹#›</a:t>
             </a:fld>
             <a:endParaRPr lang="en-US"/>
           </a:p>
@@ -2715,7 +2824,7 @@
             <a:fld id="{1D8BD707-D9CF-40AE-B4C6-C98DA3205C09}" type="datetimeFigureOut">
               <a:rPr lang="en-US" smtClean="0"/>
               <a:pPr/>
-              <a:t>7/27/2025</a:t>
+              <a:t>7/28/2025</a:t>
             </a:fld>
             <a:endParaRPr lang="en-US"/>
           </a:p>
@@ -2758,7 +2867,7 @@
             <a:fld id="{B6F15528-21DE-4FAA-801E-634DDDAF4B2B}" type="slidenum">
               <a:rPr lang="en-US" smtClean="0"/>
               <a:pPr/>
-              <a:t>‹Nº›</a:t>
+              <a:t>‹#›</a:t>
             </a:fld>
             <a:endParaRPr lang="en-US"/>
           </a:p>
@@ -2997,7 +3106,7 @@
             <a:fld id="{1D8BD707-D9CF-40AE-B4C6-C98DA3205C09}" type="datetimeFigureOut">
               <a:rPr lang="en-US" smtClean="0"/>
               <a:pPr/>
-              <a:t>7/27/2025</a:t>
+              <a:t>7/28/2025</a:t>
             </a:fld>
             <a:endParaRPr lang="en-US"/>
           </a:p>
@@ -3040,7 +3149,7 @@
             <a:fld id="{B6F15528-21DE-4FAA-801E-634DDDAF4B2B}" type="slidenum">
               <a:rPr lang="en-US" smtClean="0"/>
               <a:pPr/>
-              <a:t>‹Nº›</a:t>
+              <a:t>‹#›</a:t>
             </a:fld>
             <a:endParaRPr lang="en-US"/>
           </a:p>
@@ -3413,7 +3522,7 @@
             <a:fld id="{1D8BD707-D9CF-40AE-B4C6-C98DA3205C09}" type="datetimeFigureOut">
               <a:rPr lang="en-US" smtClean="0"/>
               <a:pPr/>
-              <a:t>7/27/2025</a:t>
+              <a:t>7/28/2025</a:t>
             </a:fld>
             <a:endParaRPr lang="en-US"/>
           </a:p>
@@ -3456,7 +3565,7 @@
             <a:fld id="{B6F15528-21DE-4FAA-801E-634DDDAF4B2B}" type="slidenum">
               <a:rPr lang="en-US" smtClean="0"/>
               <a:pPr/>
-              <a:t>‹Nº›</a:t>
+              <a:t>‹#›</a:t>
             </a:fld>
             <a:endParaRPr lang="en-US"/>
           </a:p>
@@ -3527,7 +3636,7 @@
             <a:fld id="{1D8BD707-D9CF-40AE-B4C6-C98DA3205C09}" type="datetimeFigureOut">
               <a:rPr lang="en-US" smtClean="0"/>
               <a:pPr/>
-              <a:t>7/27/2025</a:t>
+              <a:t>7/28/2025</a:t>
             </a:fld>
             <a:endParaRPr lang="en-US"/>
           </a:p>
@@ -3570,7 +3679,7 @@
             <a:fld id="{B6F15528-21DE-4FAA-801E-634DDDAF4B2B}" type="slidenum">
               <a:rPr lang="en-US" smtClean="0"/>
               <a:pPr/>
-              <a:t>‹Nº›</a:t>
+              <a:t>‹#›</a:t>
             </a:fld>
             <a:endParaRPr lang="en-US"/>
           </a:p>
@@ -3619,7 +3728,7 @@
             <a:fld id="{1D8BD707-D9CF-40AE-B4C6-C98DA3205C09}" type="datetimeFigureOut">
               <a:rPr lang="en-US" smtClean="0"/>
               <a:pPr/>
-              <a:t>7/27/2025</a:t>
+              <a:t>7/28/2025</a:t>
             </a:fld>
             <a:endParaRPr lang="en-US"/>
           </a:p>
@@ -3662,7 +3771,7 @@
             <a:fld id="{B6F15528-21DE-4FAA-801E-634DDDAF4B2B}" type="slidenum">
               <a:rPr lang="en-US" smtClean="0"/>
               <a:pPr/>
-              <a:t>‹Nº›</a:t>
+              <a:t>‹#›</a:t>
             </a:fld>
             <a:endParaRPr lang="en-US"/>
           </a:p>
@@ -3891,7 +4000,7 @@
             <a:fld id="{1D8BD707-D9CF-40AE-B4C6-C98DA3205C09}" type="datetimeFigureOut">
               <a:rPr lang="en-US" smtClean="0"/>
               <a:pPr/>
-              <a:t>7/27/2025</a:t>
+              <a:t>7/28/2025</a:t>
             </a:fld>
             <a:endParaRPr lang="en-US"/>
           </a:p>
@@ -3934,7 +4043,7 @@
             <a:fld id="{B6F15528-21DE-4FAA-801E-634DDDAF4B2B}" type="slidenum">
               <a:rPr lang="en-US" smtClean="0"/>
               <a:pPr/>
-              <a:t>‹Nº›</a:t>
+              <a:t>‹#›</a:t>
             </a:fld>
             <a:endParaRPr lang="en-US"/>
           </a:p>
@@ -4140,7 +4249,7 @@
             <a:fld id="{1D8BD707-D9CF-40AE-B4C6-C98DA3205C09}" type="datetimeFigureOut">
               <a:rPr lang="en-US" smtClean="0"/>
               <a:pPr/>
-              <a:t>7/27/2025</a:t>
+              <a:t>7/28/2025</a:t>
             </a:fld>
             <a:endParaRPr lang="en-US"/>
           </a:p>
@@ -4183,7 +4292,7 @@
             <a:fld id="{B6F15528-21DE-4FAA-801E-634DDDAF4B2B}" type="slidenum">
               <a:rPr lang="en-US" smtClean="0"/>
               <a:pPr/>
-              <a:t>‹Nº›</a:t>
+              <a:t>‹#›</a:t>
             </a:fld>
             <a:endParaRPr lang="en-US"/>
           </a:p>
@@ -4348,7 +4457,7 @@
             <a:fld id="{1D8BD707-D9CF-40AE-B4C6-C98DA3205C09}" type="datetimeFigureOut">
               <a:rPr lang="en-US" smtClean="0"/>
               <a:pPr/>
-              <a:t>7/27/2025</a:t>
+              <a:t>7/28/2025</a:t>
             </a:fld>
             <a:endParaRPr lang="en-US"/>
           </a:p>
@@ -4427,7 +4536,7 @@
             <a:fld id="{B6F15528-21DE-4FAA-801E-634DDDAF4B2B}" type="slidenum">
               <a:rPr lang="en-US" smtClean="0"/>
               <a:pPr/>
-              <a:t>‹Nº›</a:t>
+              <a:t>‹#›</a:t>
             </a:fld>
             <a:endParaRPr lang="en-US"/>
           </a:p>
@@ -4969,59 +5078,6 @@
           </p:txBody>
         </p:sp>
       </p:grpSp>
-      <p:sp>
-        <p:nvSpPr>
-          <p:cNvPr id="8" name="Freeform 8"/>
-          <p:cNvSpPr/>
-          <p:nvPr/>
-        </p:nvSpPr>
-        <p:spPr>
-          <a:xfrm>
-            <a:off x="493809" y="3264991"/>
-            <a:ext cx="5443397" cy="2619635"/>
-          </a:xfrm>
-          <a:custGeom>
-            <a:avLst/>
-            <a:gdLst/>
-            <a:ahLst/>
-            <a:cxnLst/>
-            <a:rect l="l" t="t" r="r" b="b"/>
-            <a:pathLst>
-              <a:path w="5443397" h="2619635">
-                <a:moveTo>
-                  <a:pt x="0" y="0"/>
-                </a:moveTo>
-                <a:lnTo>
-                  <a:pt x="5443397" y="0"/>
-                </a:lnTo>
-                <a:lnTo>
-                  <a:pt x="5443397" y="2619635"/>
-                </a:lnTo>
-                <a:lnTo>
-                  <a:pt x="0" y="2619635"/>
-                </a:lnTo>
-                <a:lnTo>
-                  <a:pt x="0" y="0"/>
-                </a:lnTo>
-                <a:close/>
-              </a:path>
-            </a:pathLst>
-          </a:custGeom>
-          <a:blipFill>
-            <a:blip r:embed="rId4"/>
-            <a:stretch>
-              <a:fillRect/>
-            </a:stretch>
-          </a:blipFill>
-          <a:ln w="19050" cap="sq">
-            <a:solidFill>
-              <a:srgbClr val="000000"/>
-            </a:solidFill>
-            <a:prstDash val="solid"/>
-            <a:miter/>
-          </a:ln>
-        </p:spPr>
-      </p:sp>
       <p:grpSp>
         <p:nvGrpSpPr>
           <p:cNvPr id="9" name="Group 9"/>
@@ -5207,6 +5263,41 @@
           </a:p>
         </p:txBody>
       </p:sp>
+      <p:pic>
+        <p:nvPicPr>
+          <p:cNvPr id="14" name="Picture 13">
+            <a:extLst>
+              <a:ext uri="{FF2B5EF4-FFF2-40B4-BE49-F238E27FC236}">
+                <a16:creationId xmlns:a16="http://schemas.microsoft.com/office/drawing/2014/main" id="{F0757F67-0DCC-1957-F285-C0C6376C4A6E}"/>
+              </a:ext>
+            </a:extLst>
+          </p:cNvPr>
+          <p:cNvPicPr>
+            <a:picLocks noChangeAspect="1"/>
+          </p:cNvPicPr>
+          <p:nvPr/>
+        </p:nvPicPr>
+        <p:blipFill>
+          <a:blip r:embed="rId4"/>
+          <a:stretch>
+            <a:fillRect/>
+          </a:stretch>
+        </p:blipFill>
+        <p:spPr>
+          <a:xfrm>
+            <a:off x="273050" y="3289300"/>
+            <a:ext cx="5715000" cy="2757925"/>
+          </a:xfrm>
+          <a:prstGeom prst="rect">
+            <a:avLst/>
+          </a:prstGeom>
+          <a:ln>
+            <a:solidFill>
+              <a:schemeClr val="tx1"/>
+            </a:solidFill>
+          </a:ln>
+        </p:spPr>
+      </p:pic>
     </p:spTree>
   </p:cSld>
   <p:clrMapOvr>
@@ -5231,7 +5322,7 @@
         <p:cNvPr id="1" name="">
           <a:extLst>
             <a:ext uri="{FF2B5EF4-FFF2-40B4-BE49-F238E27FC236}">
-              <a16:creationId xmlns:a16="http://schemas.microsoft.com/office/drawing/2014/main" id="{F0258815-D068-F7AA-AE02-37682FABB253}"/>
+              <a16:creationId xmlns:a16="http://schemas.microsoft.com/office/drawing/2014/main" id="{0B392B17-A2E4-F5FE-385F-C8A852FEC66A}"/>
             </a:ext>
           </a:extLst>
         </p:cNvPr>
@@ -5251,7 +5342,7 @@
           <p:cNvPr id="7" name="Freeform 7">
             <a:extLst>
               <a:ext uri="{FF2B5EF4-FFF2-40B4-BE49-F238E27FC236}">
-                <a16:creationId xmlns:a16="http://schemas.microsoft.com/office/drawing/2014/main" id="{FE96F438-1475-6491-E8AD-6F63E470892D}"/>
+                <a16:creationId xmlns:a16="http://schemas.microsoft.com/office/drawing/2014/main" id="{D3C2A6E9-C64D-431B-4707-9C2C5FA613DC}"/>
               </a:ext>
             </a:extLst>
           </p:cNvPr>
@@ -5309,7 +5400,7 @@
           <p:cNvPr id="8" name="Freeform 8">
             <a:extLst>
               <a:ext uri="{FF2B5EF4-FFF2-40B4-BE49-F238E27FC236}">
-                <a16:creationId xmlns:a16="http://schemas.microsoft.com/office/drawing/2014/main" id="{F4F5F268-11A2-4911-44E5-246F5920C8F2}"/>
+                <a16:creationId xmlns:a16="http://schemas.microsoft.com/office/drawing/2014/main" id="{CD026536-F971-44C3-050A-E589AFAFDE05}"/>
               </a:ext>
             </a:extLst>
           </p:cNvPr>
@@ -5367,7 +5458,7 @@
           <p:cNvPr id="9" name="Freeform 9">
             <a:extLst>
               <a:ext uri="{FF2B5EF4-FFF2-40B4-BE49-F238E27FC236}">
-                <a16:creationId xmlns:a16="http://schemas.microsoft.com/office/drawing/2014/main" id="{28823DFC-3CE6-B12E-EDAC-E8350FAEA000}"/>
+                <a16:creationId xmlns:a16="http://schemas.microsoft.com/office/drawing/2014/main" id="{729C62B0-6241-11AE-5022-E1C01ACB6575}"/>
               </a:ext>
             </a:extLst>
           </p:cNvPr>
@@ -5425,7 +5516,7 @@
           <p:cNvPr id="10" name="AutoShape 10">
             <a:extLst>
               <a:ext uri="{FF2B5EF4-FFF2-40B4-BE49-F238E27FC236}">
-                <a16:creationId xmlns:a16="http://schemas.microsoft.com/office/drawing/2014/main" id="{46780E55-EAAC-A678-B450-97AF21CFAC0A}"/>
+                <a16:creationId xmlns:a16="http://schemas.microsoft.com/office/drawing/2014/main" id="{A9029FE6-9299-68C9-08F9-67501CAE7C4F}"/>
               </a:ext>
             </a:extLst>
           </p:cNvPr>
@@ -5455,7 +5546,7 @@
           <p:cNvPr id="12" name="TextBox 12">
             <a:extLst>
               <a:ext uri="{FF2B5EF4-FFF2-40B4-BE49-F238E27FC236}">
-                <a16:creationId xmlns:a16="http://schemas.microsoft.com/office/drawing/2014/main" id="{E6937E18-12CC-ED00-05DD-34F325944BF2}"/>
+                <a16:creationId xmlns:a16="http://schemas.microsoft.com/office/drawing/2014/main" id="{5B269676-7945-F565-2F2F-34B2B9DD865B}"/>
               </a:ext>
             </a:extLst>
           </p:cNvPr>
@@ -5514,7 +5605,7 @@
           <p:cNvPr id="13" name="TextBox 13">
             <a:extLst>
               <a:ext uri="{FF2B5EF4-FFF2-40B4-BE49-F238E27FC236}">
-                <a16:creationId xmlns:a16="http://schemas.microsoft.com/office/drawing/2014/main" id="{DC93507E-DA5A-751C-ABD8-9E395F6786D1}"/>
+                <a16:creationId xmlns:a16="http://schemas.microsoft.com/office/drawing/2014/main" id="{53AD5523-4929-A62A-933E-3652948F51D9}"/>
               </a:ext>
             </a:extLst>
           </p:cNvPr>
@@ -5551,17 +5642,17 @@
                 <a:cs typeface="Montserrat"/>
                 <a:sym typeface="Montserrat"/>
               </a:rPr>
-              <a:t>10</a:t>
-            </a:r>
-          </a:p>
-        </p:txBody>
-      </p:sp>
-      <p:sp>
-        <p:nvSpPr>
-          <p:cNvPr id="5" name="Rectángulo: esquinas redondeadas 4">
-            <a:extLst>
-              <a:ext uri="{FF2B5EF4-FFF2-40B4-BE49-F238E27FC236}">
-                <a16:creationId xmlns:a16="http://schemas.microsoft.com/office/drawing/2014/main" id="{73789277-E79C-09D0-C8EE-1F5AB29AEE50}"/>
+              <a:t>|0</a:t>
+            </a:r>
+          </a:p>
+        </p:txBody>
+      </p:sp>
+      <p:sp>
+        <p:nvSpPr>
+          <p:cNvPr id="19" name="Rectángulo: esquinas redondeadas 18">
+            <a:extLst>
+              <a:ext uri="{FF2B5EF4-FFF2-40B4-BE49-F238E27FC236}">
+                <a16:creationId xmlns:a16="http://schemas.microsoft.com/office/drawing/2014/main" id="{76AB79AC-2F2E-B73F-E7EC-949F27D7CBAD}"/>
               </a:ext>
             </a:extLst>
           </p:cNvPr>
@@ -5570,8 +5661,8 @@
         </p:nvSpPr>
         <p:spPr>
           <a:xfrm>
-            <a:off x="58895" y="2318495"/>
-            <a:ext cx="2087381" cy="2658516"/>
+            <a:off x="255565" y="2610318"/>
+            <a:ext cx="2710459" cy="1484073"/>
           </a:xfrm>
           <a:prstGeom prst="roundRect">
             <a:avLst/>
@@ -5579,7 +5670,7 @@
           <a:noFill/>
           <a:ln>
             <a:solidFill>
-              <a:srgbClr val="FF0000"/>
+              <a:srgbClr val="FFC000"/>
             </a:solidFill>
           </a:ln>
         </p:spPr>
@@ -5610,7 +5701,7 @@
                   <a:schemeClr val="tx1"/>
                 </a:solidFill>
               </a:rPr>
-              <a:t>Al desplegar la lista de Equipos el primer botón pertenece a </a:t>
+              <a:t>En monitoreo se pueden visualizar las tablas que contienen los datos de Cámaras y </a:t>
             </a:r>
             <a:r>
               <a:rPr lang="es-VE" sz="1400" dirty="0" err="1">
@@ -5626,7 +5717,7 @@
                   <a:schemeClr val="tx1"/>
                 </a:solidFill>
               </a:rPr>
-              <a:t>, dónde se muestra una tabla con los datos y acciones que se pueden hacer sobre esos registros, como: Ver, editar y eliminar. Además del botón para agregar un nuevo </a:t>
+              <a:t> que están offline y </a:t>
             </a:r>
             <a:r>
               <a:rPr lang="es-VE" sz="1400" dirty="0" err="1">
@@ -5634,7 +5725,7 @@
                   <a:schemeClr val="tx1"/>
                 </a:solidFill>
               </a:rPr>
-              <a:t>Nvr</a:t>
+              <a:t>conecting</a:t>
             </a:r>
             <a:r>
               <a:rPr lang="es-VE" sz="1400" dirty="0">
@@ -5642,31 +5733,30 @@
                   <a:schemeClr val="tx1"/>
                 </a:solidFill>
               </a:rPr>
-              <a:t>.</a:t>
+              <a:t>. Dichas tablas se actualiza cada 15 segundos. </a:t>
             </a:r>
           </a:p>
         </p:txBody>
       </p:sp>
       <p:cxnSp>
         <p:nvCxnSpPr>
-          <p:cNvPr id="14" name="Conector recto de flecha 13">
-            <a:extLst>
-              <a:ext uri="{FF2B5EF4-FFF2-40B4-BE49-F238E27FC236}">
-                <a16:creationId xmlns:a16="http://schemas.microsoft.com/office/drawing/2014/main" id="{54CA373E-693A-6175-7D81-9E5742F1C4A6}"/>
+          <p:cNvPr id="20" name="Conector recto de flecha 19">
+            <a:extLst>
+              <a:ext uri="{FF2B5EF4-FFF2-40B4-BE49-F238E27FC236}">
+                <a16:creationId xmlns:a16="http://schemas.microsoft.com/office/drawing/2014/main" id="{6D4034BC-98A1-3252-16BA-8C07D298FCD3}"/>
               </a:ext>
             </a:extLst>
           </p:cNvPr>
           <p:cNvCxnSpPr>
             <a:cxnSpLocks/>
-            <a:stCxn id="5" idx="3"/>
-            <a:endCxn id="4" idx="1"/>
+            <a:stCxn id="19" idx="2"/>
           </p:cNvCxnSpPr>
           <p:nvPr/>
         </p:nvCxnSpPr>
         <p:spPr>
-          <a:xfrm flipV="1">
-            <a:off x="2146276" y="3637417"/>
-            <a:ext cx="693179" cy="10336"/>
+          <a:xfrm>
+            <a:off x="1610795" y="4094391"/>
+            <a:ext cx="795855" cy="352119"/>
           </a:xfrm>
           <a:prstGeom prst="straightConnector1">
             <a:avLst/>
@@ -5695,69 +5785,45 @@
       </p:cxnSp>
       <p:sp>
         <p:nvSpPr>
-          <p:cNvPr id="19" name="Rectángulo: esquinas redondeadas 18">
-            <a:extLst>
-              <a:ext uri="{FF2B5EF4-FFF2-40B4-BE49-F238E27FC236}">
-                <a16:creationId xmlns:a16="http://schemas.microsoft.com/office/drawing/2014/main" id="{D645324A-00AC-45BB-00DF-FD6575434B6B}"/>
-              </a:ext>
-            </a:extLst>
-          </p:cNvPr>
-          <p:cNvSpPr/>
-          <p:nvPr/>
-        </p:nvSpPr>
-        <p:spPr>
-          <a:xfrm>
-            <a:off x="6160344" y="4503894"/>
-            <a:ext cx="983813" cy="271715"/>
-          </a:xfrm>
-          <a:prstGeom prst="roundRect">
+          <p:cNvPr id="52" name="CuadroTexto 51">
+            <a:extLst>
+              <a:ext uri="{FF2B5EF4-FFF2-40B4-BE49-F238E27FC236}">
+                <a16:creationId xmlns:a16="http://schemas.microsoft.com/office/drawing/2014/main" id="{B693DFFF-AF3E-31E2-309B-E15CAE129315}"/>
+              </a:ext>
+            </a:extLst>
+          </p:cNvPr>
+          <p:cNvSpPr txBox="1"/>
+          <p:nvPr/>
+        </p:nvSpPr>
+        <p:spPr>
+          <a:xfrm>
+            <a:off x="255565" y="1515570"/>
+            <a:ext cx="1996536" cy="461665"/>
+          </a:xfrm>
+          <a:prstGeom prst="rect">
             <a:avLst/>
           </a:prstGeom>
           <a:noFill/>
-          <a:ln>
-            <a:solidFill>
-              <a:srgbClr val="FF0000"/>
-            </a:solidFill>
-          </a:ln>
-        </p:spPr>
-        <p:style>
-          <a:lnRef idx="2">
-            <a:schemeClr val="accent1">
-              <a:shade val="15000"/>
-            </a:schemeClr>
-          </a:lnRef>
-          <a:fillRef idx="1">
-            <a:schemeClr val="accent1"/>
-          </a:fillRef>
-          <a:effectRef idx="0">
-            <a:schemeClr val="accent1"/>
-          </a:effectRef>
-          <a:fontRef idx="minor">
-            <a:schemeClr val="lt1"/>
-          </a:fontRef>
-        </p:style>
-        <p:txBody>
-          <a:bodyPr rtlCol="0" anchor="ctr"/>
+        </p:spPr>
+        <p:txBody>
+          <a:bodyPr wrap="square" rtlCol="0">
+            <a:spAutoFit/>
+          </a:bodyPr>
           <a:lstStyle/>
           <a:p>
-            <a:pPr algn="ctr"/>
-            <a:r>
-              <a:rPr lang="es-VE" sz="1400" dirty="0">
-                <a:solidFill>
-                  <a:schemeClr val="tx1"/>
-                </a:solidFill>
-              </a:rPr>
-              <a:t>Acciones</a:t>
+            <a:r>
+              <a:rPr lang="es-VE" sz="2400" dirty="0"/>
+              <a:t>3.1 Monitoreo </a:t>
             </a:r>
           </a:p>
         </p:txBody>
       </p:sp>
       <p:pic>
         <p:nvPicPr>
-          <p:cNvPr id="4" name="Imagen 3">
-            <a:extLst>
-              <a:ext uri="{FF2B5EF4-FFF2-40B4-BE49-F238E27FC236}">
-                <a16:creationId xmlns:a16="http://schemas.microsoft.com/office/drawing/2014/main" id="{927FB7AA-34F0-CC4B-7DA5-E09010A49380}"/>
+          <p:cNvPr id="4" name="Picture 3">
+            <a:extLst>
+              <a:ext uri="{FF2B5EF4-FFF2-40B4-BE49-F238E27FC236}">
+                <a16:creationId xmlns:a16="http://schemas.microsoft.com/office/drawing/2014/main" id="{3DCAF987-EB31-D1D8-53FD-21E63B6E051C}"/>
               </a:ext>
             </a:extLst>
           </p:cNvPr>
@@ -5768,820 +5834,24 @@
         </p:nvPicPr>
         <p:blipFill>
           <a:blip r:embed="rId5"/>
-          <a:srcRect b="30933"/>
           <a:stretch>
             <a:fillRect/>
           </a:stretch>
         </p:blipFill>
         <p:spPr>
           <a:xfrm>
-            <a:off x="2839455" y="2860443"/>
-            <a:ext cx="4304702" cy="1553948"/>
+            <a:off x="1339850" y="4532508"/>
+            <a:ext cx="5927967" cy="2929455"/>
           </a:xfrm>
           <a:prstGeom prst="rect">
             <a:avLst/>
           </a:prstGeom>
         </p:spPr>
       </p:pic>
-      <p:sp>
-        <p:nvSpPr>
-          <p:cNvPr id="39" name="Elipse 38">
-            <a:extLst>
-              <a:ext uri="{FF2B5EF4-FFF2-40B4-BE49-F238E27FC236}">
-                <a16:creationId xmlns:a16="http://schemas.microsoft.com/office/drawing/2014/main" id="{9455DF53-D64C-7673-D243-46108F887F85}"/>
-              </a:ext>
-            </a:extLst>
-          </p:cNvPr>
-          <p:cNvSpPr/>
-          <p:nvPr/>
-        </p:nvSpPr>
-        <p:spPr>
-          <a:xfrm>
-            <a:off x="6423004" y="3295903"/>
-            <a:ext cx="721153" cy="228600"/>
-          </a:xfrm>
-          <a:prstGeom prst="ellipse">
-            <a:avLst/>
-          </a:prstGeom>
-          <a:noFill/>
-          <a:ln w="3175">
-            <a:solidFill>
-              <a:schemeClr val="accent1"/>
-            </a:solidFill>
-          </a:ln>
-        </p:spPr>
-        <p:style>
-          <a:lnRef idx="2">
-            <a:schemeClr val="accent1">
-              <a:shade val="15000"/>
-            </a:schemeClr>
-          </a:lnRef>
-          <a:fillRef idx="1">
-            <a:schemeClr val="accent1"/>
-          </a:fillRef>
-          <a:effectRef idx="0">
-            <a:schemeClr val="accent1"/>
-          </a:effectRef>
-          <a:fontRef idx="minor">
-            <a:schemeClr val="lt1"/>
-          </a:fontRef>
-        </p:style>
-        <p:txBody>
-          <a:bodyPr rtlCol="0" anchor="ctr"/>
-          <a:lstStyle/>
-          <a:p>
-            <a:pPr algn="ctr"/>
-            <a:endParaRPr lang="es-VE"/>
-          </a:p>
-        </p:txBody>
-      </p:sp>
-      <p:sp>
-        <p:nvSpPr>
-          <p:cNvPr id="41" name="Rectángulo: esquinas redondeadas 40">
-            <a:extLst>
-              <a:ext uri="{FF2B5EF4-FFF2-40B4-BE49-F238E27FC236}">
-                <a16:creationId xmlns:a16="http://schemas.microsoft.com/office/drawing/2014/main" id="{8F25E68E-B542-6181-64DA-ABBC495C7969}"/>
-              </a:ext>
-            </a:extLst>
-          </p:cNvPr>
-          <p:cNvSpPr/>
-          <p:nvPr/>
-        </p:nvSpPr>
-        <p:spPr>
-          <a:xfrm>
-            <a:off x="5517784" y="2288626"/>
-            <a:ext cx="1810440" cy="346456"/>
-          </a:xfrm>
-          <a:prstGeom prst="roundRect">
-            <a:avLst/>
-          </a:prstGeom>
-          <a:noFill/>
-          <a:ln>
-            <a:solidFill>
-              <a:srgbClr val="0070C0"/>
-            </a:solidFill>
-          </a:ln>
-        </p:spPr>
-        <p:style>
-          <a:lnRef idx="2">
-            <a:schemeClr val="accent1">
-              <a:shade val="15000"/>
-            </a:schemeClr>
-          </a:lnRef>
-          <a:fillRef idx="1">
-            <a:schemeClr val="accent1"/>
-          </a:fillRef>
-          <a:effectRef idx="0">
-            <a:schemeClr val="accent1"/>
-          </a:effectRef>
-          <a:fontRef idx="minor">
-            <a:schemeClr val="lt1"/>
-          </a:fontRef>
-        </p:style>
-        <p:txBody>
-          <a:bodyPr rtlCol="0" anchor="ctr"/>
-          <a:lstStyle/>
-          <a:p>
-            <a:pPr algn="ctr"/>
-            <a:r>
-              <a:rPr lang="es-VE" sz="1400" dirty="0">
-                <a:solidFill>
-                  <a:schemeClr val="tx1"/>
-                </a:solidFill>
-              </a:rPr>
-              <a:t>Agregar nuevo </a:t>
-            </a:r>
-            <a:r>
-              <a:rPr lang="es-VE" sz="1400" dirty="0" err="1">
-                <a:solidFill>
-                  <a:schemeClr val="tx1"/>
-                </a:solidFill>
-              </a:rPr>
-              <a:t>Nvr</a:t>
-            </a:r>
-            <a:endParaRPr lang="es-VE" sz="1400" dirty="0">
-              <a:solidFill>
-                <a:schemeClr val="tx1"/>
-              </a:solidFill>
-            </a:endParaRPr>
-          </a:p>
-        </p:txBody>
-      </p:sp>
-      <p:cxnSp>
-        <p:nvCxnSpPr>
-          <p:cNvPr id="43" name="Conector recto de flecha 42">
-            <a:extLst>
-              <a:ext uri="{FF2B5EF4-FFF2-40B4-BE49-F238E27FC236}">
-                <a16:creationId xmlns:a16="http://schemas.microsoft.com/office/drawing/2014/main" id="{0B2F89A7-6BE6-8C07-F530-37EBD62627E5}"/>
-              </a:ext>
-            </a:extLst>
-          </p:cNvPr>
-          <p:cNvCxnSpPr>
-            <a:cxnSpLocks/>
-            <a:stCxn id="41" idx="2"/>
-            <a:endCxn id="39" idx="1"/>
-          </p:cNvCxnSpPr>
-          <p:nvPr/>
-        </p:nvCxnSpPr>
-        <p:spPr>
-          <a:xfrm>
-            <a:off x="6423004" y="2635082"/>
-            <a:ext cx="105610" cy="694299"/>
-          </a:xfrm>
-          <a:prstGeom prst="straightConnector1">
-            <a:avLst/>
-          </a:prstGeom>
-          <a:ln>
-            <a:tailEnd type="triangle"/>
-          </a:ln>
-        </p:spPr>
-        <p:style>
-          <a:lnRef idx="1">
-            <a:schemeClr val="accent1"/>
-          </a:lnRef>
-          <a:fillRef idx="0">
-            <a:schemeClr val="accent1"/>
-          </a:fillRef>
-          <a:effectRef idx="0">
-            <a:schemeClr val="accent1"/>
-          </a:effectRef>
-          <a:fontRef idx="minor">
-            <a:schemeClr val="tx1"/>
-          </a:fontRef>
-        </p:style>
-      </p:cxnSp>
-      <p:sp>
-        <p:nvSpPr>
-          <p:cNvPr id="44" name="Elipse 43">
-            <a:extLst>
-              <a:ext uri="{FF2B5EF4-FFF2-40B4-BE49-F238E27FC236}">
-                <a16:creationId xmlns:a16="http://schemas.microsoft.com/office/drawing/2014/main" id="{1D0F1E51-3D11-A40A-C3ED-1E5E02E71DFF}"/>
-              </a:ext>
-            </a:extLst>
-          </p:cNvPr>
-          <p:cNvSpPr/>
-          <p:nvPr/>
-        </p:nvSpPr>
-        <p:spPr>
-          <a:xfrm>
-            <a:off x="6291916" y="3657621"/>
-            <a:ext cx="719852" cy="228600"/>
-          </a:xfrm>
-          <a:prstGeom prst="ellipse">
-            <a:avLst/>
-          </a:prstGeom>
-          <a:noFill/>
-          <a:ln>
-            <a:solidFill>
-              <a:srgbClr val="FF0000"/>
-            </a:solidFill>
-          </a:ln>
-        </p:spPr>
-        <p:style>
-          <a:lnRef idx="2">
-            <a:schemeClr val="accent1">
-              <a:shade val="15000"/>
-            </a:schemeClr>
-          </a:lnRef>
-          <a:fillRef idx="1">
-            <a:schemeClr val="accent1"/>
-          </a:fillRef>
-          <a:effectRef idx="0">
-            <a:schemeClr val="accent1"/>
-          </a:effectRef>
-          <a:fontRef idx="minor">
-            <a:schemeClr val="lt1"/>
-          </a:fontRef>
-        </p:style>
-        <p:txBody>
-          <a:bodyPr rtlCol="0" anchor="ctr"/>
-          <a:lstStyle/>
-          <a:p>
-            <a:pPr algn="ctr"/>
-            <a:endParaRPr lang="es-VE"/>
-          </a:p>
-        </p:txBody>
-      </p:sp>
-      <p:cxnSp>
-        <p:nvCxnSpPr>
-          <p:cNvPr id="46" name="Conector recto de flecha 45">
-            <a:extLst>
-              <a:ext uri="{FF2B5EF4-FFF2-40B4-BE49-F238E27FC236}">
-                <a16:creationId xmlns:a16="http://schemas.microsoft.com/office/drawing/2014/main" id="{B70BE86A-38EF-1BB5-CBFC-F036B7E58D7E}"/>
-              </a:ext>
-            </a:extLst>
-          </p:cNvPr>
-          <p:cNvCxnSpPr>
-            <a:cxnSpLocks/>
-            <a:stCxn id="19" idx="0"/>
-            <a:endCxn id="44" idx="4"/>
-          </p:cNvCxnSpPr>
-          <p:nvPr/>
-        </p:nvCxnSpPr>
-        <p:spPr>
-          <a:xfrm flipH="1" flipV="1">
-            <a:off x="6651842" y="3886221"/>
-            <a:ext cx="409" cy="617673"/>
-          </a:xfrm>
-          <a:prstGeom prst="straightConnector1">
-            <a:avLst/>
-          </a:prstGeom>
-          <a:ln>
-            <a:tailEnd type="triangle"/>
-          </a:ln>
-        </p:spPr>
-        <p:style>
-          <a:lnRef idx="1">
-            <a:schemeClr val="accent2"/>
-          </a:lnRef>
-          <a:fillRef idx="0">
-            <a:schemeClr val="accent2"/>
-          </a:fillRef>
-          <a:effectRef idx="0">
-            <a:schemeClr val="accent2"/>
-          </a:effectRef>
-          <a:fontRef idx="minor">
-            <a:schemeClr val="tx1"/>
-          </a:fontRef>
-        </p:style>
-      </p:cxnSp>
-      <p:sp>
-        <p:nvSpPr>
-          <p:cNvPr id="68" name="Abrir llave 67">
-            <a:extLst>
-              <a:ext uri="{FF2B5EF4-FFF2-40B4-BE49-F238E27FC236}">
-                <a16:creationId xmlns:a16="http://schemas.microsoft.com/office/drawing/2014/main" id="{41BAA5C3-35B8-B27B-CF57-10A4959D582D}"/>
-              </a:ext>
-            </a:extLst>
-          </p:cNvPr>
-          <p:cNvSpPr/>
-          <p:nvPr/>
-        </p:nvSpPr>
-        <p:spPr>
-          <a:xfrm rot="16200000">
-            <a:off x="4722813" y="1997000"/>
-            <a:ext cx="537987" cy="4304700"/>
-          </a:xfrm>
-          <a:prstGeom prst="leftBrace">
-            <a:avLst>
-              <a:gd name="adj1" fmla="val 8333"/>
-              <a:gd name="adj2" fmla="val 51606"/>
-            </a:avLst>
-          </a:prstGeom>
-        </p:spPr>
-        <p:style>
-          <a:lnRef idx="1">
-            <a:schemeClr val="dk1"/>
-          </a:lnRef>
-          <a:fillRef idx="0">
-            <a:schemeClr val="dk1"/>
-          </a:fillRef>
-          <a:effectRef idx="0">
-            <a:schemeClr val="dk1"/>
-          </a:effectRef>
-          <a:fontRef idx="minor">
-            <a:schemeClr val="tx1"/>
-          </a:fontRef>
-        </p:style>
-        <p:txBody>
-          <a:bodyPr rtlCol="0" anchor="ctr"/>
-          <a:lstStyle/>
-          <a:p>
-            <a:pPr algn="ctr"/>
-            <a:endParaRPr lang="es-VE"/>
-          </a:p>
-        </p:txBody>
-      </p:sp>
-      <p:sp>
-        <p:nvSpPr>
-          <p:cNvPr id="70" name="Rectángulo: esquinas redondeadas 69">
-            <a:extLst>
-              <a:ext uri="{FF2B5EF4-FFF2-40B4-BE49-F238E27FC236}">
-                <a16:creationId xmlns:a16="http://schemas.microsoft.com/office/drawing/2014/main" id="{9656B8E9-4BB5-488A-8A6E-537456FCAC97}"/>
-              </a:ext>
-            </a:extLst>
-          </p:cNvPr>
-          <p:cNvSpPr/>
-          <p:nvPr/>
-        </p:nvSpPr>
-        <p:spPr>
-          <a:xfrm>
-            <a:off x="4353027" y="4440896"/>
-            <a:ext cx="1447800" cy="691961"/>
-          </a:xfrm>
-          <a:prstGeom prst="roundRect">
-            <a:avLst/>
-          </a:prstGeom>
-          <a:noFill/>
-        </p:spPr>
-        <p:style>
-          <a:lnRef idx="2">
-            <a:schemeClr val="accent1">
-              <a:shade val="15000"/>
-            </a:schemeClr>
-          </a:lnRef>
-          <a:fillRef idx="1">
-            <a:schemeClr val="accent1"/>
-          </a:fillRef>
-          <a:effectRef idx="0">
-            <a:schemeClr val="accent1"/>
-          </a:effectRef>
-          <a:fontRef idx="minor">
-            <a:schemeClr val="lt1"/>
-          </a:fontRef>
-        </p:style>
-        <p:txBody>
-          <a:bodyPr rtlCol="0" anchor="ctr"/>
-          <a:lstStyle/>
-          <a:p>
-            <a:pPr algn="ctr"/>
-            <a:r>
-              <a:rPr lang="es-VE" sz="1400" dirty="0">
-                <a:solidFill>
-                  <a:schemeClr val="tx1"/>
-                </a:solidFill>
-              </a:rPr>
-              <a:t>Datos de registros agregados</a:t>
-            </a:r>
-          </a:p>
-        </p:txBody>
-      </p:sp>
-      <p:pic>
-        <p:nvPicPr>
-          <p:cNvPr id="73" name="Imagen 72">
-            <a:extLst>
-              <a:ext uri="{FF2B5EF4-FFF2-40B4-BE49-F238E27FC236}">
-                <a16:creationId xmlns:a16="http://schemas.microsoft.com/office/drawing/2014/main" id="{38E8CE25-903C-B6D8-DB24-448807BFD713}"/>
-              </a:ext>
-            </a:extLst>
-          </p:cNvPr>
-          <p:cNvPicPr>
-            <a:picLocks noChangeAspect="1"/>
-          </p:cNvPicPr>
-          <p:nvPr/>
-        </p:nvPicPr>
-        <p:blipFill>
-          <a:blip r:embed="rId6"/>
-          <a:stretch>
-            <a:fillRect/>
-          </a:stretch>
-        </p:blipFill>
-        <p:spPr>
-          <a:xfrm>
-            <a:off x="3211560" y="5680485"/>
-            <a:ext cx="4180646" cy="2303933"/>
-          </a:xfrm>
-          <a:prstGeom prst="rect">
-            <a:avLst/>
-          </a:prstGeom>
-        </p:spPr>
-      </p:pic>
-      <p:sp>
-        <p:nvSpPr>
-          <p:cNvPr id="74" name="Rectángulo: esquinas redondeadas 73">
-            <a:extLst>
-              <a:ext uri="{FF2B5EF4-FFF2-40B4-BE49-F238E27FC236}">
-                <a16:creationId xmlns:a16="http://schemas.microsoft.com/office/drawing/2014/main" id="{C98D1CC7-932F-D1F4-5CBF-827A26529CF2}"/>
-              </a:ext>
-            </a:extLst>
-          </p:cNvPr>
-          <p:cNvSpPr/>
-          <p:nvPr/>
-        </p:nvSpPr>
-        <p:spPr>
-          <a:xfrm>
-            <a:off x="170074" y="6004189"/>
-            <a:ext cx="2087381" cy="1656526"/>
-          </a:xfrm>
-          <a:prstGeom prst="roundRect">
-            <a:avLst/>
-          </a:prstGeom>
-          <a:noFill/>
-          <a:ln>
-            <a:solidFill>
-              <a:srgbClr val="FFC000"/>
-            </a:solidFill>
-          </a:ln>
-        </p:spPr>
-        <p:style>
-          <a:lnRef idx="2">
-            <a:schemeClr val="accent1">
-              <a:shade val="15000"/>
-            </a:schemeClr>
-          </a:lnRef>
-          <a:fillRef idx="1">
-            <a:schemeClr val="accent1"/>
-          </a:fillRef>
-          <a:effectRef idx="0">
-            <a:schemeClr val="accent1"/>
-          </a:effectRef>
-          <a:fontRef idx="minor">
-            <a:schemeClr val="lt1"/>
-          </a:fontRef>
-        </p:style>
-        <p:txBody>
-          <a:bodyPr rtlCol="0" anchor="ctr"/>
-          <a:lstStyle/>
-          <a:p>
-            <a:pPr algn="just"/>
-            <a:r>
-              <a:rPr lang="es-VE" sz="1400" dirty="0">
-                <a:solidFill>
-                  <a:schemeClr val="tx1"/>
-                </a:solidFill>
-              </a:rPr>
-              <a:t>Para agregar un nuevo </a:t>
-            </a:r>
-            <a:r>
-              <a:rPr lang="es-VE" sz="1400" dirty="0" err="1">
-                <a:solidFill>
-                  <a:schemeClr val="tx1"/>
-                </a:solidFill>
-              </a:rPr>
-              <a:t>Nvr</a:t>
-            </a:r>
-            <a:r>
-              <a:rPr lang="es-VE" sz="1400" dirty="0">
-                <a:solidFill>
-                  <a:schemeClr val="tx1"/>
-                </a:solidFill>
-              </a:rPr>
-              <a:t> debe presionar el botón ya antes mencionado el cuál apertura un formulario.  </a:t>
-            </a:r>
-          </a:p>
-        </p:txBody>
-      </p:sp>
-      <p:cxnSp>
-        <p:nvCxnSpPr>
-          <p:cNvPr id="76" name="Conector recto de flecha 75">
-            <a:extLst>
-              <a:ext uri="{FF2B5EF4-FFF2-40B4-BE49-F238E27FC236}">
-                <a16:creationId xmlns:a16="http://schemas.microsoft.com/office/drawing/2014/main" id="{13451ED0-DF66-AF0A-7E3F-8174E897912F}"/>
-              </a:ext>
-            </a:extLst>
-          </p:cNvPr>
-          <p:cNvCxnSpPr>
-            <a:stCxn id="74" idx="3"/>
-            <a:endCxn id="73" idx="1"/>
-          </p:cNvCxnSpPr>
-          <p:nvPr/>
-        </p:nvCxnSpPr>
-        <p:spPr>
-          <a:xfrm>
-            <a:off x="2257455" y="6832452"/>
-            <a:ext cx="954105" cy="0"/>
-          </a:xfrm>
-          <a:prstGeom prst="straightConnector1">
-            <a:avLst/>
-          </a:prstGeom>
-          <a:ln>
-            <a:tailEnd type="triangle"/>
-          </a:ln>
-        </p:spPr>
-        <p:style>
-          <a:lnRef idx="1">
-            <a:schemeClr val="accent1"/>
-          </a:lnRef>
-          <a:fillRef idx="0">
-            <a:schemeClr val="accent1"/>
-          </a:fillRef>
-          <a:effectRef idx="0">
-            <a:schemeClr val="accent1"/>
-          </a:effectRef>
-          <a:fontRef idx="minor">
-            <a:schemeClr val="tx1"/>
-          </a:fontRef>
-        </p:style>
-      </p:cxnSp>
-      <p:sp>
-        <p:nvSpPr>
-          <p:cNvPr id="79" name="CuadroTexto 78">
-            <a:extLst>
-              <a:ext uri="{FF2B5EF4-FFF2-40B4-BE49-F238E27FC236}">
-                <a16:creationId xmlns:a16="http://schemas.microsoft.com/office/drawing/2014/main" id="{5494C74B-091E-402C-887C-F9C81959D871}"/>
-              </a:ext>
-            </a:extLst>
-          </p:cNvPr>
-          <p:cNvSpPr txBox="1"/>
-          <p:nvPr/>
-        </p:nvSpPr>
-        <p:spPr>
-          <a:xfrm>
-            <a:off x="3263747" y="8082211"/>
-            <a:ext cx="3733800" cy="523220"/>
-          </a:xfrm>
-          <a:prstGeom prst="rect">
-            <a:avLst/>
-          </a:prstGeom>
-          <a:noFill/>
-        </p:spPr>
-        <p:txBody>
-          <a:bodyPr wrap="square" rtlCol="0">
-            <a:spAutoFit/>
-          </a:bodyPr>
-          <a:lstStyle/>
-          <a:p>
-            <a:r>
-              <a:rPr lang="es-VE" sz="1400" dirty="0"/>
-              <a:t>Si ya no desea crear un nuevo </a:t>
-            </a:r>
-            <a:r>
-              <a:rPr lang="es-VE" sz="1400" dirty="0" err="1"/>
-              <a:t>Nvr</a:t>
-            </a:r>
-            <a:r>
-              <a:rPr lang="es-VE" sz="1400" dirty="0"/>
-              <a:t> presione          de lo contrario rellene los campos y presione</a:t>
-            </a:r>
-            <a:endParaRPr lang="es-VE" sz="1400" dirty="0">
-              <a:solidFill>
-                <a:srgbClr val="FFC000"/>
-              </a:solidFill>
-              <a:highlight>
-                <a:srgbClr val="000000"/>
-              </a:highlight>
-            </a:endParaRPr>
-          </a:p>
-        </p:txBody>
-      </p:sp>
-      <p:sp>
-        <p:nvSpPr>
-          <p:cNvPr id="80" name="Rectángulo: esquinas redondeadas 79">
-            <a:extLst>
-              <a:ext uri="{FF2B5EF4-FFF2-40B4-BE49-F238E27FC236}">
-                <a16:creationId xmlns:a16="http://schemas.microsoft.com/office/drawing/2014/main" id="{6AE9FE85-1ABC-FD30-067F-7167E358379E}"/>
-              </a:ext>
-            </a:extLst>
-          </p:cNvPr>
-          <p:cNvSpPr/>
-          <p:nvPr/>
-        </p:nvSpPr>
-        <p:spPr>
-          <a:xfrm>
-            <a:off x="6529529" y="8096890"/>
-            <a:ext cx="744840" cy="222681"/>
-          </a:xfrm>
-          <a:prstGeom prst="roundRect">
-            <a:avLst/>
-          </a:prstGeom>
-          <a:solidFill>
-            <a:srgbClr val="FFC000"/>
-          </a:solidFill>
-          <a:ln>
-            <a:solidFill>
-              <a:srgbClr val="FFC000"/>
-            </a:solidFill>
-          </a:ln>
-        </p:spPr>
-        <p:style>
-          <a:lnRef idx="2">
-            <a:schemeClr val="accent1">
-              <a:shade val="15000"/>
-            </a:schemeClr>
-          </a:lnRef>
-          <a:fillRef idx="1">
-            <a:schemeClr val="accent1"/>
-          </a:fillRef>
-          <a:effectRef idx="0">
-            <a:schemeClr val="accent1"/>
-          </a:effectRef>
-          <a:fontRef idx="minor">
-            <a:schemeClr val="lt1"/>
-          </a:fontRef>
-        </p:style>
-        <p:txBody>
-          <a:bodyPr rtlCol="0" anchor="ctr"/>
-          <a:lstStyle/>
-          <a:p>
-            <a:pPr algn="ctr"/>
-            <a:r>
-              <a:rPr lang="es-VE" sz="1400" b="1" dirty="0"/>
-              <a:t>Volver </a:t>
-            </a:r>
-          </a:p>
-        </p:txBody>
-      </p:sp>
-      <p:sp>
-        <p:nvSpPr>
-          <p:cNvPr id="81" name="Rectángulo: esquinas redondeadas 80">
-            <a:extLst>
-              <a:ext uri="{FF2B5EF4-FFF2-40B4-BE49-F238E27FC236}">
-                <a16:creationId xmlns:a16="http://schemas.microsoft.com/office/drawing/2014/main" id="{10571E38-6AFE-94B2-6E8F-C93BD192F68A}"/>
-              </a:ext>
-            </a:extLst>
-          </p:cNvPr>
-          <p:cNvSpPr/>
-          <p:nvPr/>
-        </p:nvSpPr>
-        <p:spPr>
-          <a:xfrm>
-            <a:off x="3381106" y="8621705"/>
-            <a:ext cx="1158353" cy="262832"/>
-          </a:xfrm>
-          <a:prstGeom prst="roundRect">
-            <a:avLst/>
-          </a:prstGeom>
-          <a:solidFill>
-            <a:srgbClr val="00B050"/>
-          </a:solidFill>
-          <a:ln>
-            <a:solidFill>
-              <a:srgbClr val="00B050"/>
-            </a:solidFill>
-          </a:ln>
-        </p:spPr>
-        <p:style>
-          <a:lnRef idx="2">
-            <a:schemeClr val="accent1">
-              <a:shade val="15000"/>
-            </a:schemeClr>
-          </a:lnRef>
-          <a:fillRef idx="1">
-            <a:schemeClr val="accent1"/>
-          </a:fillRef>
-          <a:effectRef idx="0">
-            <a:schemeClr val="accent1"/>
-          </a:effectRef>
-          <a:fontRef idx="minor">
-            <a:schemeClr val="lt1"/>
-          </a:fontRef>
-        </p:style>
-        <p:txBody>
-          <a:bodyPr rtlCol="0" anchor="ctr"/>
-          <a:lstStyle/>
-          <a:p>
-            <a:pPr algn="ctr"/>
-            <a:r>
-              <a:rPr lang="es-VE" sz="1400" dirty="0"/>
-              <a:t>Guardar </a:t>
-            </a:r>
-            <a:r>
-              <a:rPr lang="es-VE" sz="1400" dirty="0" err="1"/>
-              <a:t>Nvr</a:t>
-            </a:r>
-            <a:endParaRPr lang="es-VE" sz="1400" dirty="0"/>
-          </a:p>
-        </p:txBody>
-      </p:sp>
-      <p:sp>
-        <p:nvSpPr>
-          <p:cNvPr id="82" name="CuadroTexto 81">
-            <a:extLst>
-              <a:ext uri="{FF2B5EF4-FFF2-40B4-BE49-F238E27FC236}">
-                <a16:creationId xmlns:a16="http://schemas.microsoft.com/office/drawing/2014/main" id="{DA21427E-1D16-1098-88C6-E3823984D38C}"/>
-              </a:ext>
-            </a:extLst>
-          </p:cNvPr>
-          <p:cNvSpPr txBox="1"/>
-          <p:nvPr/>
-        </p:nvSpPr>
-        <p:spPr>
-          <a:xfrm>
-            <a:off x="974101" y="9319339"/>
-            <a:ext cx="5605780" cy="492443"/>
-          </a:xfrm>
-          <a:prstGeom prst="rect">
-            <a:avLst/>
-          </a:prstGeom>
-          <a:noFill/>
-        </p:spPr>
-        <p:txBody>
-          <a:bodyPr wrap="square" rtlCol="0">
-            <a:spAutoFit/>
-          </a:bodyPr>
-          <a:lstStyle/>
-          <a:p>
-            <a:pPr algn="just"/>
-            <a:r>
-              <a:rPr lang="es-VE" sz="1400" b="1" dirty="0"/>
-              <a:t>Nota: </a:t>
-            </a:r>
-            <a:r>
-              <a:rPr lang="es-VE" sz="1200" b="1" dirty="0"/>
-              <a:t>Para los demás equipos el proceso es similar, los cambios se aplican en los formularios, ya que para los distintos equipos los tipos de  datos  varían. </a:t>
-            </a:r>
-          </a:p>
-        </p:txBody>
-      </p:sp>
-      <p:sp>
-        <p:nvSpPr>
-          <p:cNvPr id="83" name="CuadroTexto 82">
-            <a:extLst>
-              <a:ext uri="{FF2B5EF4-FFF2-40B4-BE49-F238E27FC236}">
-                <a16:creationId xmlns:a16="http://schemas.microsoft.com/office/drawing/2014/main" id="{978DD2BA-1BA2-89A5-F8CE-9137FA4C3498}"/>
-              </a:ext>
-            </a:extLst>
-          </p:cNvPr>
-          <p:cNvSpPr txBox="1"/>
-          <p:nvPr/>
-        </p:nvSpPr>
-        <p:spPr>
-          <a:xfrm>
-            <a:off x="253771" y="1197189"/>
-            <a:ext cx="1697627" cy="461665"/>
-          </a:xfrm>
-          <a:prstGeom prst="rect">
-            <a:avLst/>
-          </a:prstGeom>
-          <a:noFill/>
-        </p:spPr>
-        <p:txBody>
-          <a:bodyPr wrap="square" rtlCol="0">
-            <a:spAutoFit/>
-          </a:bodyPr>
-          <a:lstStyle/>
-          <a:p>
-            <a:r>
-              <a:rPr lang="es-VE" sz="2400" dirty="0"/>
-              <a:t>3.2 Equipos </a:t>
-            </a:r>
-          </a:p>
-        </p:txBody>
-      </p:sp>
-      <p:sp>
-        <p:nvSpPr>
-          <p:cNvPr id="84" name="CuadroTexto 83">
-            <a:extLst>
-              <a:ext uri="{FF2B5EF4-FFF2-40B4-BE49-F238E27FC236}">
-                <a16:creationId xmlns:a16="http://schemas.microsoft.com/office/drawing/2014/main" id="{BF15EC9F-084F-71A3-81CB-7A6DA467E70B}"/>
-              </a:ext>
-            </a:extLst>
-          </p:cNvPr>
-          <p:cNvSpPr txBox="1"/>
-          <p:nvPr/>
-        </p:nvSpPr>
-        <p:spPr>
-          <a:xfrm>
-            <a:off x="2928178" y="1608808"/>
-            <a:ext cx="1697627" cy="400110"/>
-          </a:xfrm>
-          <a:prstGeom prst="rect">
-            <a:avLst/>
-          </a:prstGeom>
-          <a:noFill/>
-        </p:spPr>
-        <p:txBody>
-          <a:bodyPr wrap="square" rtlCol="0">
-            <a:spAutoFit/>
-          </a:bodyPr>
-          <a:lstStyle/>
-          <a:p>
-            <a:r>
-              <a:rPr lang="es-VE" sz="2000" dirty="0"/>
-              <a:t>3.2.1 </a:t>
-            </a:r>
-            <a:r>
-              <a:rPr lang="es-VE" sz="2000" dirty="0" err="1"/>
-              <a:t>Nvr</a:t>
-            </a:r>
-            <a:endParaRPr lang="es-VE" sz="2000" dirty="0"/>
-          </a:p>
-        </p:txBody>
-      </p:sp>
     </p:spTree>
     <p:extLst>
       <p:ext uri="{BB962C8B-B14F-4D97-AF65-F5344CB8AC3E}">
-        <p14:creationId xmlns:p14="http://schemas.microsoft.com/office/powerpoint/2010/main" val="2441115552"/>
+        <p14:creationId xmlns:p14="http://schemas.microsoft.com/office/powerpoint/2010/main" val="2621434902"/>
       </p:ext>
     </p:extLst>
   </p:cSld>
@@ -6607,7 +5877,7 @@
         <p:cNvPr id="1" name="">
           <a:extLst>
             <a:ext uri="{FF2B5EF4-FFF2-40B4-BE49-F238E27FC236}">
-              <a16:creationId xmlns:a16="http://schemas.microsoft.com/office/drawing/2014/main" id="{475B3789-8CBE-4CFB-DABA-4C699F68D6F0}"/>
+              <a16:creationId xmlns:a16="http://schemas.microsoft.com/office/drawing/2014/main" id="{F0258815-D068-F7AA-AE02-37682FABB253}"/>
             </a:ext>
           </a:extLst>
         </p:cNvPr>
@@ -6627,7 +5897,7 @@
           <p:cNvPr id="7" name="Freeform 7">
             <a:extLst>
               <a:ext uri="{FF2B5EF4-FFF2-40B4-BE49-F238E27FC236}">
-                <a16:creationId xmlns:a16="http://schemas.microsoft.com/office/drawing/2014/main" id="{0A1112B1-E1C7-C2A2-FEC0-4A86C9CBA8F0}"/>
+                <a16:creationId xmlns:a16="http://schemas.microsoft.com/office/drawing/2014/main" id="{FE96F438-1475-6491-E8AD-6F63E470892D}"/>
               </a:ext>
             </a:extLst>
           </p:cNvPr>
@@ -6685,7 +5955,7 @@
           <p:cNvPr id="8" name="Freeform 8">
             <a:extLst>
               <a:ext uri="{FF2B5EF4-FFF2-40B4-BE49-F238E27FC236}">
-                <a16:creationId xmlns:a16="http://schemas.microsoft.com/office/drawing/2014/main" id="{188AD99D-9A30-754E-0667-E2B7FE292FBE}"/>
+                <a16:creationId xmlns:a16="http://schemas.microsoft.com/office/drawing/2014/main" id="{F4F5F268-11A2-4911-44E5-246F5920C8F2}"/>
               </a:ext>
             </a:extLst>
           </p:cNvPr>
@@ -6743,7 +6013,7 @@
           <p:cNvPr id="9" name="Freeform 9">
             <a:extLst>
               <a:ext uri="{FF2B5EF4-FFF2-40B4-BE49-F238E27FC236}">
-                <a16:creationId xmlns:a16="http://schemas.microsoft.com/office/drawing/2014/main" id="{41CDDD4E-C66A-93B5-9606-6AD3D5865F66}"/>
+                <a16:creationId xmlns:a16="http://schemas.microsoft.com/office/drawing/2014/main" id="{28823DFC-3CE6-B12E-EDAC-E8350FAEA000}"/>
               </a:ext>
             </a:extLst>
           </p:cNvPr>
@@ -6801,7 +6071,7 @@
           <p:cNvPr id="10" name="AutoShape 10">
             <a:extLst>
               <a:ext uri="{FF2B5EF4-FFF2-40B4-BE49-F238E27FC236}">
-                <a16:creationId xmlns:a16="http://schemas.microsoft.com/office/drawing/2014/main" id="{FBFCCCE8-0655-D6C8-314B-9E17BFF13961}"/>
+                <a16:creationId xmlns:a16="http://schemas.microsoft.com/office/drawing/2014/main" id="{46780E55-EAAC-A678-B450-97AF21CFAC0A}"/>
               </a:ext>
             </a:extLst>
           </p:cNvPr>
@@ -6831,7 +6101,7 @@
           <p:cNvPr id="12" name="TextBox 12">
             <a:extLst>
               <a:ext uri="{FF2B5EF4-FFF2-40B4-BE49-F238E27FC236}">
-                <a16:creationId xmlns:a16="http://schemas.microsoft.com/office/drawing/2014/main" id="{86F4AD7F-89CE-003B-0058-AFB4660B7FD0}"/>
+                <a16:creationId xmlns:a16="http://schemas.microsoft.com/office/drawing/2014/main" id="{E6937E18-12CC-ED00-05DD-34F325944BF2}"/>
               </a:ext>
             </a:extLst>
           </p:cNvPr>
@@ -6890,7 +6160,7 @@
           <p:cNvPr id="13" name="TextBox 13">
             <a:extLst>
               <a:ext uri="{FF2B5EF4-FFF2-40B4-BE49-F238E27FC236}">
-                <a16:creationId xmlns:a16="http://schemas.microsoft.com/office/drawing/2014/main" id="{B98B9475-F826-B5EF-1363-F3EEED218251}"/>
+                <a16:creationId xmlns:a16="http://schemas.microsoft.com/office/drawing/2014/main" id="{DC93507E-DA5A-751C-ABD8-9E395F6786D1}"/>
               </a:ext>
             </a:extLst>
           </p:cNvPr>
@@ -6899,7 +6169,7 @@
         </p:nvSpPr>
         <p:spPr>
           <a:xfrm>
-            <a:off x="5249990" y="10084923"/>
+            <a:off x="5061670" y="10084923"/>
             <a:ext cx="1742330" cy="187325"/>
           </a:xfrm>
           <a:prstGeom prst="rect">
@@ -6928,6 +6198,1382 @@
                 <a:sym typeface="Montserrat"/>
               </a:rPr>
               <a:t>11</a:t>
+            </a:r>
+          </a:p>
+        </p:txBody>
+      </p:sp>
+      <p:sp>
+        <p:nvSpPr>
+          <p:cNvPr id="5" name="Rectángulo: esquinas redondeadas 4">
+            <a:extLst>
+              <a:ext uri="{FF2B5EF4-FFF2-40B4-BE49-F238E27FC236}">
+                <a16:creationId xmlns:a16="http://schemas.microsoft.com/office/drawing/2014/main" id="{73789277-E79C-09D0-C8EE-1F5AB29AEE50}"/>
+              </a:ext>
+            </a:extLst>
+          </p:cNvPr>
+          <p:cNvSpPr/>
+          <p:nvPr/>
+        </p:nvSpPr>
+        <p:spPr>
+          <a:xfrm>
+            <a:off x="58895" y="2318495"/>
+            <a:ext cx="2087381" cy="2658516"/>
+          </a:xfrm>
+          <a:prstGeom prst="roundRect">
+            <a:avLst/>
+          </a:prstGeom>
+          <a:noFill/>
+          <a:ln>
+            <a:solidFill>
+              <a:srgbClr val="FF0000"/>
+            </a:solidFill>
+          </a:ln>
+        </p:spPr>
+        <p:style>
+          <a:lnRef idx="2">
+            <a:schemeClr val="accent1">
+              <a:shade val="15000"/>
+            </a:schemeClr>
+          </a:lnRef>
+          <a:fillRef idx="1">
+            <a:schemeClr val="accent1"/>
+          </a:fillRef>
+          <a:effectRef idx="0">
+            <a:schemeClr val="accent1"/>
+          </a:effectRef>
+          <a:fontRef idx="minor">
+            <a:schemeClr val="lt1"/>
+          </a:fontRef>
+        </p:style>
+        <p:txBody>
+          <a:bodyPr rtlCol="0" anchor="ctr"/>
+          <a:lstStyle/>
+          <a:p>
+            <a:pPr algn="just"/>
+            <a:r>
+              <a:rPr lang="es-VE" sz="1400" dirty="0">
+                <a:solidFill>
+                  <a:schemeClr val="tx1"/>
+                </a:solidFill>
+              </a:rPr>
+              <a:t>Al desplegar la lista de Equipos el primer botón pertenece a </a:t>
+            </a:r>
+            <a:r>
+              <a:rPr lang="es-VE" sz="1400" dirty="0" err="1">
+                <a:solidFill>
+                  <a:schemeClr val="tx1"/>
+                </a:solidFill>
+              </a:rPr>
+              <a:t>Nvr</a:t>
+            </a:r>
+            <a:r>
+              <a:rPr lang="es-VE" sz="1400" dirty="0">
+                <a:solidFill>
+                  <a:schemeClr val="tx1"/>
+                </a:solidFill>
+              </a:rPr>
+              <a:t>, dónde se muestra una tabla con los datos y acciones que se pueden hacer sobre esos registros, como: Ver, editar y eliminar. Además del botón para agregar un nuevo </a:t>
+            </a:r>
+            <a:r>
+              <a:rPr lang="es-VE" sz="1400" dirty="0" err="1">
+                <a:solidFill>
+                  <a:schemeClr val="tx1"/>
+                </a:solidFill>
+              </a:rPr>
+              <a:t>Nvr</a:t>
+            </a:r>
+            <a:r>
+              <a:rPr lang="es-VE" sz="1400" dirty="0">
+                <a:solidFill>
+                  <a:schemeClr val="tx1"/>
+                </a:solidFill>
+              </a:rPr>
+              <a:t>.</a:t>
+            </a:r>
+          </a:p>
+        </p:txBody>
+      </p:sp>
+      <p:cxnSp>
+        <p:nvCxnSpPr>
+          <p:cNvPr id="14" name="Conector recto de flecha 13">
+            <a:extLst>
+              <a:ext uri="{FF2B5EF4-FFF2-40B4-BE49-F238E27FC236}">
+                <a16:creationId xmlns:a16="http://schemas.microsoft.com/office/drawing/2014/main" id="{54CA373E-693A-6175-7D81-9E5742F1C4A6}"/>
+              </a:ext>
+            </a:extLst>
+          </p:cNvPr>
+          <p:cNvCxnSpPr>
+            <a:cxnSpLocks/>
+            <a:stCxn id="5" idx="3"/>
+            <a:endCxn id="4" idx="1"/>
+          </p:cNvCxnSpPr>
+          <p:nvPr/>
+        </p:nvCxnSpPr>
+        <p:spPr>
+          <a:xfrm flipV="1">
+            <a:off x="2146276" y="3637417"/>
+            <a:ext cx="693179" cy="10336"/>
+          </a:xfrm>
+          <a:prstGeom prst="straightConnector1">
+            <a:avLst/>
+          </a:prstGeom>
+          <a:ln>
+            <a:solidFill>
+              <a:schemeClr val="tx1"/>
+            </a:solidFill>
+            <a:tailEnd type="triangle"/>
+          </a:ln>
+        </p:spPr>
+        <p:style>
+          <a:lnRef idx="2">
+            <a:schemeClr val="accent2"/>
+          </a:lnRef>
+          <a:fillRef idx="0">
+            <a:schemeClr val="accent2"/>
+          </a:fillRef>
+          <a:effectRef idx="1">
+            <a:schemeClr val="accent2"/>
+          </a:effectRef>
+          <a:fontRef idx="minor">
+            <a:schemeClr val="tx1"/>
+          </a:fontRef>
+        </p:style>
+      </p:cxnSp>
+      <p:sp>
+        <p:nvSpPr>
+          <p:cNvPr id="19" name="Rectángulo: esquinas redondeadas 18">
+            <a:extLst>
+              <a:ext uri="{FF2B5EF4-FFF2-40B4-BE49-F238E27FC236}">
+                <a16:creationId xmlns:a16="http://schemas.microsoft.com/office/drawing/2014/main" id="{D645324A-00AC-45BB-00DF-FD6575434B6B}"/>
+              </a:ext>
+            </a:extLst>
+          </p:cNvPr>
+          <p:cNvSpPr/>
+          <p:nvPr/>
+        </p:nvSpPr>
+        <p:spPr>
+          <a:xfrm>
+            <a:off x="6160344" y="4503894"/>
+            <a:ext cx="983813" cy="271715"/>
+          </a:xfrm>
+          <a:prstGeom prst="roundRect">
+            <a:avLst/>
+          </a:prstGeom>
+          <a:noFill/>
+          <a:ln>
+            <a:solidFill>
+              <a:srgbClr val="FF0000"/>
+            </a:solidFill>
+          </a:ln>
+        </p:spPr>
+        <p:style>
+          <a:lnRef idx="2">
+            <a:schemeClr val="accent1">
+              <a:shade val="15000"/>
+            </a:schemeClr>
+          </a:lnRef>
+          <a:fillRef idx="1">
+            <a:schemeClr val="accent1"/>
+          </a:fillRef>
+          <a:effectRef idx="0">
+            <a:schemeClr val="accent1"/>
+          </a:effectRef>
+          <a:fontRef idx="minor">
+            <a:schemeClr val="lt1"/>
+          </a:fontRef>
+        </p:style>
+        <p:txBody>
+          <a:bodyPr rtlCol="0" anchor="ctr"/>
+          <a:lstStyle/>
+          <a:p>
+            <a:pPr algn="ctr"/>
+            <a:r>
+              <a:rPr lang="es-VE" sz="1400" dirty="0">
+                <a:solidFill>
+                  <a:schemeClr val="tx1"/>
+                </a:solidFill>
+              </a:rPr>
+              <a:t>Acciones</a:t>
+            </a:r>
+          </a:p>
+        </p:txBody>
+      </p:sp>
+      <p:pic>
+        <p:nvPicPr>
+          <p:cNvPr id="4" name="Imagen 3">
+            <a:extLst>
+              <a:ext uri="{FF2B5EF4-FFF2-40B4-BE49-F238E27FC236}">
+                <a16:creationId xmlns:a16="http://schemas.microsoft.com/office/drawing/2014/main" id="{927FB7AA-34F0-CC4B-7DA5-E09010A49380}"/>
+              </a:ext>
+            </a:extLst>
+          </p:cNvPr>
+          <p:cNvPicPr>
+            <a:picLocks noChangeAspect="1"/>
+          </p:cNvPicPr>
+          <p:nvPr/>
+        </p:nvPicPr>
+        <p:blipFill>
+          <a:blip r:embed="rId5"/>
+          <a:srcRect b="30933"/>
+          <a:stretch>
+            <a:fillRect/>
+          </a:stretch>
+        </p:blipFill>
+        <p:spPr>
+          <a:xfrm>
+            <a:off x="2839455" y="2860443"/>
+            <a:ext cx="4304702" cy="1553948"/>
+          </a:xfrm>
+          <a:prstGeom prst="rect">
+            <a:avLst/>
+          </a:prstGeom>
+        </p:spPr>
+      </p:pic>
+      <p:sp>
+        <p:nvSpPr>
+          <p:cNvPr id="39" name="Elipse 38">
+            <a:extLst>
+              <a:ext uri="{FF2B5EF4-FFF2-40B4-BE49-F238E27FC236}">
+                <a16:creationId xmlns:a16="http://schemas.microsoft.com/office/drawing/2014/main" id="{9455DF53-D64C-7673-D243-46108F887F85}"/>
+              </a:ext>
+            </a:extLst>
+          </p:cNvPr>
+          <p:cNvSpPr/>
+          <p:nvPr/>
+        </p:nvSpPr>
+        <p:spPr>
+          <a:xfrm>
+            <a:off x="6423004" y="3295903"/>
+            <a:ext cx="721153" cy="228600"/>
+          </a:xfrm>
+          <a:prstGeom prst="ellipse">
+            <a:avLst/>
+          </a:prstGeom>
+          <a:noFill/>
+          <a:ln w="3175">
+            <a:solidFill>
+              <a:schemeClr val="accent1"/>
+            </a:solidFill>
+          </a:ln>
+        </p:spPr>
+        <p:style>
+          <a:lnRef idx="2">
+            <a:schemeClr val="accent1">
+              <a:shade val="15000"/>
+            </a:schemeClr>
+          </a:lnRef>
+          <a:fillRef idx="1">
+            <a:schemeClr val="accent1"/>
+          </a:fillRef>
+          <a:effectRef idx="0">
+            <a:schemeClr val="accent1"/>
+          </a:effectRef>
+          <a:fontRef idx="minor">
+            <a:schemeClr val="lt1"/>
+          </a:fontRef>
+        </p:style>
+        <p:txBody>
+          <a:bodyPr rtlCol="0" anchor="ctr"/>
+          <a:lstStyle/>
+          <a:p>
+            <a:pPr algn="ctr"/>
+            <a:endParaRPr lang="es-VE"/>
+          </a:p>
+        </p:txBody>
+      </p:sp>
+      <p:sp>
+        <p:nvSpPr>
+          <p:cNvPr id="41" name="Rectángulo: esquinas redondeadas 40">
+            <a:extLst>
+              <a:ext uri="{FF2B5EF4-FFF2-40B4-BE49-F238E27FC236}">
+                <a16:creationId xmlns:a16="http://schemas.microsoft.com/office/drawing/2014/main" id="{8F25E68E-B542-6181-64DA-ABBC495C7969}"/>
+              </a:ext>
+            </a:extLst>
+          </p:cNvPr>
+          <p:cNvSpPr/>
+          <p:nvPr/>
+        </p:nvSpPr>
+        <p:spPr>
+          <a:xfrm>
+            <a:off x="5517784" y="2288626"/>
+            <a:ext cx="1810440" cy="346456"/>
+          </a:xfrm>
+          <a:prstGeom prst="roundRect">
+            <a:avLst/>
+          </a:prstGeom>
+          <a:noFill/>
+          <a:ln>
+            <a:solidFill>
+              <a:srgbClr val="0070C0"/>
+            </a:solidFill>
+          </a:ln>
+        </p:spPr>
+        <p:style>
+          <a:lnRef idx="2">
+            <a:schemeClr val="accent1">
+              <a:shade val="15000"/>
+            </a:schemeClr>
+          </a:lnRef>
+          <a:fillRef idx="1">
+            <a:schemeClr val="accent1"/>
+          </a:fillRef>
+          <a:effectRef idx="0">
+            <a:schemeClr val="accent1"/>
+          </a:effectRef>
+          <a:fontRef idx="minor">
+            <a:schemeClr val="lt1"/>
+          </a:fontRef>
+        </p:style>
+        <p:txBody>
+          <a:bodyPr rtlCol="0" anchor="ctr"/>
+          <a:lstStyle/>
+          <a:p>
+            <a:pPr algn="ctr"/>
+            <a:r>
+              <a:rPr lang="es-VE" sz="1400" dirty="0">
+                <a:solidFill>
+                  <a:schemeClr val="tx1"/>
+                </a:solidFill>
+              </a:rPr>
+              <a:t>Agregar nuevo </a:t>
+            </a:r>
+            <a:r>
+              <a:rPr lang="es-VE" sz="1400" dirty="0" err="1">
+                <a:solidFill>
+                  <a:schemeClr val="tx1"/>
+                </a:solidFill>
+              </a:rPr>
+              <a:t>Nvr</a:t>
+            </a:r>
+            <a:endParaRPr lang="es-VE" sz="1400" dirty="0">
+              <a:solidFill>
+                <a:schemeClr val="tx1"/>
+              </a:solidFill>
+            </a:endParaRPr>
+          </a:p>
+        </p:txBody>
+      </p:sp>
+      <p:cxnSp>
+        <p:nvCxnSpPr>
+          <p:cNvPr id="43" name="Conector recto de flecha 42">
+            <a:extLst>
+              <a:ext uri="{FF2B5EF4-FFF2-40B4-BE49-F238E27FC236}">
+                <a16:creationId xmlns:a16="http://schemas.microsoft.com/office/drawing/2014/main" id="{0B2F89A7-6BE6-8C07-F530-37EBD62627E5}"/>
+              </a:ext>
+            </a:extLst>
+          </p:cNvPr>
+          <p:cNvCxnSpPr>
+            <a:cxnSpLocks/>
+            <a:stCxn id="41" idx="2"/>
+            <a:endCxn id="39" idx="1"/>
+          </p:cNvCxnSpPr>
+          <p:nvPr/>
+        </p:nvCxnSpPr>
+        <p:spPr>
+          <a:xfrm>
+            <a:off x="6423004" y="2635082"/>
+            <a:ext cx="105610" cy="694299"/>
+          </a:xfrm>
+          <a:prstGeom prst="straightConnector1">
+            <a:avLst/>
+          </a:prstGeom>
+          <a:ln>
+            <a:tailEnd type="triangle"/>
+          </a:ln>
+        </p:spPr>
+        <p:style>
+          <a:lnRef idx="1">
+            <a:schemeClr val="accent1"/>
+          </a:lnRef>
+          <a:fillRef idx="0">
+            <a:schemeClr val="accent1"/>
+          </a:fillRef>
+          <a:effectRef idx="0">
+            <a:schemeClr val="accent1"/>
+          </a:effectRef>
+          <a:fontRef idx="minor">
+            <a:schemeClr val="tx1"/>
+          </a:fontRef>
+        </p:style>
+      </p:cxnSp>
+      <p:sp>
+        <p:nvSpPr>
+          <p:cNvPr id="44" name="Elipse 43">
+            <a:extLst>
+              <a:ext uri="{FF2B5EF4-FFF2-40B4-BE49-F238E27FC236}">
+                <a16:creationId xmlns:a16="http://schemas.microsoft.com/office/drawing/2014/main" id="{1D0F1E51-3D11-A40A-C3ED-1E5E02E71DFF}"/>
+              </a:ext>
+            </a:extLst>
+          </p:cNvPr>
+          <p:cNvSpPr/>
+          <p:nvPr/>
+        </p:nvSpPr>
+        <p:spPr>
+          <a:xfrm>
+            <a:off x="6291916" y="3657621"/>
+            <a:ext cx="719852" cy="228600"/>
+          </a:xfrm>
+          <a:prstGeom prst="ellipse">
+            <a:avLst/>
+          </a:prstGeom>
+          <a:noFill/>
+          <a:ln>
+            <a:solidFill>
+              <a:srgbClr val="FF0000"/>
+            </a:solidFill>
+          </a:ln>
+        </p:spPr>
+        <p:style>
+          <a:lnRef idx="2">
+            <a:schemeClr val="accent1">
+              <a:shade val="15000"/>
+            </a:schemeClr>
+          </a:lnRef>
+          <a:fillRef idx="1">
+            <a:schemeClr val="accent1"/>
+          </a:fillRef>
+          <a:effectRef idx="0">
+            <a:schemeClr val="accent1"/>
+          </a:effectRef>
+          <a:fontRef idx="minor">
+            <a:schemeClr val="lt1"/>
+          </a:fontRef>
+        </p:style>
+        <p:txBody>
+          <a:bodyPr rtlCol="0" anchor="ctr"/>
+          <a:lstStyle/>
+          <a:p>
+            <a:pPr algn="ctr"/>
+            <a:endParaRPr lang="es-VE"/>
+          </a:p>
+        </p:txBody>
+      </p:sp>
+      <p:cxnSp>
+        <p:nvCxnSpPr>
+          <p:cNvPr id="46" name="Conector recto de flecha 45">
+            <a:extLst>
+              <a:ext uri="{FF2B5EF4-FFF2-40B4-BE49-F238E27FC236}">
+                <a16:creationId xmlns:a16="http://schemas.microsoft.com/office/drawing/2014/main" id="{B70BE86A-38EF-1BB5-CBFC-F036B7E58D7E}"/>
+              </a:ext>
+            </a:extLst>
+          </p:cNvPr>
+          <p:cNvCxnSpPr>
+            <a:cxnSpLocks/>
+            <a:stCxn id="19" idx="0"/>
+            <a:endCxn id="44" idx="4"/>
+          </p:cNvCxnSpPr>
+          <p:nvPr/>
+        </p:nvCxnSpPr>
+        <p:spPr>
+          <a:xfrm flipH="1" flipV="1">
+            <a:off x="6651842" y="3886221"/>
+            <a:ext cx="409" cy="617673"/>
+          </a:xfrm>
+          <a:prstGeom prst="straightConnector1">
+            <a:avLst/>
+          </a:prstGeom>
+          <a:ln>
+            <a:tailEnd type="triangle"/>
+          </a:ln>
+        </p:spPr>
+        <p:style>
+          <a:lnRef idx="1">
+            <a:schemeClr val="accent2"/>
+          </a:lnRef>
+          <a:fillRef idx="0">
+            <a:schemeClr val="accent2"/>
+          </a:fillRef>
+          <a:effectRef idx="0">
+            <a:schemeClr val="accent2"/>
+          </a:effectRef>
+          <a:fontRef idx="minor">
+            <a:schemeClr val="tx1"/>
+          </a:fontRef>
+        </p:style>
+      </p:cxnSp>
+      <p:sp>
+        <p:nvSpPr>
+          <p:cNvPr id="68" name="Abrir llave 67">
+            <a:extLst>
+              <a:ext uri="{FF2B5EF4-FFF2-40B4-BE49-F238E27FC236}">
+                <a16:creationId xmlns:a16="http://schemas.microsoft.com/office/drawing/2014/main" id="{41BAA5C3-35B8-B27B-CF57-10A4959D582D}"/>
+              </a:ext>
+            </a:extLst>
+          </p:cNvPr>
+          <p:cNvSpPr/>
+          <p:nvPr/>
+        </p:nvSpPr>
+        <p:spPr>
+          <a:xfrm rot="16200000">
+            <a:off x="4722813" y="1997000"/>
+            <a:ext cx="537987" cy="4304700"/>
+          </a:xfrm>
+          <a:prstGeom prst="leftBrace">
+            <a:avLst>
+              <a:gd name="adj1" fmla="val 8333"/>
+              <a:gd name="adj2" fmla="val 51606"/>
+            </a:avLst>
+          </a:prstGeom>
+        </p:spPr>
+        <p:style>
+          <a:lnRef idx="1">
+            <a:schemeClr val="dk1"/>
+          </a:lnRef>
+          <a:fillRef idx="0">
+            <a:schemeClr val="dk1"/>
+          </a:fillRef>
+          <a:effectRef idx="0">
+            <a:schemeClr val="dk1"/>
+          </a:effectRef>
+          <a:fontRef idx="minor">
+            <a:schemeClr val="tx1"/>
+          </a:fontRef>
+        </p:style>
+        <p:txBody>
+          <a:bodyPr rtlCol="0" anchor="ctr"/>
+          <a:lstStyle/>
+          <a:p>
+            <a:pPr algn="ctr"/>
+            <a:endParaRPr lang="es-VE"/>
+          </a:p>
+        </p:txBody>
+      </p:sp>
+      <p:sp>
+        <p:nvSpPr>
+          <p:cNvPr id="70" name="Rectángulo: esquinas redondeadas 69">
+            <a:extLst>
+              <a:ext uri="{FF2B5EF4-FFF2-40B4-BE49-F238E27FC236}">
+                <a16:creationId xmlns:a16="http://schemas.microsoft.com/office/drawing/2014/main" id="{9656B8E9-4BB5-488A-8A6E-537456FCAC97}"/>
+              </a:ext>
+            </a:extLst>
+          </p:cNvPr>
+          <p:cNvSpPr/>
+          <p:nvPr/>
+        </p:nvSpPr>
+        <p:spPr>
+          <a:xfrm>
+            <a:off x="4353027" y="4440896"/>
+            <a:ext cx="1447800" cy="691961"/>
+          </a:xfrm>
+          <a:prstGeom prst="roundRect">
+            <a:avLst/>
+          </a:prstGeom>
+          <a:noFill/>
+        </p:spPr>
+        <p:style>
+          <a:lnRef idx="2">
+            <a:schemeClr val="accent1">
+              <a:shade val="15000"/>
+            </a:schemeClr>
+          </a:lnRef>
+          <a:fillRef idx="1">
+            <a:schemeClr val="accent1"/>
+          </a:fillRef>
+          <a:effectRef idx="0">
+            <a:schemeClr val="accent1"/>
+          </a:effectRef>
+          <a:fontRef idx="minor">
+            <a:schemeClr val="lt1"/>
+          </a:fontRef>
+        </p:style>
+        <p:txBody>
+          <a:bodyPr rtlCol="0" anchor="ctr"/>
+          <a:lstStyle/>
+          <a:p>
+            <a:pPr algn="ctr"/>
+            <a:r>
+              <a:rPr lang="es-VE" sz="1400" dirty="0">
+                <a:solidFill>
+                  <a:schemeClr val="tx1"/>
+                </a:solidFill>
+              </a:rPr>
+              <a:t>Datos de registros agregados</a:t>
+            </a:r>
+          </a:p>
+        </p:txBody>
+      </p:sp>
+      <p:pic>
+        <p:nvPicPr>
+          <p:cNvPr id="73" name="Imagen 72">
+            <a:extLst>
+              <a:ext uri="{FF2B5EF4-FFF2-40B4-BE49-F238E27FC236}">
+                <a16:creationId xmlns:a16="http://schemas.microsoft.com/office/drawing/2014/main" id="{38E8CE25-903C-B6D8-DB24-448807BFD713}"/>
+              </a:ext>
+            </a:extLst>
+          </p:cNvPr>
+          <p:cNvPicPr>
+            <a:picLocks noChangeAspect="1"/>
+          </p:cNvPicPr>
+          <p:nvPr/>
+        </p:nvPicPr>
+        <p:blipFill>
+          <a:blip r:embed="rId6"/>
+          <a:stretch>
+            <a:fillRect/>
+          </a:stretch>
+        </p:blipFill>
+        <p:spPr>
+          <a:xfrm>
+            <a:off x="3211560" y="5680485"/>
+            <a:ext cx="4180646" cy="2303933"/>
+          </a:xfrm>
+          <a:prstGeom prst="rect">
+            <a:avLst/>
+          </a:prstGeom>
+        </p:spPr>
+      </p:pic>
+      <p:sp>
+        <p:nvSpPr>
+          <p:cNvPr id="74" name="Rectángulo: esquinas redondeadas 73">
+            <a:extLst>
+              <a:ext uri="{FF2B5EF4-FFF2-40B4-BE49-F238E27FC236}">
+                <a16:creationId xmlns:a16="http://schemas.microsoft.com/office/drawing/2014/main" id="{C98D1CC7-932F-D1F4-5CBF-827A26529CF2}"/>
+              </a:ext>
+            </a:extLst>
+          </p:cNvPr>
+          <p:cNvSpPr/>
+          <p:nvPr/>
+        </p:nvSpPr>
+        <p:spPr>
+          <a:xfrm>
+            <a:off x="170074" y="6004189"/>
+            <a:ext cx="2087381" cy="1656526"/>
+          </a:xfrm>
+          <a:prstGeom prst="roundRect">
+            <a:avLst/>
+          </a:prstGeom>
+          <a:noFill/>
+          <a:ln>
+            <a:solidFill>
+              <a:srgbClr val="FFC000"/>
+            </a:solidFill>
+          </a:ln>
+        </p:spPr>
+        <p:style>
+          <a:lnRef idx="2">
+            <a:schemeClr val="accent1">
+              <a:shade val="15000"/>
+            </a:schemeClr>
+          </a:lnRef>
+          <a:fillRef idx="1">
+            <a:schemeClr val="accent1"/>
+          </a:fillRef>
+          <a:effectRef idx="0">
+            <a:schemeClr val="accent1"/>
+          </a:effectRef>
+          <a:fontRef idx="minor">
+            <a:schemeClr val="lt1"/>
+          </a:fontRef>
+        </p:style>
+        <p:txBody>
+          <a:bodyPr rtlCol="0" anchor="ctr"/>
+          <a:lstStyle/>
+          <a:p>
+            <a:pPr algn="just"/>
+            <a:r>
+              <a:rPr lang="es-VE" sz="1400" dirty="0">
+                <a:solidFill>
+                  <a:schemeClr val="tx1"/>
+                </a:solidFill>
+              </a:rPr>
+              <a:t>Para agregar un nuevo </a:t>
+            </a:r>
+            <a:r>
+              <a:rPr lang="es-VE" sz="1400" dirty="0" err="1">
+                <a:solidFill>
+                  <a:schemeClr val="tx1"/>
+                </a:solidFill>
+              </a:rPr>
+              <a:t>Nvr</a:t>
+            </a:r>
+            <a:r>
+              <a:rPr lang="es-VE" sz="1400" dirty="0">
+                <a:solidFill>
+                  <a:schemeClr val="tx1"/>
+                </a:solidFill>
+              </a:rPr>
+              <a:t> debe presionar el botón ya antes mencionado el cuál apertura un formulario.  </a:t>
+            </a:r>
+          </a:p>
+        </p:txBody>
+      </p:sp>
+      <p:cxnSp>
+        <p:nvCxnSpPr>
+          <p:cNvPr id="76" name="Conector recto de flecha 75">
+            <a:extLst>
+              <a:ext uri="{FF2B5EF4-FFF2-40B4-BE49-F238E27FC236}">
+                <a16:creationId xmlns:a16="http://schemas.microsoft.com/office/drawing/2014/main" id="{13451ED0-DF66-AF0A-7E3F-8174E897912F}"/>
+              </a:ext>
+            </a:extLst>
+          </p:cNvPr>
+          <p:cNvCxnSpPr>
+            <a:stCxn id="74" idx="3"/>
+            <a:endCxn id="73" idx="1"/>
+          </p:cNvCxnSpPr>
+          <p:nvPr/>
+        </p:nvCxnSpPr>
+        <p:spPr>
+          <a:xfrm>
+            <a:off x="2257455" y="6832452"/>
+            <a:ext cx="954105" cy="0"/>
+          </a:xfrm>
+          <a:prstGeom prst="straightConnector1">
+            <a:avLst/>
+          </a:prstGeom>
+          <a:ln>
+            <a:tailEnd type="triangle"/>
+          </a:ln>
+        </p:spPr>
+        <p:style>
+          <a:lnRef idx="1">
+            <a:schemeClr val="accent1"/>
+          </a:lnRef>
+          <a:fillRef idx="0">
+            <a:schemeClr val="accent1"/>
+          </a:fillRef>
+          <a:effectRef idx="0">
+            <a:schemeClr val="accent1"/>
+          </a:effectRef>
+          <a:fontRef idx="minor">
+            <a:schemeClr val="tx1"/>
+          </a:fontRef>
+        </p:style>
+      </p:cxnSp>
+      <p:sp>
+        <p:nvSpPr>
+          <p:cNvPr id="79" name="CuadroTexto 78">
+            <a:extLst>
+              <a:ext uri="{FF2B5EF4-FFF2-40B4-BE49-F238E27FC236}">
+                <a16:creationId xmlns:a16="http://schemas.microsoft.com/office/drawing/2014/main" id="{5494C74B-091E-402C-887C-F9C81959D871}"/>
+              </a:ext>
+            </a:extLst>
+          </p:cNvPr>
+          <p:cNvSpPr txBox="1"/>
+          <p:nvPr/>
+        </p:nvSpPr>
+        <p:spPr>
+          <a:xfrm>
+            <a:off x="3263747" y="8082211"/>
+            <a:ext cx="3733800" cy="523220"/>
+          </a:xfrm>
+          <a:prstGeom prst="rect">
+            <a:avLst/>
+          </a:prstGeom>
+          <a:noFill/>
+        </p:spPr>
+        <p:txBody>
+          <a:bodyPr wrap="square" rtlCol="0">
+            <a:spAutoFit/>
+          </a:bodyPr>
+          <a:lstStyle/>
+          <a:p>
+            <a:r>
+              <a:rPr lang="es-VE" sz="1400" dirty="0"/>
+              <a:t>Si ya no desea crear un nuevo </a:t>
+            </a:r>
+            <a:r>
+              <a:rPr lang="es-VE" sz="1400" dirty="0" err="1"/>
+              <a:t>Nvr</a:t>
+            </a:r>
+            <a:r>
+              <a:rPr lang="es-VE" sz="1400" dirty="0"/>
+              <a:t> presione          de lo contrario rellene los campos y presione</a:t>
+            </a:r>
+            <a:endParaRPr lang="es-VE" sz="1400" dirty="0">
+              <a:solidFill>
+                <a:srgbClr val="FFC000"/>
+              </a:solidFill>
+              <a:highlight>
+                <a:srgbClr val="000000"/>
+              </a:highlight>
+            </a:endParaRPr>
+          </a:p>
+        </p:txBody>
+      </p:sp>
+      <p:sp>
+        <p:nvSpPr>
+          <p:cNvPr id="80" name="Rectángulo: esquinas redondeadas 79">
+            <a:extLst>
+              <a:ext uri="{FF2B5EF4-FFF2-40B4-BE49-F238E27FC236}">
+                <a16:creationId xmlns:a16="http://schemas.microsoft.com/office/drawing/2014/main" id="{6AE9FE85-1ABC-FD30-067F-7167E358379E}"/>
+              </a:ext>
+            </a:extLst>
+          </p:cNvPr>
+          <p:cNvSpPr/>
+          <p:nvPr/>
+        </p:nvSpPr>
+        <p:spPr>
+          <a:xfrm>
+            <a:off x="6529529" y="8096890"/>
+            <a:ext cx="744840" cy="222681"/>
+          </a:xfrm>
+          <a:prstGeom prst="roundRect">
+            <a:avLst/>
+          </a:prstGeom>
+          <a:solidFill>
+            <a:srgbClr val="FFC000"/>
+          </a:solidFill>
+          <a:ln>
+            <a:solidFill>
+              <a:srgbClr val="FFC000"/>
+            </a:solidFill>
+          </a:ln>
+        </p:spPr>
+        <p:style>
+          <a:lnRef idx="2">
+            <a:schemeClr val="accent1">
+              <a:shade val="15000"/>
+            </a:schemeClr>
+          </a:lnRef>
+          <a:fillRef idx="1">
+            <a:schemeClr val="accent1"/>
+          </a:fillRef>
+          <a:effectRef idx="0">
+            <a:schemeClr val="accent1"/>
+          </a:effectRef>
+          <a:fontRef idx="minor">
+            <a:schemeClr val="lt1"/>
+          </a:fontRef>
+        </p:style>
+        <p:txBody>
+          <a:bodyPr rtlCol="0" anchor="ctr"/>
+          <a:lstStyle/>
+          <a:p>
+            <a:pPr algn="ctr"/>
+            <a:r>
+              <a:rPr lang="es-VE" sz="1400" b="1" dirty="0"/>
+              <a:t>Volver </a:t>
+            </a:r>
+          </a:p>
+        </p:txBody>
+      </p:sp>
+      <p:sp>
+        <p:nvSpPr>
+          <p:cNvPr id="81" name="Rectángulo: esquinas redondeadas 80">
+            <a:extLst>
+              <a:ext uri="{FF2B5EF4-FFF2-40B4-BE49-F238E27FC236}">
+                <a16:creationId xmlns:a16="http://schemas.microsoft.com/office/drawing/2014/main" id="{10571E38-6AFE-94B2-6E8F-C93BD192F68A}"/>
+              </a:ext>
+            </a:extLst>
+          </p:cNvPr>
+          <p:cNvSpPr/>
+          <p:nvPr/>
+        </p:nvSpPr>
+        <p:spPr>
+          <a:xfrm>
+            <a:off x="3381106" y="8621705"/>
+            <a:ext cx="1158353" cy="262832"/>
+          </a:xfrm>
+          <a:prstGeom prst="roundRect">
+            <a:avLst/>
+          </a:prstGeom>
+          <a:solidFill>
+            <a:srgbClr val="00B050"/>
+          </a:solidFill>
+          <a:ln>
+            <a:solidFill>
+              <a:srgbClr val="00B050"/>
+            </a:solidFill>
+          </a:ln>
+        </p:spPr>
+        <p:style>
+          <a:lnRef idx="2">
+            <a:schemeClr val="accent1">
+              <a:shade val="15000"/>
+            </a:schemeClr>
+          </a:lnRef>
+          <a:fillRef idx="1">
+            <a:schemeClr val="accent1"/>
+          </a:fillRef>
+          <a:effectRef idx="0">
+            <a:schemeClr val="accent1"/>
+          </a:effectRef>
+          <a:fontRef idx="minor">
+            <a:schemeClr val="lt1"/>
+          </a:fontRef>
+        </p:style>
+        <p:txBody>
+          <a:bodyPr rtlCol="0" anchor="ctr"/>
+          <a:lstStyle/>
+          <a:p>
+            <a:pPr algn="ctr"/>
+            <a:r>
+              <a:rPr lang="es-VE" sz="1400" dirty="0"/>
+              <a:t>Guardar </a:t>
+            </a:r>
+            <a:r>
+              <a:rPr lang="es-VE" sz="1400" dirty="0" err="1"/>
+              <a:t>Nvr</a:t>
+            </a:r>
+            <a:endParaRPr lang="es-VE" sz="1400" dirty="0"/>
+          </a:p>
+        </p:txBody>
+      </p:sp>
+      <p:sp>
+        <p:nvSpPr>
+          <p:cNvPr id="82" name="CuadroTexto 81">
+            <a:extLst>
+              <a:ext uri="{FF2B5EF4-FFF2-40B4-BE49-F238E27FC236}">
+                <a16:creationId xmlns:a16="http://schemas.microsoft.com/office/drawing/2014/main" id="{DA21427E-1D16-1098-88C6-E3823984D38C}"/>
+              </a:ext>
+            </a:extLst>
+          </p:cNvPr>
+          <p:cNvSpPr txBox="1"/>
+          <p:nvPr/>
+        </p:nvSpPr>
+        <p:spPr>
+          <a:xfrm>
+            <a:off x="974101" y="9319339"/>
+            <a:ext cx="5605780" cy="492443"/>
+          </a:xfrm>
+          <a:prstGeom prst="rect">
+            <a:avLst/>
+          </a:prstGeom>
+          <a:noFill/>
+        </p:spPr>
+        <p:txBody>
+          <a:bodyPr wrap="square" rtlCol="0">
+            <a:spAutoFit/>
+          </a:bodyPr>
+          <a:lstStyle/>
+          <a:p>
+            <a:pPr algn="just"/>
+            <a:r>
+              <a:rPr lang="es-VE" sz="1400" b="1" dirty="0"/>
+              <a:t>Nota: </a:t>
+            </a:r>
+            <a:r>
+              <a:rPr lang="es-VE" sz="1200" b="1" dirty="0"/>
+              <a:t>Para los demás equipos el proceso es similar, los cambios se aplican en los formularios, ya que para los distintos equipos los tipos de  datos  varían. </a:t>
+            </a:r>
+          </a:p>
+        </p:txBody>
+      </p:sp>
+      <p:sp>
+        <p:nvSpPr>
+          <p:cNvPr id="83" name="CuadroTexto 82">
+            <a:extLst>
+              <a:ext uri="{FF2B5EF4-FFF2-40B4-BE49-F238E27FC236}">
+                <a16:creationId xmlns:a16="http://schemas.microsoft.com/office/drawing/2014/main" id="{978DD2BA-1BA2-89A5-F8CE-9137FA4C3498}"/>
+              </a:ext>
+            </a:extLst>
+          </p:cNvPr>
+          <p:cNvSpPr txBox="1"/>
+          <p:nvPr/>
+        </p:nvSpPr>
+        <p:spPr>
+          <a:xfrm>
+            <a:off x="253771" y="1197189"/>
+            <a:ext cx="1697627" cy="461665"/>
+          </a:xfrm>
+          <a:prstGeom prst="rect">
+            <a:avLst/>
+          </a:prstGeom>
+          <a:noFill/>
+        </p:spPr>
+        <p:txBody>
+          <a:bodyPr wrap="square" rtlCol="0">
+            <a:spAutoFit/>
+          </a:bodyPr>
+          <a:lstStyle/>
+          <a:p>
+            <a:r>
+              <a:rPr lang="es-VE" sz="2400" dirty="0"/>
+              <a:t>3.2 Equipos </a:t>
+            </a:r>
+          </a:p>
+        </p:txBody>
+      </p:sp>
+      <p:sp>
+        <p:nvSpPr>
+          <p:cNvPr id="84" name="CuadroTexto 83">
+            <a:extLst>
+              <a:ext uri="{FF2B5EF4-FFF2-40B4-BE49-F238E27FC236}">
+                <a16:creationId xmlns:a16="http://schemas.microsoft.com/office/drawing/2014/main" id="{BF15EC9F-084F-71A3-81CB-7A6DA467E70B}"/>
+              </a:ext>
+            </a:extLst>
+          </p:cNvPr>
+          <p:cNvSpPr txBox="1"/>
+          <p:nvPr/>
+        </p:nvSpPr>
+        <p:spPr>
+          <a:xfrm>
+            <a:off x="2928178" y="1608808"/>
+            <a:ext cx="1697627" cy="400110"/>
+          </a:xfrm>
+          <a:prstGeom prst="rect">
+            <a:avLst/>
+          </a:prstGeom>
+          <a:noFill/>
+        </p:spPr>
+        <p:txBody>
+          <a:bodyPr wrap="square" rtlCol="0">
+            <a:spAutoFit/>
+          </a:bodyPr>
+          <a:lstStyle/>
+          <a:p>
+            <a:r>
+              <a:rPr lang="es-VE" sz="2000" dirty="0"/>
+              <a:t>3.2.1 </a:t>
+            </a:r>
+            <a:r>
+              <a:rPr lang="es-VE" sz="2000" dirty="0" err="1"/>
+              <a:t>Nvr</a:t>
+            </a:r>
+            <a:endParaRPr lang="es-VE" sz="2000" dirty="0"/>
+          </a:p>
+        </p:txBody>
+      </p:sp>
+    </p:spTree>
+    <p:extLst>
+      <p:ext uri="{BB962C8B-B14F-4D97-AF65-F5344CB8AC3E}">
+        <p14:creationId xmlns:p14="http://schemas.microsoft.com/office/powerpoint/2010/main" val="2441115552"/>
+      </p:ext>
+    </p:extLst>
+  </p:cSld>
+  <p:clrMapOvr>
+    <a:masterClrMapping/>
+  </p:clrMapOvr>
+</p:sld>
+</file>
+
+<file path=ppt/slides/slide12.xml><?xml version="1.0" encoding="utf-8"?>
+<p:sld xmlns:a="http://schemas.openxmlformats.org/drawingml/2006/main" xmlns:r="http://schemas.openxmlformats.org/officeDocument/2006/relationships" xmlns:p="http://schemas.openxmlformats.org/presentationml/2006/main">
+  <p:cSld>
+    <p:bg>
+      <p:bgPr>
+        <a:solidFill>
+          <a:srgbClr val="F7F5F2"/>
+        </a:solidFill>
+        <a:effectLst/>
+      </p:bgPr>
+    </p:bg>
+    <p:spTree>
+      <p:nvGrpSpPr>
+        <p:cNvPr id="1" name="">
+          <a:extLst>
+            <a:ext uri="{FF2B5EF4-FFF2-40B4-BE49-F238E27FC236}">
+              <a16:creationId xmlns:a16="http://schemas.microsoft.com/office/drawing/2014/main" id="{475B3789-8CBE-4CFB-DABA-4C699F68D6F0}"/>
+            </a:ext>
+          </a:extLst>
+        </p:cNvPr>
+        <p:cNvGrpSpPr/>
+        <p:nvPr/>
+      </p:nvGrpSpPr>
+      <p:grpSpPr>
+        <a:xfrm>
+          <a:off x="0" y="0"/>
+          <a:ext cx="0" cy="0"/>
+          <a:chOff x="0" y="0"/>
+          <a:chExt cx="0" cy="0"/>
+        </a:xfrm>
+      </p:grpSpPr>
+      <p:sp>
+        <p:nvSpPr>
+          <p:cNvPr id="7" name="Freeform 7">
+            <a:extLst>
+              <a:ext uri="{FF2B5EF4-FFF2-40B4-BE49-F238E27FC236}">
+                <a16:creationId xmlns:a16="http://schemas.microsoft.com/office/drawing/2014/main" id="{0A1112B1-E1C7-C2A2-FEC0-4A86C9CBA8F0}"/>
+              </a:ext>
+            </a:extLst>
+          </p:cNvPr>
+          <p:cNvSpPr/>
+          <p:nvPr/>
+        </p:nvSpPr>
+        <p:spPr>
+          <a:xfrm rot="5400000">
+            <a:off x="5789382" y="-1598340"/>
+            <a:ext cx="2362194" cy="3049781"/>
+          </a:xfrm>
+          <a:custGeom>
+            <a:avLst/>
+            <a:gdLst/>
+            <a:ahLst/>
+            <a:cxnLst/>
+            <a:rect l="l" t="t" r="r" b="b"/>
+            <a:pathLst>
+              <a:path w="2362194" h="3049781">
+                <a:moveTo>
+                  <a:pt x="0" y="0"/>
+                </a:moveTo>
+                <a:lnTo>
+                  <a:pt x="2362194" y="0"/>
+                </a:lnTo>
+                <a:lnTo>
+                  <a:pt x="2362194" y="3049782"/>
+                </a:lnTo>
+                <a:lnTo>
+                  <a:pt x="0" y="3049782"/>
+                </a:lnTo>
+                <a:lnTo>
+                  <a:pt x="0" y="0"/>
+                </a:lnTo>
+                <a:close/>
+              </a:path>
+            </a:pathLst>
+          </a:custGeom>
+          <a:blipFill>
+            <a:blip r:embed="rId3">
+              <a:extLst>
+                <a:ext uri="{96DAC541-7B7A-43D3-8B79-37D633B846F1}">
+                  <asvg:svgBlip xmlns:asvg="http://schemas.microsoft.com/office/drawing/2016/SVG/main" r:embed="rId4"/>
+                </a:ext>
+              </a:extLst>
+            </a:blip>
+            <a:stretch>
+              <a:fillRect/>
+            </a:stretch>
+          </a:blipFill>
+        </p:spPr>
+      </p:sp>
+      <p:sp>
+        <p:nvSpPr>
+          <p:cNvPr id="8" name="Freeform 8">
+            <a:extLst>
+              <a:ext uri="{FF2B5EF4-FFF2-40B4-BE49-F238E27FC236}">
+                <a16:creationId xmlns:a16="http://schemas.microsoft.com/office/drawing/2014/main" id="{188AD99D-9A30-754E-0667-E2B7FE292FBE}"/>
+              </a:ext>
+            </a:extLst>
+          </p:cNvPr>
+          <p:cNvSpPr/>
+          <p:nvPr/>
+        </p:nvSpPr>
+        <p:spPr>
+          <a:xfrm rot="5400000">
+            <a:off x="2595895" y="-1598340"/>
+            <a:ext cx="2362194" cy="3049781"/>
+          </a:xfrm>
+          <a:custGeom>
+            <a:avLst/>
+            <a:gdLst/>
+            <a:ahLst/>
+            <a:cxnLst/>
+            <a:rect l="l" t="t" r="r" b="b"/>
+            <a:pathLst>
+              <a:path w="2362194" h="3049781">
+                <a:moveTo>
+                  <a:pt x="0" y="0"/>
+                </a:moveTo>
+                <a:lnTo>
+                  <a:pt x="2362194" y="0"/>
+                </a:lnTo>
+                <a:lnTo>
+                  <a:pt x="2362194" y="3049782"/>
+                </a:lnTo>
+                <a:lnTo>
+                  <a:pt x="0" y="3049782"/>
+                </a:lnTo>
+                <a:lnTo>
+                  <a:pt x="0" y="0"/>
+                </a:lnTo>
+                <a:close/>
+              </a:path>
+            </a:pathLst>
+          </a:custGeom>
+          <a:blipFill>
+            <a:blip r:embed="rId3">
+              <a:extLst>
+                <a:ext uri="{96DAC541-7B7A-43D3-8B79-37D633B846F1}">
+                  <asvg:svgBlip xmlns:asvg="http://schemas.microsoft.com/office/drawing/2016/SVG/main" r:embed="rId4"/>
+                </a:ext>
+              </a:extLst>
+            </a:blip>
+            <a:stretch>
+              <a:fillRect/>
+            </a:stretch>
+          </a:blipFill>
+        </p:spPr>
+      </p:sp>
+      <p:sp>
+        <p:nvSpPr>
+          <p:cNvPr id="9" name="Freeform 9">
+            <a:extLst>
+              <a:ext uri="{FF2B5EF4-FFF2-40B4-BE49-F238E27FC236}">
+                <a16:creationId xmlns:a16="http://schemas.microsoft.com/office/drawing/2014/main" id="{41CDDD4E-C66A-93B5-9606-6AD3D5865F66}"/>
+              </a:ext>
+            </a:extLst>
+          </p:cNvPr>
+          <p:cNvSpPr/>
+          <p:nvPr/>
+        </p:nvSpPr>
+        <p:spPr>
+          <a:xfrm rot="5400000">
+            <a:off x="-591576" y="-1598340"/>
+            <a:ext cx="2362194" cy="3049781"/>
+          </a:xfrm>
+          <a:custGeom>
+            <a:avLst/>
+            <a:gdLst/>
+            <a:ahLst/>
+            <a:cxnLst/>
+            <a:rect l="l" t="t" r="r" b="b"/>
+            <a:pathLst>
+              <a:path w="2362194" h="3049781">
+                <a:moveTo>
+                  <a:pt x="0" y="0"/>
+                </a:moveTo>
+                <a:lnTo>
+                  <a:pt x="2362194" y="0"/>
+                </a:lnTo>
+                <a:lnTo>
+                  <a:pt x="2362194" y="3049782"/>
+                </a:lnTo>
+                <a:lnTo>
+                  <a:pt x="0" y="3049782"/>
+                </a:lnTo>
+                <a:lnTo>
+                  <a:pt x="0" y="0"/>
+                </a:lnTo>
+                <a:close/>
+              </a:path>
+            </a:pathLst>
+          </a:custGeom>
+          <a:blipFill>
+            <a:blip r:embed="rId3">
+              <a:extLst>
+                <a:ext uri="{96DAC541-7B7A-43D3-8B79-37D633B846F1}">
+                  <asvg:svgBlip xmlns:asvg="http://schemas.microsoft.com/office/drawing/2016/SVG/main" r:embed="rId4"/>
+                </a:ext>
+              </a:extLst>
+            </a:blip>
+            <a:stretch>
+              <a:fillRect/>
+            </a:stretch>
+          </a:blipFill>
+        </p:spPr>
+      </p:sp>
+      <p:sp>
+        <p:nvSpPr>
+          <p:cNvPr id="10" name="AutoShape 10">
+            <a:extLst>
+              <a:ext uri="{FF2B5EF4-FFF2-40B4-BE49-F238E27FC236}">
+                <a16:creationId xmlns:a16="http://schemas.microsoft.com/office/drawing/2014/main" id="{FBFCCCE8-0655-D6C8-314B-9E17BFF13961}"/>
+              </a:ext>
+            </a:extLst>
+          </p:cNvPr>
+          <p:cNvSpPr/>
+          <p:nvPr/>
+        </p:nvSpPr>
+        <p:spPr>
+          <a:xfrm>
+            <a:off x="756000" y="9931238"/>
+            <a:ext cx="6048000" cy="0"/>
+          </a:xfrm>
+          <a:prstGeom prst="line">
+            <a:avLst/>
+          </a:prstGeom>
+          <a:ln w="9525" cap="flat">
+            <a:solidFill>
+              <a:srgbClr val="000000"/>
+            </a:solidFill>
+            <a:prstDash val="solid"/>
+            <a:headEnd type="none" w="sm" len="sm"/>
+            <a:tailEnd type="none" w="sm" len="sm"/>
+          </a:ln>
+        </p:spPr>
+      </p:sp>
+      <p:sp>
+        <p:nvSpPr>
+          <p:cNvPr id="12" name="TextBox 12">
+            <a:extLst>
+              <a:ext uri="{FF2B5EF4-FFF2-40B4-BE49-F238E27FC236}">
+                <a16:creationId xmlns:a16="http://schemas.microsoft.com/office/drawing/2014/main" id="{86F4AD7F-89CE-003B-0058-AFB4660B7FD0}"/>
+              </a:ext>
+            </a:extLst>
+          </p:cNvPr>
+          <p:cNvSpPr txBox="1"/>
+          <p:nvPr/>
+        </p:nvSpPr>
+        <p:spPr>
+          <a:xfrm>
+            <a:off x="756000" y="10084923"/>
+            <a:ext cx="1742330" cy="187325"/>
+          </a:xfrm>
+          <a:prstGeom prst="rect">
+            <a:avLst/>
+          </a:prstGeom>
+        </p:spPr>
+        <p:txBody>
+          <a:bodyPr lIns="0" tIns="0" rIns="0" bIns="0" rtlCol="0" anchor="t">
+            <a:spAutoFit/>
+          </a:bodyPr>
+          <a:lstStyle/>
+          <a:p>
+            <a:pPr algn="l">
+              <a:lnSpc>
+                <a:spcPts val="1599"/>
+              </a:lnSpc>
+            </a:pPr>
+            <a:r>
+              <a:rPr lang="en-US" sz="999" dirty="0" err="1">
+                <a:solidFill>
+                  <a:srgbClr val="222525"/>
+                </a:solidFill>
+                <a:latin typeface="Montserrat"/>
+                <a:ea typeface="Montserrat"/>
+                <a:cs typeface="Montserrat"/>
+                <a:sym typeface="Montserrat"/>
+              </a:rPr>
+              <a:t>Descripción</a:t>
+            </a:r>
+            <a:r>
+              <a:rPr lang="en-US" sz="999" dirty="0">
+                <a:solidFill>
+                  <a:srgbClr val="222525"/>
+                </a:solidFill>
+                <a:latin typeface="Montserrat"/>
+                <a:ea typeface="Montserrat"/>
+                <a:cs typeface="Montserrat"/>
+                <a:sym typeface="Montserrat"/>
+              </a:rPr>
+              <a:t> del Sistema</a:t>
+            </a:r>
+          </a:p>
+        </p:txBody>
+      </p:sp>
+      <p:sp>
+        <p:nvSpPr>
+          <p:cNvPr id="13" name="TextBox 13">
+            <a:extLst>
+              <a:ext uri="{FF2B5EF4-FFF2-40B4-BE49-F238E27FC236}">
+                <a16:creationId xmlns:a16="http://schemas.microsoft.com/office/drawing/2014/main" id="{B98B9475-F826-B5EF-1363-F3EEED218251}"/>
+              </a:ext>
+            </a:extLst>
+          </p:cNvPr>
+          <p:cNvSpPr txBox="1"/>
+          <p:nvPr/>
+        </p:nvSpPr>
+        <p:spPr>
+          <a:xfrm>
+            <a:off x="5249990" y="10084923"/>
+            <a:ext cx="1742330" cy="187325"/>
+          </a:xfrm>
+          <a:prstGeom prst="rect">
+            <a:avLst/>
+          </a:prstGeom>
+        </p:spPr>
+        <p:txBody>
+          <a:bodyPr lIns="0" tIns="0" rIns="0" bIns="0" rtlCol="0" anchor="t">
+            <a:spAutoFit/>
+          </a:bodyPr>
+          <a:lstStyle/>
+          <a:p>
+            <a:pPr algn="r">
+              <a:lnSpc>
+                <a:spcPts val="1599"/>
+              </a:lnSpc>
+            </a:pPr>
+            <a:r>
+              <a:rPr lang="en-US" sz="999" dirty="0">
+                <a:solidFill>
+                  <a:srgbClr val="222525"/>
+                </a:solidFill>
+                <a:latin typeface="Montserrat"/>
+                <a:ea typeface="Montserrat"/>
+                <a:cs typeface="Montserrat"/>
+                <a:sym typeface="Montserrat"/>
+              </a:rPr>
+              <a:t>12</a:t>
             </a:r>
           </a:p>
         </p:txBody>
@@ -7613,7 +8259,7 @@
 </p:sld>
 </file>
 
-<file path=ppt/slides/slide12.xml><?xml version="1.0" encoding="utf-8"?>
+<file path=ppt/slides/slide13.xml><?xml version="1.0" encoding="utf-8"?>
 <p:sld xmlns:a="http://schemas.openxmlformats.org/drawingml/2006/main" xmlns:r="http://schemas.openxmlformats.org/officeDocument/2006/relationships" xmlns:p="http://schemas.openxmlformats.org/presentationml/2006/main">
   <p:cSld>
     <p:bg>
@@ -7979,7 +8625,7 @@
                 <a:cs typeface="Montserrat"/>
                 <a:sym typeface="Montserrat"/>
               </a:rPr>
-              <a:t>12</a:t>
+              <a:t>13</a:t>
             </a:r>
           </a:p>
         </p:txBody>
@@ -8848,7 +9494,7 @@
 </p:sld>
 </file>
 
-<file path=ppt/slides/slide13.xml><?xml version="1.0" encoding="utf-8"?>
+<file path=ppt/slides/slide14.xml><?xml version="1.0" encoding="utf-8"?>
 <p:sld xmlns:a="http://schemas.openxmlformats.org/drawingml/2006/main" xmlns:r="http://schemas.openxmlformats.org/officeDocument/2006/relationships" xmlns:p="http://schemas.openxmlformats.org/presentationml/2006/main">
   <p:cSld>
     <p:bg>
@@ -9184,7 +9830,7 @@
                 <a:cs typeface="Montserrat"/>
                 <a:sym typeface="Montserrat"/>
               </a:rPr>
-              <a:t>13</a:t>
+              <a:t>14</a:t>
             </a:r>
           </a:p>
         </p:txBody>
@@ -9729,7 +10375,7 @@
 </p:sld>
 </file>
 
-<file path=ppt/slides/slide14.xml><?xml version="1.0" encoding="utf-8"?>
+<file path=ppt/slides/slide15.xml><?xml version="1.0" encoding="utf-8"?>
 <p:sld xmlns:a="http://schemas.openxmlformats.org/drawingml/2006/main" xmlns:r="http://schemas.openxmlformats.org/officeDocument/2006/relationships" xmlns:p="http://schemas.openxmlformats.org/presentationml/2006/main">
   <p:cSld>
     <p:bg>
@@ -10065,7 +10711,7 @@
                 <a:cs typeface="Montserrat"/>
                 <a:sym typeface="Montserrat"/>
               </a:rPr>
-              <a:t>14</a:t>
+              <a:t>15</a:t>
             </a:r>
           </a:p>
         </p:txBody>
@@ -10526,7 +11172,7 @@
 </p:sld>
 </file>
 
-<file path=ppt/slides/slide15.xml><?xml version="1.0" encoding="utf-8"?>
+<file path=ppt/slides/slide16.xml><?xml version="1.0" encoding="utf-8"?>
 <p:sld xmlns:a="http://schemas.openxmlformats.org/drawingml/2006/main" xmlns:r="http://schemas.openxmlformats.org/officeDocument/2006/relationships" xmlns:p="http://schemas.openxmlformats.org/presentationml/2006/main">
   <p:cSld>
     <p:bg>
@@ -10892,7 +11538,7 @@
                 <a:cs typeface="Montserrat"/>
                 <a:sym typeface="Montserrat"/>
               </a:rPr>
-              <a:t>15</a:t>
+              <a:t>16</a:t>
             </a:r>
           </a:p>
         </p:txBody>
@@ -11289,7 +11935,7 @@
 </p:sld>
 </file>
 
-<file path=ppt/slides/slide16.xml><?xml version="1.0" encoding="utf-8"?>
+<file path=ppt/slides/slide17.xml><?xml version="1.0" encoding="utf-8"?>
 <p:sld xmlns:a="http://schemas.openxmlformats.org/drawingml/2006/main" xmlns:r="http://schemas.openxmlformats.org/officeDocument/2006/relationships" xmlns:p="http://schemas.openxmlformats.org/presentationml/2006/main">
   <p:cSld>
     <p:bg>
@@ -11655,7 +12301,7 @@
                 <a:cs typeface="Montserrat"/>
                 <a:sym typeface="Montserrat"/>
               </a:rPr>
-              <a:t>16</a:t>
+              <a:t>17</a:t>
             </a:r>
           </a:p>
         </p:txBody>
@@ -12564,7 +13210,7 @@
 </p:sld>
 </file>
 
-<file path=ppt/slides/slide17.xml><?xml version="1.0" encoding="utf-8"?>
+<file path=ppt/slides/slide18.xml><?xml version="1.0" encoding="utf-8"?>
 <p:sld xmlns:a="http://schemas.openxmlformats.org/drawingml/2006/main" xmlns:r="http://schemas.openxmlformats.org/officeDocument/2006/relationships" xmlns:p="http://schemas.openxmlformats.org/presentationml/2006/main">
   <p:cSld>
     <p:bg>
@@ -12900,7 +13546,7 @@
                 <a:cs typeface="Montserrat"/>
                 <a:sym typeface="Montserrat"/>
               </a:rPr>
-              <a:t>17</a:t>
+              <a:t>18</a:t>
             </a:r>
           </a:p>
         </p:txBody>
@@ -13727,7 +14373,7 @@
 </p:sld>
 </file>
 
-<file path=ppt/slides/slide18.xml><?xml version="1.0" encoding="utf-8"?>
+<file path=ppt/slides/slide19.xml><?xml version="1.0" encoding="utf-8"?>
 <p:sld xmlns:a="http://schemas.openxmlformats.org/drawingml/2006/main" xmlns:r="http://schemas.openxmlformats.org/officeDocument/2006/relationships" xmlns:p="http://schemas.openxmlformats.org/presentationml/2006/main">
   <p:cSld>
     <p:bg>
@@ -14093,7 +14739,7 @@
                 <a:cs typeface="Montserrat"/>
                 <a:sym typeface="Montserrat"/>
               </a:rPr>
-              <a:t>18</a:t>
+              <a:t>19</a:t>
             </a:r>
           </a:p>
         </p:txBody>
@@ -14841,430 +15487,6 @@
     <p:extLst>
       <p:ext uri="{BB962C8B-B14F-4D97-AF65-F5344CB8AC3E}">
         <p14:creationId xmlns:p14="http://schemas.microsoft.com/office/powerpoint/2010/main" val="4038908493"/>
-      </p:ext>
-    </p:extLst>
-  </p:cSld>
-  <p:clrMapOvr>
-    <a:masterClrMapping/>
-  </p:clrMapOvr>
-</p:sld>
-</file>
-
-<file path=ppt/slides/slide19.xml><?xml version="1.0" encoding="utf-8"?>
-<p:sld xmlns:a="http://schemas.openxmlformats.org/drawingml/2006/main" xmlns:r="http://schemas.openxmlformats.org/officeDocument/2006/relationships" xmlns:p="http://schemas.openxmlformats.org/presentationml/2006/main">
-  <p:cSld>
-    <p:bg>
-      <p:bgPr>
-        <a:solidFill>
-          <a:srgbClr val="F7F5F2"/>
-        </a:solidFill>
-        <a:effectLst/>
-      </p:bgPr>
-    </p:bg>
-    <p:spTree>
-      <p:nvGrpSpPr>
-        <p:cNvPr id="1" name="">
-          <a:extLst>
-            <a:ext uri="{FF2B5EF4-FFF2-40B4-BE49-F238E27FC236}">
-              <a16:creationId xmlns:a16="http://schemas.microsoft.com/office/drawing/2014/main" id="{F8CCFE0A-C738-4326-510B-F73615777A0C}"/>
-            </a:ext>
-          </a:extLst>
-        </p:cNvPr>
-        <p:cNvGrpSpPr/>
-        <p:nvPr/>
-      </p:nvGrpSpPr>
-      <p:grpSpPr>
-        <a:xfrm>
-          <a:off x="0" y="0"/>
-          <a:ext cx="0" cy="0"/>
-          <a:chOff x="0" y="0"/>
-          <a:chExt cx="0" cy="0"/>
-        </a:xfrm>
-      </p:grpSpPr>
-      <p:sp>
-        <p:nvSpPr>
-          <p:cNvPr id="7" name="Freeform 7">
-            <a:extLst>
-              <a:ext uri="{FF2B5EF4-FFF2-40B4-BE49-F238E27FC236}">
-                <a16:creationId xmlns:a16="http://schemas.microsoft.com/office/drawing/2014/main" id="{A1074BDE-DEF9-DDFE-C0E4-C7483128F307}"/>
-              </a:ext>
-            </a:extLst>
-          </p:cNvPr>
-          <p:cNvSpPr/>
-          <p:nvPr/>
-        </p:nvSpPr>
-        <p:spPr>
-          <a:xfrm rot="5400000">
-            <a:off x="5789382" y="-1598340"/>
-            <a:ext cx="2362194" cy="3049781"/>
-          </a:xfrm>
-          <a:custGeom>
-            <a:avLst/>
-            <a:gdLst/>
-            <a:ahLst/>
-            <a:cxnLst/>
-            <a:rect l="l" t="t" r="r" b="b"/>
-            <a:pathLst>
-              <a:path w="2362194" h="3049781">
-                <a:moveTo>
-                  <a:pt x="0" y="0"/>
-                </a:moveTo>
-                <a:lnTo>
-                  <a:pt x="2362194" y="0"/>
-                </a:lnTo>
-                <a:lnTo>
-                  <a:pt x="2362194" y="3049782"/>
-                </a:lnTo>
-                <a:lnTo>
-                  <a:pt x="0" y="3049782"/>
-                </a:lnTo>
-                <a:lnTo>
-                  <a:pt x="0" y="0"/>
-                </a:lnTo>
-                <a:close/>
-              </a:path>
-            </a:pathLst>
-          </a:custGeom>
-          <a:blipFill>
-            <a:blip r:embed="rId3">
-              <a:extLst>
-                <a:ext uri="{96DAC541-7B7A-43D3-8B79-37D633B846F1}">
-                  <asvg:svgBlip xmlns:asvg="http://schemas.microsoft.com/office/drawing/2016/SVG/main" r:embed="rId4"/>
-                </a:ext>
-              </a:extLst>
-            </a:blip>
-            <a:stretch>
-              <a:fillRect/>
-            </a:stretch>
-          </a:blipFill>
-        </p:spPr>
-      </p:sp>
-      <p:sp>
-        <p:nvSpPr>
-          <p:cNvPr id="8" name="Freeform 8">
-            <a:extLst>
-              <a:ext uri="{FF2B5EF4-FFF2-40B4-BE49-F238E27FC236}">
-                <a16:creationId xmlns:a16="http://schemas.microsoft.com/office/drawing/2014/main" id="{9E0BDD7A-1842-2CDA-FE45-E8FD32D22C19}"/>
-              </a:ext>
-            </a:extLst>
-          </p:cNvPr>
-          <p:cNvSpPr/>
-          <p:nvPr/>
-        </p:nvSpPr>
-        <p:spPr>
-          <a:xfrm rot="5400000">
-            <a:off x="2595895" y="-1598340"/>
-            <a:ext cx="2362194" cy="3049781"/>
-          </a:xfrm>
-          <a:custGeom>
-            <a:avLst/>
-            <a:gdLst/>
-            <a:ahLst/>
-            <a:cxnLst/>
-            <a:rect l="l" t="t" r="r" b="b"/>
-            <a:pathLst>
-              <a:path w="2362194" h="3049781">
-                <a:moveTo>
-                  <a:pt x="0" y="0"/>
-                </a:moveTo>
-                <a:lnTo>
-                  <a:pt x="2362194" y="0"/>
-                </a:lnTo>
-                <a:lnTo>
-                  <a:pt x="2362194" y="3049782"/>
-                </a:lnTo>
-                <a:lnTo>
-                  <a:pt x="0" y="3049782"/>
-                </a:lnTo>
-                <a:lnTo>
-                  <a:pt x="0" y="0"/>
-                </a:lnTo>
-                <a:close/>
-              </a:path>
-            </a:pathLst>
-          </a:custGeom>
-          <a:blipFill>
-            <a:blip r:embed="rId3">
-              <a:extLst>
-                <a:ext uri="{96DAC541-7B7A-43D3-8B79-37D633B846F1}">
-                  <asvg:svgBlip xmlns:asvg="http://schemas.microsoft.com/office/drawing/2016/SVG/main" r:embed="rId4"/>
-                </a:ext>
-              </a:extLst>
-            </a:blip>
-            <a:stretch>
-              <a:fillRect/>
-            </a:stretch>
-          </a:blipFill>
-        </p:spPr>
-      </p:sp>
-      <p:sp>
-        <p:nvSpPr>
-          <p:cNvPr id="9" name="Freeform 9">
-            <a:extLst>
-              <a:ext uri="{FF2B5EF4-FFF2-40B4-BE49-F238E27FC236}">
-                <a16:creationId xmlns:a16="http://schemas.microsoft.com/office/drawing/2014/main" id="{AE1B4BFF-6FA1-A36D-5336-ECE622FFCDAB}"/>
-              </a:ext>
-            </a:extLst>
-          </p:cNvPr>
-          <p:cNvSpPr/>
-          <p:nvPr/>
-        </p:nvSpPr>
-        <p:spPr>
-          <a:xfrm rot="5400000">
-            <a:off x="-591576" y="-1598340"/>
-            <a:ext cx="2362194" cy="3049781"/>
-          </a:xfrm>
-          <a:custGeom>
-            <a:avLst/>
-            <a:gdLst/>
-            <a:ahLst/>
-            <a:cxnLst/>
-            <a:rect l="l" t="t" r="r" b="b"/>
-            <a:pathLst>
-              <a:path w="2362194" h="3049781">
-                <a:moveTo>
-                  <a:pt x="0" y="0"/>
-                </a:moveTo>
-                <a:lnTo>
-                  <a:pt x="2362194" y="0"/>
-                </a:lnTo>
-                <a:lnTo>
-                  <a:pt x="2362194" y="3049782"/>
-                </a:lnTo>
-                <a:lnTo>
-                  <a:pt x="0" y="3049782"/>
-                </a:lnTo>
-                <a:lnTo>
-                  <a:pt x="0" y="0"/>
-                </a:lnTo>
-                <a:close/>
-              </a:path>
-            </a:pathLst>
-          </a:custGeom>
-          <a:blipFill>
-            <a:blip r:embed="rId3">
-              <a:extLst>
-                <a:ext uri="{96DAC541-7B7A-43D3-8B79-37D633B846F1}">
-                  <asvg:svgBlip xmlns:asvg="http://schemas.microsoft.com/office/drawing/2016/SVG/main" r:embed="rId4"/>
-                </a:ext>
-              </a:extLst>
-            </a:blip>
-            <a:stretch>
-              <a:fillRect/>
-            </a:stretch>
-          </a:blipFill>
-        </p:spPr>
-      </p:sp>
-      <p:sp>
-        <p:nvSpPr>
-          <p:cNvPr id="10" name="AutoShape 10">
-            <a:extLst>
-              <a:ext uri="{FF2B5EF4-FFF2-40B4-BE49-F238E27FC236}">
-                <a16:creationId xmlns:a16="http://schemas.microsoft.com/office/drawing/2014/main" id="{BAB1305F-7C96-E12F-1F45-AA983D29ED62}"/>
-              </a:ext>
-            </a:extLst>
-          </p:cNvPr>
-          <p:cNvSpPr/>
-          <p:nvPr/>
-        </p:nvSpPr>
-        <p:spPr>
-          <a:xfrm>
-            <a:off x="756000" y="9931238"/>
-            <a:ext cx="6048000" cy="0"/>
-          </a:xfrm>
-          <a:prstGeom prst="line">
-            <a:avLst/>
-          </a:prstGeom>
-          <a:ln w="9525" cap="flat">
-            <a:solidFill>
-              <a:srgbClr val="000000"/>
-            </a:solidFill>
-            <a:prstDash val="solid"/>
-            <a:headEnd type="none" w="sm" len="sm"/>
-            <a:tailEnd type="none" w="sm" len="sm"/>
-          </a:ln>
-        </p:spPr>
-      </p:sp>
-      <p:sp>
-        <p:nvSpPr>
-          <p:cNvPr id="12" name="TextBox 12">
-            <a:extLst>
-              <a:ext uri="{FF2B5EF4-FFF2-40B4-BE49-F238E27FC236}">
-                <a16:creationId xmlns:a16="http://schemas.microsoft.com/office/drawing/2014/main" id="{3549CB89-DC2C-9FCD-34D3-57FB4CF5B6C4}"/>
-              </a:ext>
-            </a:extLst>
-          </p:cNvPr>
-          <p:cNvSpPr txBox="1"/>
-          <p:nvPr/>
-        </p:nvSpPr>
-        <p:spPr>
-          <a:xfrm>
-            <a:off x="756000" y="10084923"/>
-            <a:ext cx="1742330" cy="187325"/>
-          </a:xfrm>
-          <a:prstGeom prst="rect">
-            <a:avLst/>
-          </a:prstGeom>
-        </p:spPr>
-        <p:txBody>
-          <a:bodyPr lIns="0" tIns="0" rIns="0" bIns="0" rtlCol="0" anchor="t">
-            <a:spAutoFit/>
-          </a:bodyPr>
-          <a:lstStyle/>
-          <a:p>
-            <a:pPr algn="l">
-              <a:lnSpc>
-                <a:spcPts val="1599"/>
-              </a:lnSpc>
-            </a:pPr>
-            <a:r>
-              <a:rPr lang="en-US" sz="999" dirty="0" err="1">
-                <a:solidFill>
-                  <a:srgbClr val="222525"/>
-                </a:solidFill>
-                <a:latin typeface="Montserrat"/>
-                <a:ea typeface="Montserrat"/>
-                <a:cs typeface="Montserrat"/>
-                <a:sym typeface="Montserrat"/>
-              </a:rPr>
-              <a:t>Descripción</a:t>
-            </a:r>
-            <a:r>
-              <a:rPr lang="en-US" sz="999" dirty="0">
-                <a:solidFill>
-                  <a:srgbClr val="222525"/>
-                </a:solidFill>
-                <a:latin typeface="Montserrat"/>
-                <a:ea typeface="Montserrat"/>
-                <a:cs typeface="Montserrat"/>
-                <a:sym typeface="Montserrat"/>
-              </a:rPr>
-              <a:t> del Sistema</a:t>
-            </a:r>
-          </a:p>
-        </p:txBody>
-      </p:sp>
-      <p:sp>
-        <p:nvSpPr>
-          <p:cNvPr id="13" name="TextBox 13">
-            <a:extLst>
-              <a:ext uri="{FF2B5EF4-FFF2-40B4-BE49-F238E27FC236}">
-                <a16:creationId xmlns:a16="http://schemas.microsoft.com/office/drawing/2014/main" id="{A80FA2F4-3ED3-72F2-B41C-74578BA985D2}"/>
-              </a:ext>
-            </a:extLst>
-          </p:cNvPr>
-          <p:cNvSpPr txBox="1"/>
-          <p:nvPr/>
-        </p:nvSpPr>
-        <p:spPr>
-          <a:xfrm>
-            <a:off x="5061670" y="10084923"/>
-            <a:ext cx="1742330" cy="187325"/>
-          </a:xfrm>
-          <a:prstGeom prst="rect">
-            <a:avLst/>
-          </a:prstGeom>
-        </p:spPr>
-        <p:txBody>
-          <a:bodyPr lIns="0" tIns="0" rIns="0" bIns="0" rtlCol="0" anchor="t">
-            <a:spAutoFit/>
-          </a:bodyPr>
-          <a:lstStyle/>
-          <a:p>
-            <a:pPr algn="r">
-              <a:lnSpc>
-                <a:spcPts val="1599"/>
-              </a:lnSpc>
-            </a:pPr>
-            <a:r>
-              <a:rPr lang="en-US" sz="999" dirty="0">
-                <a:solidFill>
-                  <a:srgbClr val="222525"/>
-                </a:solidFill>
-                <a:latin typeface="Montserrat"/>
-                <a:ea typeface="Montserrat"/>
-                <a:cs typeface="Montserrat"/>
-                <a:sym typeface="Montserrat"/>
-              </a:rPr>
-              <a:t>19</a:t>
-            </a:r>
-          </a:p>
-        </p:txBody>
-      </p:sp>
-      <p:sp>
-        <p:nvSpPr>
-          <p:cNvPr id="2" name="CuadroTexto 1">
-            <a:extLst>
-              <a:ext uri="{FF2B5EF4-FFF2-40B4-BE49-F238E27FC236}">
-                <a16:creationId xmlns:a16="http://schemas.microsoft.com/office/drawing/2014/main" id="{50517D95-5683-4CDA-F0AA-7623042D6050}"/>
-              </a:ext>
-            </a:extLst>
-          </p:cNvPr>
-          <p:cNvSpPr txBox="1"/>
-          <p:nvPr/>
-        </p:nvSpPr>
-        <p:spPr>
-          <a:xfrm>
-            <a:off x="875817" y="1301892"/>
-            <a:ext cx="2902433" cy="400110"/>
-          </a:xfrm>
-          <a:prstGeom prst="rect">
-            <a:avLst/>
-          </a:prstGeom>
-          <a:noFill/>
-        </p:spPr>
-        <p:txBody>
-          <a:bodyPr wrap="square" rtlCol="0">
-            <a:spAutoFit/>
-          </a:bodyPr>
-          <a:lstStyle/>
-          <a:p>
-            <a:r>
-              <a:rPr lang="es-VE" sz="2000" dirty="0"/>
-              <a:t>3.6.3 Manual de Usuarios</a:t>
-            </a:r>
-          </a:p>
-        </p:txBody>
-      </p:sp>
-      <p:sp>
-        <p:nvSpPr>
-          <p:cNvPr id="3" name="CuadroTexto 2">
-            <a:extLst>
-              <a:ext uri="{FF2B5EF4-FFF2-40B4-BE49-F238E27FC236}">
-                <a16:creationId xmlns:a16="http://schemas.microsoft.com/office/drawing/2014/main" id="{067EC943-7A0F-1E16-56F0-651AD6533650}"/>
-              </a:ext>
-            </a:extLst>
-          </p:cNvPr>
-          <p:cNvSpPr txBox="1"/>
-          <p:nvPr/>
-        </p:nvSpPr>
-        <p:spPr>
-          <a:xfrm>
-            <a:off x="875817" y="4626780"/>
-            <a:ext cx="3435833" cy="400110"/>
-          </a:xfrm>
-          <a:prstGeom prst="rect">
-            <a:avLst/>
-          </a:prstGeom>
-          <a:noFill/>
-        </p:spPr>
-        <p:txBody>
-          <a:bodyPr wrap="square" rtlCol="0">
-            <a:spAutoFit/>
-          </a:bodyPr>
-          <a:lstStyle/>
-          <a:p>
-            <a:r>
-              <a:rPr lang="es-VE" sz="2000" dirty="0"/>
-              <a:t>3.6.4 Manual de Desarrollador</a:t>
-            </a:r>
-          </a:p>
-        </p:txBody>
-      </p:sp>
-    </p:spTree>
-    <p:extLst>
-      <p:ext uri="{BB962C8B-B14F-4D97-AF65-F5344CB8AC3E}">
-        <p14:creationId xmlns:p14="http://schemas.microsoft.com/office/powerpoint/2010/main" val="2350055862"/>
       </p:ext>
     </p:extLst>
   </p:cSld>
@@ -15949,7 +16171,13 @@
           <p:cNvGraphicFramePr>
             <a:graphicFrameLocks noGrp="1"/>
           </p:cNvGraphicFramePr>
-          <p:nvPr/>
+          <p:nvPr>
+            <p:extLst>
+              <p:ext uri="{D42A27DB-BD31-4B8C-83A1-F6EECF244321}">
+                <p14:modId xmlns:p14="http://schemas.microsoft.com/office/powerpoint/2010/main" val="2406249388"/>
+              </p:ext>
+            </p:extLst>
+          </p:nvPr>
         </p:nvGraphicFramePr>
         <p:xfrm>
           <a:off x="756000" y="6023186"/>
@@ -16476,18 +16704,16 @@
                         <a:defRPr/>
                       </a:pPr>
                       <a:r>
-                        <a:rPr lang="en-US" sz="999">
+                        <a:rPr lang="en-US" sz="999" dirty="0">
                           <a:solidFill>
                             <a:srgbClr val="000000"/>
                           </a:solidFill>
                           <a:latin typeface="Montserrat"/>
-                          <a:ea typeface="Montserrat"/>
-                          <a:cs typeface="Montserrat"/>
                           <a:sym typeface="Montserrat"/>
                         </a:rPr>
-                        <a:t>xxxx</a:t>
+                        <a:t>2025-09-14</a:t>
                       </a:r>
-                      <a:endParaRPr lang="en-US" sz="1100"/>
+                      <a:endParaRPr lang="en-US" sz="1100" dirty="0"/>
                     </a:p>
                   </a:txBody>
                   <a:tcPr marL="114300" marR="114300" marT="114300" marB="114300" anchor="ctr">
@@ -16925,7 +17151,7 @@
                         </a:lnSpc>
                         <a:defRPr/>
                       </a:pPr>
-                      <a:endParaRPr lang="en-US" sz="1100"/>
+                      <a:endParaRPr lang="en-US" sz="1100" dirty="0"/>
                     </a:p>
                   </a:txBody>
                   <a:tcPr marL="114300" marR="114300" marT="114300" marB="114300" anchor="ctr">
@@ -17059,15 +17285,264 @@
           </a:p>
         </p:txBody>
       </p:sp>
-      <p:sp>
-        <p:nvSpPr>
-          <p:cNvPr id="10" name="TextBox 10"/>
+    </p:spTree>
+  </p:cSld>
+  <p:clrMapOvr>
+    <a:masterClrMapping/>
+  </p:clrMapOvr>
+</p:sld>
+</file>
+
+<file path=ppt/slides/slide20.xml><?xml version="1.0" encoding="utf-8"?>
+<p:sld xmlns:a="http://schemas.openxmlformats.org/drawingml/2006/main" xmlns:r="http://schemas.openxmlformats.org/officeDocument/2006/relationships" xmlns:p="http://schemas.openxmlformats.org/presentationml/2006/main">
+  <p:cSld>
+    <p:bg>
+      <p:bgPr>
+        <a:solidFill>
+          <a:srgbClr val="F7F5F2"/>
+        </a:solidFill>
+        <a:effectLst/>
+      </p:bgPr>
+    </p:bg>
+    <p:spTree>
+      <p:nvGrpSpPr>
+        <p:cNvPr id="1" name="">
+          <a:extLst>
+            <a:ext uri="{FF2B5EF4-FFF2-40B4-BE49-F238E27FC236}">
+              <a16:creationId xmlns:a16="http://schemas.microsoft.com/office/drawing/2014/main" id="{F8CCFE0A-C738-4326-510B-F73615777A0C}"/>
+            </a:ext>
+          </a:extLst>
+        </p:cNvPr>
+        <p:cNvGrpSpPr/>
+        <p:nvPr/>
+      </p:nvGrpSpPr>
+      <p:grpSpPr>
+        <a:xfrm>
+          <a:off x="0" y="0"/>
+          <a:ext cx="0" cy="0"/>
+          <a:chOff x="0" y="0"/>
+          <a:chExt cx="0" cy="0"/>
+        </a:xfrm>
+      </p:grpSpPr>
+      <p:sp>
+        <p:nvSpPr>
+          <p:cNvPr id="7" name="Freeform 7">
+            <a:extLst>
+              <a:ext uri="{FF2B5EF4-FFF2-40B4-BE49-F238E27FC236}">
+                <a16:creationId xmlns:a16="http://schemas.microsoft.com/office/drawing/2014/main" id="{A1074BDE-DEF9-DDFE-C0E4-C7483128F307}"/>
+              </a:ext>
+            </a:extLst>
+          </p:cNvPr>
+          <p:cNvSpPr/>
+          <p:nvPr/>
+        </p:nvSpPr>
+        <p:spPr>
+          <a:xfrm rot="5400000">
+            <a:off x="5789382" y="-1598340"/>
+            <a:ext cx="2362194" cy="3049781"/>
+          </a:xfrm>
+          <a:custGeom>
+            <a:avLst/>
+            <a:gdLst/>
+            <a:ahLst/>
+            <a:cxnLst/>
+            <a:rect l="l" t="t" r="r" b="b"/>
+            <a:pathLst>
+              <a:path w="2362194" h="3049781">
+                <a:moveTo>
+                  <a:pt x="0" y="0"/>
+                </a:moveTo>
+                <a:lnTo>
+                  <a:pt x="2362194" y="0"/>
+                </a:lnTo>
+                <a:lnTo>
+                  <a:pt x="2362194" y="3049782"/>
+                </a:lnTo>
+                <a:lnTo>
+                  <a:pt x="0" y="3049782"/>
+                </a:lnTo>
+                <a:lnTo>
+                  <a:pt x="0" y="0"/>
+                </a:lnTo>
+                <a:close/>
+              </a:path>
+            </a:pathLst>
+          </a:custGeom>
+          <a:blipFill>
+            <a:blip r:embed="rId3">
+              <a:extLst>
+                <a:ext uri="{96DAC541-7B7A-43D3-8B79-37D633B846F1}">
+                  <asvg:svgBlip xmlns:asvg="http://schemas.microsoft.com/office/drawing/2016/SVG/main" r:embed="rId4"/>
+                </a:ext>
+              </a:extLst>
+            </a:blip>
+            <a:stretch>
+              <a:fillRect/>
+            </a:stretch>
+          </a:blipFill>
+        </p:spPr>
+      </p:sp>
+      <p:sp>
+        <p:nvSpPr>
+          <p:cNvPr id="8" name="Freeform 8">
+            <a:extLst>
+              <a:ext uri="{FF2B5EF4-FFF2-40B4-BE49-F238E27FC236}">
+                <a16:creationId xmlns:a16="http://schemas.microsoft.com/office/drawing/2014/main" id="{9E0BDD7A-1842-2CDA-FE45-E8FD32D22C19}"/>
+              </a:ext>
+            </a:extLst>
+          </p:cNvPr>
+          <p:cNvSpPr/>
+          <p:nvPr/>
+        </p:nvSpPr>
+        <p:spPr>
+          <a:xfrm rot="5400000">
+            <a:off x="2595895" y="-1598340"/>
+            <a:ext cx="2362194" cy="3049781"/>
+          </a:xfrm>
+          <a:custGeom>
+            <a:avLst/>
+            <a:gdLst/>
+            <a:ahLst/>
+            <a:cxnLst/>
+            <a:rect l="l" t="t" r="r" b="b"/>
+            <a:pathLst>
+              <a:path w="2362194" h="3049781">
+                <a:moveTo>
+                  <a:pt x="0" y="0"/>
+                </a:moveTo>
+                <a:lnTo>
+                  <a:pt x="2362194" y="0"/>
+                </a:lnTo>
+                <a:lnTo>
+                  <a:pt x="2362194" y="3049782"/>
+                </a:lnTo>
+                <a:lnTo>
+                  <a:pt x="0" y="3049782"/>
+                </a:lnTo>
+                <a:lnTo>
+                  <a:pt x="0" y="0"/>
+                </a:lnTo>
+                <a:close/>
+              </a:path>
+            </a:pathLst>
+          </a:custGeom>
+          <a:blipFill>
+            <a:blip r:embed="rId3">
+              <a:extLst>
+                <a:ext uri="{96DAC541-7B7A-43D3-8B79-37D633B846F1}">
+                  <asvg:svgBlip xmlns:asvg="http://schemas.microsoft.com/office/drawing/2016/SVG/main" r:embed="rId4"/>
+                </a:ext>
+              </a:extLst>
+            </a:blip>
+            <a:stretch>
+              <a:fillRect/>
+            </a:stretch>
+          </a:blipFill>
+        </p:spPr>
+      </p:sp>
+      <p:sp>
+        <p:nvSpPr>
+          <p:cNvPr id="9" name="Freeform 9">
+            <a:extLst>
+              <a:ext uri="{FF2B5EF4-FFF2-40B4-BE49-F238E27FC236}">
+                <a16:creationId xmlns:a16="http://schemas.microsoft.com/office/drawing/2014/main" id="{AE1B4BFF-6FA1-A36D-5336-ECE622FFCDAB}"/>
+              </a:ext>
+            </a:extLst>
+          </p:cNvPr>
+          <p:cNvSpPr/>
+          <p:nvPr/>
+        </p:nvSpPr>
+        <p:spPr>
+          <a:xfrm rot="5400000">
+            <a:off x="-591576" y="-1598340"/>
+            <a:ext cx="2362194" cy="3049781"/>
+          </a:xfrm>
+          <a:custGeom>
+            <a:avLst/>
+            <a:gdLst/>
+            <a:ahLst/>
+            <a:cxnLst/>
+            <a:rect l="l" t="t" r="r" b="b"/>
+            <a:pathLst>
+              <a:path w="2362194" h="3049781">
+                <a:moveTo>
+                  <a:pt x="0" y="0"/>
+                </a:moveTo>
+                <a:lnTo>
+                  <a:pt x="2362194" y="0"/>
+                </a:lnTo>
+                <a:lnTo>
+                  <a:pt x="2362194" y="3049782"/>
+                </a:lnTo>
+                <a:lnTo>
+                  <a:pt x="0" y="3049782"/>
+                </a:lnTo>
+                <a:lnTo>
+                  <a:pt x="0" y="0"/>
+                </a:lnTo>
+                <a:close/>
+              </a:path>
+            </a:pathLst>
+          </a:custGeom>
+          <a:blipFill>
+            <a:blip r:embed="rId3">
+              <a:extLst>
+                <a:ext uri="{96DAC541-7B7A-43D3-8B79-37D633B846F1}">
+                  <asvg:svgBlip xmlns:asvg="http://schemas.microsoft.com/office/drawing/2016/SVG/main" r:embed="rId4"/>
+                </a:ext>
+              </a:extLst>
+            </a:blip>
+            <a:stretch>
+              <a:fillRect/>
+            </a:stretch>
+          </a:blipFill>
+        </p:spPr>
+      </p:sp>
+      <p:sp>
+        <p:nvSpPr>
+          <p:cNvPr id="10" name="AutoShape 10">
+            <a:extLst>
+              <a:ext uri="{FF2B5EF4-FFF2-40B4-BE49-F238E27FC236}">
+                <a16:creationId xmlns:a16="http://schemas.microsoft.com/office/drawing/2014/main" id="{BAB1305F-7C96-E12F-1F45-AA983D29ED62}"/>
+              </a:ext>
+            </a:extLst>
+          </p:cNvPr>
+          <p:cNvSpPr/>
+          <p:nvPr/>
+        </p:nvSpPr>
+        <p:spPr>
+          <a:xfrm>
+            <a:off x="756000" y="9931238"/>
+            <a:ext cx="6048000" cy="0"/>
+          </a:xfrm>
+          <a:prstGeom prst="line">
+            <a:avLst/>
+          </a:prstGeom>
+          <a:ln w="9525" cap="flat">
+            <a:solidFill>
+              <a:srgbClr val="000000"/>
+            </a:solidFill>
+            <a:prstDash val="solid"/>
+            <a:headEnd type="none" w="sm" len="sm"/>
+            <a:tailEnd type="none" w="sm" len="sm"/>
+          </a:ln>
+        </p:spPr>
+      </p:sp>
+      <p:sp>
+        <p:nvSpPr>
+          <p:cNvPr id="12" name="TextBox 12">
+            <a:extLst>
+              <a:ext uri="{FF2B5EF4-FFF2-40B4-BE49-F238E27FC236}">
+                <a16:creationId xmlns:a16="http://schemas.microsoft.com/office/drawing/2014/main" id="{3549CB89-DC2C-9FCD-34D3-57FB4CF5B6C4}"/>
+              </a:ext>
+            </a:extLst>
+          </p:cNvPr>
           <p:cNvSpPr txBox="1"/>
           <p:nvPr/>
         </p:nvSpPr>
         <p:spPr>
           <a:xfrm>
-            <a:off x="5061670" y="10084923"/>
+            <a:off x="756000" y="10084923"/>
             <a:ext cx="1742330" cy="187325"/>
           </a:xfrm>
           <a:prstGeom prst="rect">
@@ -17080,13 +17555,13 @@
           </a:bodyPr>
           <a:lstStyle/>
           <a:p>
-            <a:pPr algn="r">
+            <a:pPr algn="l">
               <a:lnSpc>
                 <a:spcPts val="1599"/>
               </a:lnSpc>
             </a:pPr>
             <a:r>
-              <a:rPr lang="en-US" sz="999">
+              <a:rPr lang="en-US" sz="999" dirty="0" err="1">
                 <a:solidFill>
                   <a:srgbClr val="222525"/>
                 </a:solidFill>
@@ -17095,12 +17570,622 @@
                 <a:cs typeface="Montserrat"/>
                 <a:sym typeface="Montserrat"/>
               </a:rPr>
-              <a:t>01</a:t>
-            </a:r>
-          </a:p>
-        </p:txBody>
-      </p:sp>
+              <a:t>Descripción</a:t>
+            </a:r>
+            <a:r>
+              <a:rPr lang="en-US" sz="999" dirty="0">
+                <a:solidFill>
+                  <a:srgbClr val="222525"/>
+                </a:solidFill>
+                <a:latin typeface="Montserrat"/>
+                <a:ea typeface="Montserrat"/>
+                <a:cs typeface="Montserrat"/>
+                <a:sym typeface="Montserrat"/>
+              </a:rPr>
+              <a:t> del Sistema</a:t>
+            </a:r>
+          </a:p>
+        </p:txBody>
+      </p:sp>
+      <p:sp>
+        <p:nvSpPr>
+          <p:cNvPr id="13" name="TextBox 13">
+            <a:extLst>
+              <a:ext uri="{FF2B5EF4-FFF2-40B4-BE49-F238E27FC236}">
+                <a16:creationId xmlns:a16="http://schemas.microsoft.com/office/drawing/2014/main" id="{A80FA2F4-3ED3-72F2-B41C-74578BA985D2}"/>
+              </a:ext>
+            </a:extLst>
+          </p:cNvPr>
+          <p:cNvSpPr txBox="1"/>
+          <p:nvPr/>
+        </p:nvSpPr>
+        <p:spPr>
+          <a:xfrm>
+            <a:off x="5061670" y="10084923"/>
+            <a:ext cx="1742330" cy="187325"/>
+          </a:xfrm>
+          <a:prstGeom prst="rect">
+            <a:avLst/>
+          </a:prstGeom>
+        </p:spPr>
+        <p:txBody>
+          <a:bodyPr lIns="0" tIns="0" rIns="0" bIns="0" rtlCol="0" anchor="t">
+            <a:spAutoFit/>
+          </a:bodyPr>
+          <a:lstStyle/>
+          <a:p>
+            <a:pPr algn="r">
+              <a:lnSpc>
+                <a:spcPts val="1599"/>
+              </a:lnSpc>
+            </a:pPr>
+            <a:r>
+              <a:rPr lang="en-US" sz="999" dirty="0">
+                <a:solidFill>
+                  <a:srgbClr val="222525"/>
+                </a:solidFill>
+                <a:latin typeface="Montserrat"/>
+                <a:ea typeface="Montserrat"/>
+                <a:cs typeface="Montserrat"/>
+                <a:sym typeface="Montserrat"/>
+              </a:rPr>
+              <a:t>20</a:t>
+            </a:r>
+          </a:p>
+        </p:txBody>
+      </p:sp>
+      <p:sp>
+        <p:nvSpPr>
+          <p:cNvPr id="2" name="CuadroTexto 1">
+            <a:extLst>
+              <a:ext uri="{FF2B5EF4-FFF2-40B4-BE49-F238E27FC236}">
+                <a16:creationId xmlns:a16="http://schemas.microsoft.com/office/drawing/2014/main" id="{50517D95-5683-4CDA-F0AA-7623042D6050}"/>
+              </a:ext>
+            </a:extLst>
+          </p:cNvPr>
+          <p:cNvSpPr txBox="1"/>
+          <p:nvPr/>
+        </p:nvSpPr>
+        <p:spPr>
+          <a:xfrm>
+            <a:off x="875817" y="1301892"/>
+            <a:ext cx="2902433" cy="400110"/>
+          </a:xfrm>
+          <a:prstGeom prst="rect">
+            <a:avLst/>
+          </a:prstGeom>
+          <a:noFill/>
+        </p:spPr>
+        <p:txBody>
+          <a:bodyPr wrap="square" rtlCol="0">
+            <a:spAutoFit/>
+          </a:bodyPr>
+          <a:lstStyle/>
+          <a:p>
+            <a:r>
+              <a:rPr lang="es-VE" sz="2000" dirty="0"/>
+              <a:t>3.6.3 Manual de Usuario</a:t>
+            </a:r>
+          </a:p>
+        </p:txBody>
+      </p:sp>
+      <p:sp>
+        <p:nvSpPr>
+          <p:cNvPr id="3" name="CuadroTexto 2">
+            <a:extLst>
+              <a:ext uri="{FF2B5EF4-FFF2-40B4-BE49-F238E27FC236}">
+                <a16:creationId xmlns:a16="http://schemas.microsoft.com/office/drawing/2014/main" id="{067EC943-7A0F-1E16-56F0-651AD6533650}"/>
+              </a:ext>
+            </a:extLst>
+          </p:cNvPr>
+          <p:cNvSpPr txBox="1"/>
+          <p:nvPr/>
+        </p:nvSpPr>
+        <p:spPr>
+          <a:xfrm>
+            <a:off x="496056" y="5579023"/>
+            <a:ext cx="3435833" cy="400110"/>
+          </a:xfrm>
+          <a:prstGeom prst="rect">
+            <a:avLst/>
+          </a:prstGeom>
+          <a:noFill/>
+        </p:spPr>
+        <p:txBody>
+          <a:bodyPr wrap="square" rtlCol="0">
+            <a:spAutoFit/>
+          </a:bodyPr>
+          <a:lstStyle/>
+          <a:p>
+            <a:r>
+              <a:rPr lang="es-VE" sz="2000" dirty="0"/>
+              <a:t>3.6.4 Manual de Desarrollador</a:t>
+            </a:r>
+          </a:p>
+        </p:txBody>
+      </p:sp>
+      <p:pic>
+        <p:nvPicPr>
+          <p:cNvPr id="11" name="Picture 10">
+            <a:extLst>
+              <a:ext uri="{FF2B5EF4-FFF2-40B4-BE49-F238E27FC236}">
+                <a16:creationId xmlns:a16="http://schemas.microsoft.com/office/drawing/2014/main" id="{F8C54283-0A13-F9ED-8136-10E2DE802529}"/>
+              </a:ext>
+            </a:extLst>
+          </p:cNvPr>
+          <p:cNvPicPr>
+            <a:picLocks noChangeAspect="1"/>
+          </p:cNvPicPr>
+          <p:nvPr/>
+        </p:nvPicPr>
+        <p:blipFill>
+          <a:blip r:embed="rId5"/>
+          <a:srcRect t="56668"/>
+          <a:stretch>
+            <a:fillRect/>
+          </a:stretch>
+        </p:blipFill>
+        <p:spPr>
+          <a:xfrm>
+            <a:off x="2210052" y="1767975"/>
+            <a:ext cx="2009949" cy="2556367"/>
+          </a:xfrm>
+          <a:prstGeom prst="rect">
+            <a:avLst/>
+          </a:prstGeom>
+        </p:spPr>
+      </p:pic>
+      <p:pic>
+        <p:nvPicPr>
+          <p:cNvPr id="16" name="Picture 15">
+            <a:extLst>
+              <a:ext uri="{FF2B5EF4-FFF2-40B4-BE49-F238E27FC236}">
+                <a16:creationId xmlns:a16="http://schemas.microsoft.com/office/drawing/2014/main" id="{8B1664DF-1C68-233D-67C1-7176550E8686}"/>
+              </a:ext>
+            </a:extLst>
+          </p:cNvPr>
+          <p:cNvPicPr>
+            <a:picLocks noChangeAspect="1"/>
+          </p:cNvPicPr>
+          <p:nvPr/>
+        </p:nvPicPr>
+        <p:blipFill>
+          <a:blip r:embed="rId6"/>
+          <a:stretch>
+            <a:fillRect/>
+          </a:stretch>
+        </p:blipFill>
+        <p:spPr>
+          <a:xfrm>
+            <a:off x="4341474" y="3096862"/>
+            <a:ext cx="2756567" cy="2172096"/>
+          </a:xfrm>
+          <a:prstGeom prst="rect">
+            <a:avLst/>
+          </a:prstGeom>
+        </p:spPr>
+      </p:pic>
+      <p:sp>
+        <p:nvSpPr>
+          <p:cNvPr id="17" name="TextBox 16">
+            <a:extLst>
+              <a:ext uri="{FF2B5EF4-FFF2-40B4-BE49-F238E27FC236}">
+                <a16:creationId xmlns:a16="http://schemas.microsoft.com/office/drawing/2014/main" id="{09DCFB92-439E-71D5-20B8-945754C14F8B}"/>
+              </a:ext>
+            </a:extLst>
+          </p:cNvPr>
+          <p:cNvSpPr txBox="1"/>
+          <p:nvPr/>
+        </p:nvSpPr>
+        <p:spPr>
+          <a:xfrm>
+            <a:off x="120650" y="2951860"/>
+            <a:ext cx="1792840" cy="307777"/>
+          </a:xfrm>
+          <a:prstGeom prst="rect">
+            <a:avLst/>
+          </a:prstGeom>
+          <a:noFill/>
+          <a:ln>
+            <a:solidFill>
+              <a:srgbClr val="FF0000"/>
+            </a:solidFill>
+          </a:ln>
+        </p:spPr>
+        <p:txBody>
+          <a:bodyPr wrap="square" rtlCol="0">
+            <a:spAutoFit/>
+          </a:bodyPr>
+          <a:lstStyle/>
+          <a:p>
+            <a:r>
+              <a:rPr lang="es-MX" sz="1400" dirty="0"/>
+              <a:t>Al presionar el botón </a:t>
+            </a:r>
+            <a:endParaRPr lang="es-VE" sz="1400" dirty="0"/>
+          </a:p>
+        </p:txBody>
+      </p:sp>
+      <p:cxnSp>
+        <p:nvCxnSpPr>
+          <p:cNvPr id="19" name="Straight Arrow Connector 18">
+            <a:extLst>
+              <a:ext uri="{FF2B5EF4-FFF2-40B4-BE49-F238E27FC236}">
+                <a16:creationId xmlns:a16="http://schemas.microsoft.com/office/drawing/2014/main" id="{BB06136E-E1F3-3B3E-777D-280FBD773FFE}"/>
+              </a:ext>
+            </a:extLst>
+          </p:cNvPr>
+          <p:cNvCxnSpPr>
+            <a:cxnSpLocks/>
+            <a:stCxn id="17" idx="3"/>
+          </p:cNvCxnSpPr>
+          <p:nvPr/>
+        </p:nvCxnSpPr>
+        <p:spPr>
+          <a:xfrm>
+            <a:off x="1913490" y="3105749"/>
+            <a:ext cx="267936" cy="0"/>
+          </a:xfrm>
+          <a:prstGeom prst="straightConnector1">
+            <a:avLst/>
+          </a:prstGeom>
+          <a:ln>
+            <a:tailEnd type="triangle"/>
+          </a:ln>
+        </p:spPr>
+        <p:style>
+          <a:lnRef idx="2">
+            <a:schemeClr val="dk1"/>
+          </a:lnRef>
+          <a:fillRef idx="0">
+            <a:schemeClr val="dk1"/>
+          </a:fillRef>
+          <a:effectRef idx="1">
+            <a:schemeClr val="dk1"/>
+          </a:effectRef>
+          <a:fontRef idx="minor">
+            <a:schemeClr val="tx1"/>
+          </a:fontRef>
+        </p:style>
+      </p:cxnSp>
+      <p:sp>
+        <p:nvSpPr>
+          <p:cNvPr id="21" name="TextBox 20">
+            <a:extLst>
+              <a:ext uri="{FF2B5EF4-FFF2-40B4-BE49-F238E27FC236}">
+                <a16:creationId xmlns:a16="http://schemas.microsoft.com/office/drawing/2014/main" id="{78850640-B647-2075-C4CA-D5240E0EB17B}"/>
+              </a:ext>
+            </a:extLst>
+          </p:cNvPr>
+          <p:cNvSpPr txBox="1"/>
+          <p:nvPr/>
+        </p:nvSpPr>
+        <p:spPr>
+          <a:xfrm>
+            <a:off x="5011160" y="1680414"/>
+            <a:ext cx="1792840" cy="1169551"/>
+          </a:xfrm>
+          <a:prstGeom prst="rect">
+            <a:avLst/>
+          </a:prstGeom>
+          <a:noFill/>
+          <a:ln>
+            <a:solidFill>
+              <a:srgbClr val="FFC000"/>
+            </a:solidFill>
+          </a:ln>
+        </p:spPr>
+        <p:txBody>
+          <a:bodyPr wrap="square" rtlCol="0">
+            <a:spAutoFit/>
+          </a:bodyPr>
+          <a:lstStyle/>
+          <a:p>
+            <a:r>
+              <a:rPr lang="es-MX" sz="1400" dirty="0"/>
+              <a:t>Se apertura una nueva pestaña con un archivo  </a:t>
+            </a:r>
+            <a:r>
+              <a:rPr lang="es-MX" sz="1400" dirty="0" err="1"/>
+              <a:t>pdf</a:t>
+            </a:r>
+            <a:r>
+              <a:rPr lang="es-MX" sz="1400" dirty="0"/>
+              <a:t> con las instrucciones de uso del sistema. </a:t>
+            </a:r>
+            <a:endParaRPr lang="es-VE" sz="1400" dirty="0"/>
+          </a:p>
+        </p:txBody>
+      </p:sp>
+      <p:cxnSp>
+        <p:nvCxnSpPr>
+          <p:cNvPr id="22" name="Straight Arrow Connector 21">
+            <a:extLst>
+              <a:ext uri="{FF2B5EF4-FFF2-40B4-BE49-F238E27FC236}">
+                <a16:creationId xmlns:a16="http://schemas.microsoft.com/office/drawing/2014/main" id="{2092904F-31D5-B146-AE49-EFD00D7F0320}"/>
+              </a:ext>
+            </a:extLst>
+          </p:cNvPr>
+          <p:cNvCxnSpPr>
+            <a:cxnSpLocks/>
+            <a:stCxn id="21" idx="2"/>
+          </p:cNvCxnSpPr>
+          <p:nvPr/>
+        </p:nvCxnSpPr>
+        <p:spPr>
+          <a:xfrm flipH="1">
+            <a:off x="5530850" y="2849965"/>
+            <a:ext cx="376730" cy="246897"/>
+          </a:xfrm>
+          <a:prstGeom prst="straightConnector1">
+            <a:avLst/>
+          </a:prstGeom>
+          <a:ln>
+            <a:solidFill>
+              <a:srgbClr val="FF0000"/>
+            </a:solidFill>
+            <a:tailEnd type="triangle"/>
+          </a:ln>
+        </p:spPr>
+        <p:style>
+          <a:lnRef idx="2">
+            <a:schemeClr val="dk1"/>
+          </a:lnRef>
+          <a:fillRef idx="0">
+            <a:schemeClr val="dk1"/>
+          </a:fillRef>
+          <a:effectRef idx="1">
+            <a:schemeClr val="dk1"/>
+          </a:effectRef>
+          <a:fontRef idx="minor">
+            <a:schemeClr val="tx1"/>
+          </a:fontRef>
+        </p:style>
+      </p:cxnSp>
+      <p:pic>
+        <p:nvPicPr>
+          <p:cNvPr id="32" name="Picture 31">
+            <a:extLst>
+              <a:ext uri="{FF2B5EF4-FFF2-40B4-BE49-F238E27FC236}">
+                <a16:creationId xmlns:a16="http://schemas.microsoft.com/office/drawing/2014/main" id="{862E301F-8F45-CF87-229F-7E86AB2C1651}"/>
+              </a:ext>
+            </a:extLst>
+          </p:cNvPr>
+          <p:cNvPicPr>
+            <a:picLocks noChangeAspect="1"/>
+          </p:cNvPicPr>
+          <p:nvPr/>
+        </p:nvPicPr>
+        <p:blipFill>
+          <a:blip r:embed="rId5"/>
+          <a:srcRect t="56668"/>
+          <a:stretch>
+            <a:fillRect/>
+          </a:stretch>
+        </p:blipFill>
+        <p:spPr>
+          <a:xfrm>
+            <a:off x="2331525" y="6326003"/>
+            <a:ext cx="2009949" cy="2556367"/>
+          </a:xfrm>
+          <a:prstGeom prst="rect">
+            <a:avLst/>
+          </a:prstGeom>
+        </p:spPr>
+      </p:pic>
+      <p:pic>
+        <p:nvPicPr>
+          <p:cNvPr id="33" name="Picture 32">
+            <a:extLst>
+              <a:ext uri="{FF2B5EF4-FFF2-40B4-BE49-F238E27FC236}">
+                <a16:creationId xmlns:a16="http://schemas.microsoft.com/office/drawing/2014/main" id="{058D8C6D-C766-08BD-FE55-4910403B139C}"/>
+              </a:ext>
+            </a:extLst>
+          </p:cNvPr>
+          <p:cNvPicPr>
+            <a:picLocks noChangeAspect="1"/>
+          </p:cNvPicPr>
+          <p:nvPr/>
+        </p:nvPicPr>
+        <p:blipFill>
+          <a:blip r:embed="rId6"/>
+          <a:stretch>
+            <a:fillRect/>
+          </a:stretch>
+        </p:blipFill>
+        <p:spPr>
+          <a:xfrm>
+            <a:off x="4462947" y="7654890"/>
+            <a:ext cx="2756567" cy="2172096"/>
+          </a:xfrm>
+          <a:prstGeom prst="rect">
+            <a:avLst/>
+          </a:prstGeom>
+        </p:spPr>
+      </p:pic>
+      <p:sp>
+        <p:nvSpPr>
+          <p:cNvPr id="34" name="TextBox 33">
+            <a:extLst>
+              <a:ext uri="{FF2B5EF4-FFF2-40B4-BE49-F238E27FC236}">
+                <a16:creationId xmlns:a16="http://schemas.microsoft.com/office/drawing/2014/main" id="{8D6C4660-8262-D83E-0C9B-BE7AB91CB20B}"/>
+              </a:ext>
+            </a:extLst>
+          </p:cNvPr>
+          <p:cNvSpPr txBox="1"/>
+          <p:nvPr/>
+        </p:nvSpPr>
+        <p:spPr>
+          <a:xfrm>
+            <a:off x="286473" y="7990742"/>
+            <a:ext cx="1792840" cy="307777"/>
+          </a:xfrm>
+          <a:prstGeom prst="rect">
+            <a:avLst/>
+          </a:prstGeom>
+          <a:noFill/>
+          <a:ln>
+            <a:solidFill>
+              <a:srgbClr val="FF0000"/>
+            </a:solidFill>
+          </a:ln>
+        </p:spPr>
+        <p:txBody>
+          <a:bodyPr wrap="square" rtlCol="0">
+            <a:spAutoFit/>
+          </a:bodyPr>
+          <a:lstStyle/>
+          <a:p>
+            <a:r>
+              <a:rPr lang="es-MX" sz="1400" dirty="0"/>
+              <a:t>Al presionar el botón </a:t>
+            </a:r>
+            <a:endParaRPr lang="es-VE" sz="1400" dirty="0"/>
+          </a:p>
+        </p:txBody>
+      </p:sp>
+      <p:cxnSp>
+        <p:nvCxnSpPr>
+          <p:cNvPr id="35" name="Straight Arrow Connector 34">
+            <a:extLst>
+              <a:ext uri="{FF2B5EF4-FFF2-40B4-BE49-F238E27FC236}">
+                <a16:creationId xmlns:a16="http://schemas.microsoft.com/office/drawing/2014/main" id="{FB030B3A-5AC1-DC5D-EC19-75A7C6C33DDA}"/>
+              </a:ext>
+            </a:extLst>
+          </p:cNvPr>
+          <p:cNvCxnSpPr>
+            <a:cxnSpLocks/>
+            <a:stCxn id="34" idx="3"/>
+          </p:cNvCxnSpPr>
+          <p:nvPr/>
+        </p:nvCxnSpPr>
+        <p:spPr>
+          <a:xfrm>
+            <a:off x="2079313" y="8144631"/>
+            <a:ext cx="267936" cy="0"/>
+          </a:xfrm>
+          <a:prstGeom prst="straightConnector1">
+            <a:avLst/>
+          </a:prstGeom>
+          <a:ln>
+            <a:tailEnd type="triangle"/>
+          </a:ln>
+        </p:spPr>
+        <p:style>
+          <a:lnRef idx="2">
+            <a:schemeClr val="dk1"/>
+          </a:lnRef>
+          <a:fillRef idx="0">
+            <a:schemeClr val="dk1"/>
+          </a:fillRef>
+          <a:effectRef idx="1">
+            <a:schemeClr val="dk1"/>
+          </a:effectRef>
+          <a:fontRef idx="minor">
+            <a:schemeClr val="tx1"/>
+          </a:fontRef>
+        </p:style>
+      </p:cxnSp>
+      <p:sp>
+        <p:nvSpPr>
+          <p:cNvPr id="36" name="TextBox 35">
+            <a:extLst>
+              <a:ext uri="{FF2B5EF4-FFF2-40B4-BE49-F238E27FC236}">
+                <a16:creationId xmlns:a16="http://schemas.microsoft.com/office/drawing/2014/main" id="{20FDF31C-645A-4BC3-4854-CEAB1D4D3B5B}"/>
+              </a:ext>
+            </a:extLst>
+          </p:cNvPr>
+          <p:cNvSpPr txBox="1"/>
+          <p:nvPr/>
+        </p:nvSpPr>
+        <p:spPr>
+          <a:xfrm>
+            <a:off x="5132633" y="6238442"/>
+            <a:ext cx="1792840" cy="1169551"/>
+          </a:xfrm>
+          <a:prstGeom prst="rect">
+            <a:avLst/>
+          </a:prstGeom>
+          <a:noFill/>
+          <a:ln>
+            <a:solidFill>
+              <a:srgbClr val="FFC000"/>
+            </a:solidFill>
+          </a:ln>
+        </p:spPr>
+        <p:txBody>
+          <a:bodyPr wrap="square" rtlCol="0">
+            <a:spAutoFit/>
+          </a:bodyPr>
+          <a:lstStyle/>
+          <a:p>
+            <a:r>
+              <a:rPr lang="es-MX" sz="1400" dirty="0"/>
+              <a:t>Se apertura una nueva pestaña con un archivo  </a:t>
+            </a:r>
+            <a:r>
+              <a:rPr lang="es-MX" sz="1400" dirty="0" err="1"/>
+              <a:t>pdf</a:t>
+            </a:r>
+            <a:r>
+              <a:rPr lang="es-MX" sz="1400" dirty="0"/>
+              <a:t> con las instrucciones de Desarrollador.</a:t>
+            </a:r>
+            <a:endParaRPr lang="es-VE" sz="1400" dirty="0"/>
+          </a:p>
+        </p:txBody>
+      </p:sp>
+      <p:cxnSp>
+        <p:nvCxnSpPr>
+          <p:cNvPr id="37" name="Straight Arrow Connector 36">
+            <a:extLst>
+              <a:ext uri="{FF2B5EF4-FFF2-40B4-BE49-F238E27FC236}">
+                <a16:creationId xmlns:a16="http://schemas.microsoft.com/office/drawing/2014/main" id="{7867DF3B-894B-84C8-6086-25362C61F060}"/>
+              </a:ext>
+            </a:extLst>
+          </p:cNvPr>
+          <p:cNvCxnSpPr>
+            <a:cxnSpLocks/>
+            <a:stCxn id="36" idx="2"/>
+          </p:cNvCxnSpPr>
+          <p:nvPr/>
+        </p:nvCxnSpPr>
+        <p:spPr>
+          <a:xfrm flipH="1">
+            <a:off x="5652323" y="7407993"/>
+            <a:ext cx="376730" cy="246897"/>
+          </a:xfrm>
+          <a:prstGeom prst="straightConnector1">
+            <a:avLst/>
+          </a:prstGeom>
+          <a:ln>
+            <a:solidFill>
+              <a:srgbClr val="FF0000"/>
+            </a:solidFill>
+            <a:tailEnd type="triangle"/>
+          </a:ln>
+        </p:spPr>
+        <p:style>
+          <a:lnRef idx="2">
+            <a:schemeClr val="dk1"/>
+          </a:lnRef>
+          <a:fillRef idx="0">
+            <a:schemeClr val="dk1"/>
+          </a:fillRef>
+          <a:effectRef idx="1">
+            <a:schemeClr val="dk1"/>
+          </a:effectRef>
+          <a:fontRef idx="minor">
+            <a:schemeClr val="tx1"/>
+          </a:fontRef>
+        </p:style>
+      </p:cxnSp>
     </p:spTree>
+    <p:extLst>
+      <p:ext uri="{BB962C8B-B14F-4D97-AF65-F5344CB8AC3E}">
+        <p14:creationId xmlns:p14="http://schemas.microsoft.com/office/powerpoint/2010/main" val="2350055862"/>
+      </p:ext>
+    </p:extLst>
   </p:cSld>
   <p:clrMapOvr>
     <a:masterClrMapping/>
@@ -17476,47 +18561,6 @@
       </p:sp>
       <p:sp>
         <p:nvSpPr>
-          <p:cNvPr id="8" name="TextBox 8"/>
-          <p:cNvSpPr txBox="1"/>
-          <p:nvPr/>
-        </p:nvSpPr>
-        <p:spPr>
-          <a:xfrm>
-            <a:off x="5061670" y="10084923"/>
-            <a:ext cx="1742330" cy="187325"/>
-          </a:xfrm>
-          <a:prstGeom prst="rect">
-            <a:avLst/>
-          </a:prstGeom>
-        </p:spPr>
-        <p:txBody>
-          <a:bodyPr lIns="0" tIns="0" rIns="0" bIns="0" rtlCol="0" anchor="t">
-            <a:spAutoFit/>
-          </a:bodyPr>
-          <a:lstStyle/>
-          <a:p>
-            <a:pPr algn="r">
-              <a:lnSpc>
-                <a:spcPts val="1599"/>
-              </a:lnSpc>
-            </a:pPr>
-            <a:r>
-              <a:rPr lang="en-US" sz="999" dirty="0">
-                <a:solidFill>
-                  <a:srgbClr val="222525"/>
-                </a:solidFill>
-                <a:latin typeface="Montserrat"/>
-                <a:ea typeface="Montserrat"/>
-                <a:cs typeface="Montserrat"/>
-                <a:sym typeface="Montserrat"/>
-              </a:rPr>
-              <a:t>01</a:t>
-            </a:r>
-          </a:p>
-        </p:txBody>
-      </p:sp>
-      <p:sp>
-        <p:nvSpPr>
           <p:cNvPr id="9" name="AutoShape 9"/>
           <p:cNvSpPr/>
           <p:nvPr/>
@@ -17725,7 +18769,7 @@
         <p:spPr>
           <a:xfrm>
             <a:off x="589521" y="5153604"/>
-            <a:ext cx="6727159" cy="4185761"/>
+            <a:ext cx="6727159" cy="4401205"/>
           </a:xfrm>
           <a:prstGeom prst="rect">
             <a:avLst/>
@@ -17744,7 +18788,7 @@
             </a:pPr>
             <a:r>
               <a:rPr lang="es-VE" sz="1400" dirty="0"/>
-              <a:t>Funcionalidad   ……………………………………………………………………………………………………..    5   </a:t>
+              <a:t>Funcionalidad   …………………..………………………………………………………………………………..     5   </a:t>
             </a:r>
           </a:p>
           <a:p>
@@ -17754,7 +18798,7 @@
             </a:pPr>
             <a:r>
               <a:rPr lang="es-VE" sz="1400" dirty="0"/>
-              <a:t>Botones y Tablas   …………………………………………………………………………………………………    8</a:t>
+              <a:t>Botones y Tablas   ………………..……………………………………………………………………………….    8</a:t>
             </a:r>
           </a:p>
           <a:p>
@@ -17764,28 +18808,35 @@
             </a:pPr>
             <a:r>
               <a:rPr lang="es-VE" sz="1400" dirty="0"/>
-              <a:t>Descripción del Sistema   ………………………………………………………………………………………    9 </a:t>
+              <a:t>Descripción del Sistema   ……..……………………………………………………………………………….    9 </a:t>
             </a:r>
           </a:p>
           <a:p>
             <a:pPr algn="just"/>
             <a:r>
               <a:rPr lang="es-VE" sz="1400" dirty="0"/>
-              <a:t>         3.1    Inicio   …………………………………………………………………………………………………………..   9</a:t>
+              <a:t>         3.1    Inicio   …………………………………………………………………………………………………………...   9</a:t>
             </a:r>
           </a:p>
           <a:p>
             <a:pPr algn="just"/>
             <a:r>
               <a:rPr lang="es-VE" sz="1400" dirty="0"/>
-              <a:t>         3.2    Equipos   ………………………………………………………………………………………………………. 10</a:t>
+              <a:t>         3.2    Monitoreo  .………………………………………………………………………………………………….. 10</a:t>
             </a:r>
           </a:p>
           <a:p>
             <a:pPr algn="just"/>
             <a:r>
               <a:rPr lang="es-VE" sz="1400" dirty="0"/>
-              <a:t>	3.2.1    </a:t>
+              <a:t>         3.3    Equipos   ………………………………………………………………………………………………………. 11</a:t>
+            </a:r>
+          </a:p>
+          <a:p>
+            <a:pPr algn="just"/>
+            <a:r>
+              <a:rPr lang="es-VE" sz="1400" dirty="0"/>
+              <a:t>	3.3.1    </a:t>
             </a:r>
             <a:r>
               <a:rPr lang="es-VE" sz="1400" dirty="0" err="1"/>
@@ -17793,77 +18844,77 @@
             </a:r>
             <a:r>
               <a:rPr lang="es-VE" sz="1400" dirty="0"/>
-              <a:t>   ……………………………………………………………………………………………...  10</a:t>
+              <a:t>   ……………………………………………………………………………………………...  11</a:t>
             </a:r>
           </a:p>
           <a:p>
             <a:pPr algn="just"/>
             <a:r>
               <a:rPr lang="es-VE" sz="1400" dirty="0"/>
-              <a:t>	3.2.2    Cámara   ………………………………………………………………………………………..  11</a:t>
+              <a:t>	3.3.2    Cámara   ………………………………………………………………………………………..  11</a:t>
             </a:r>
           </a:p>
           <a:p>
             <a:pPr algn="just"/>
             <a:r>
               <a:rPr lang="es-VE" sz="1400" dirty="0"/>
-              <a:t>	3.2.3    Enlace   ………………………………………………………………………………………….  11</a:t>
+              <a:t>	3.3.3    Enlace   ………………………………………………………………………………………….  11</a:t>
             </a:r>
           </a:p>
           <a:p>
             <a:pPr algn="just"/>
             <a:r>
               <a:rPr lang="es-VE" sz="1400" dirty="0"/>
-              <a:t>	3.2.4    Switch   ………………………………………………………………………………………….  11</a:t>
+              <a:t>	3.3.4    Switch   ………………………………………………………………………………………….  11</a:t>
             </a:r>
           </a:p>
           <a:p>
             <a:pPr algn="just"/>
             <a:r>
               <a:rPr lang="es-VE" sz="1400" dirty="0"/>
-              <a:t>          	3.2.5   Cámara en Stock   …………………………………………………………………………..  11</a:t>
+              <a:t>          	3.3.5   Cámara en Stock   …………………………………………………………………………..  11</a:t>
             </a:r>
           </a:p>
           <a:p>
             <a:pPr algn="just"/>
             <a:r>
               <a:rPr lang="es-VE" sz="1400" dirty="0"/>
-              <a:t>          3.3    Condición de Atención   ………………………………………………………………………………   12</a:t>
+              <a:t>          3.4    Condición de Atención   ………………………………………………………………………………   13</a:t>
             </a:r>
           </a:p>
           <a:p>
             <a:pPr algn="just"/>
             <a:r>
               <a:rPr lang="es-VE" sz="1400" dirty="0"/>
-              <a:t>          3.4    Historial Eliminados  ……………………………………………………………………………………   16</a:t>
+              <a:t>          3.5    Historial Eliminados  ……………………………………………………………………………………   17</a:t>
             </a:r>
           </a:p>
           <a:p>
             <a:pPr algn="just"/>
             <a:r>
               <a:rPr lang="es-VE" sz="1400" dirty="0"/>
-              <a:t>          3.5    Reporte   ……………………………………………………………………………………………………..   16</a:t>
+              <a:t>          3.6    Reporte   ……………………………………………………………………………………………………..   17</a:t>
             </a:r>
           </a:p>
           <a:p>
             <a:pPr algn="just"/>
             <a:r>
               <a:rPr lang="es-VE" sz="1400" dirty="0"/>
-              <a:t>          3.6    Configuración   …………………………………………………………………………………………….   17 </a:t>
+              <a:t>          3.7    Configuración   …………………………………………………………………………………………….  18 </a:t>
             </a:r>
           </a:p>
           <a:p>
             <a:pPr algn="just"/>
             <a:r>
               <a:rPr lang="es-VE" sz="1400" dirty="0"/>
-              <a:t>                       3.6.1    Perfil   ……………………………………………………………………………………………   17</a:t>
+              <a:t>                       3.6.1    Perfil   ……………………………………………………………………………………………   18</a:t>
             </a:r>
           </a:p>
           <a:p>
             <a:pPr algn="just"/>
             <a:r>
               <a:rPr lang="es-VE" sz="1400" dirty="0"/>
-              <a:t>                       3.6.2    Usuarios   ……………………………………………………………………………………..    18</a:t>
+              <a:t>                       3.6.2    Usuarios   ……………………………………………………………………………………..    19</a:t>
             </a:r>
           </a:p>
           <a:p>
@@ -17877,7 +18928,7 @@
             <a:pPr algn="just"/>
             <a:r>
               <a:rPr lang="es-VE" sz="1400" dirty="0"/>
-              <a:t>                       3.6.4    Manual de Desarrollador   …………………………………………………………….   19</a:t>
+              <a:t>                       3.6.4    Manual de Desarrollador  .…………………………………………………………….   19</a:t>
             </a:r>
           </a:p>
           <a:p>
@@ -19659,7 +20710,7 @@
         </p:nvSpPr>
         <p:spPr>
           <a:xfrm>
-            <a:off x="42301" y="2366027"/>
+            <a:off x="82896" y="2974655"/>
             <a:ext cx="1752233" cy="677108"/>
           </a:xfrm>
           <a:prstGeom prst="rect">
@@ -19704,7 +20755,7 @@
         </p:nvSpPr>
         <p:spPr>
           <a:xfrm>
-            <a:off x="5445588" y="2995321"/>
+            <a:off x="5552739" y="3423693"/>
             <a:ext cx="1800547" cy="677108"/>
           </a:xfrm>
           <a:prstGeom prst="rect">
@@ -19761,7 +20812,7 @@
         </p:nvSpPr>
         <p:spPr>
           <a:xfrm>
-            <a:off x="144439" y="3383611"/>
+            <a:off x="106741" y="3918334"/>
             <a:ext cx="1500211" cy="1046440"/>
           </a:xfrm>
           <a:prstGeom prst="rect">
@@ -19806,7 +20857,7 @@
         </p:nvSpPr>
         <p:spPr>
           <a:xfrm>
-            <a:off x="5364084" y="3890906"/>
+            <a:off x="5414675" y="4423370"/>
             <a:ext cx="2118731" cy="677108"/>
           </a:xfrm>
           <a:prstGeom prst="rect">
@@ -19851,7 +20902,7 @@
         </p:nvSpPr>
         <p:spPr>
           <a:xfrm>
-            <a:off x="100210" y="4697302"/>
+            <a:off x="82896" y="5162768"/>
             <a:ext cx="2045461" cy="677108"/>
           </a:xfrm>
           <a:prstGeom prst="rect">
@@ -19895,7 +20946,7 @@
         </p:nvSpPr>
         <p:spPr>
           <a:xfrm>
-            <a:off x="5301883" y="4892565"/>
+            <a:off x="5399172" y="5326335"/>
             <a:ext cx="2024782" cy="861774"/>
           </a:xfrm>
           <a:prstGeom prst="rect">
@@ -19940,7 +20991,7 @@
         </p:nvSpPr>
         <p:spPr>
           <a:xfrm>
-            <a:off x="169838" y="5892993"/>
+            <a:off x="137078" y="6278381"/>
             <a:ext cx="2045462" cy="1231106"/>
           </a:xfrm>
           <a:prstGeom prst="rect">
@@ -19992,7 +21043,7 @@
         </p:nvSpPr>
         <p:spPr>
           <a:xfrm>
-            <a:off x="5327032" y="1473475"/>
+            <a:off x="5385004" y="1998139"/>
             <a:ext cx="2082513" cy="1231106"/>
           </a:xfrm>
           <a:prstGeom prst="rect">
@@ -20014,7 +21065,7 @@
             <a:pPr algn="just"/>
             <a:r>
               <a:rPr lang="es-ES" sz="1400" b="1" dirty="0"/>
-              <a:t> Inicio. </a:t>
+              <a:t> Monitoreo. </a:t>
             </a:r>
             <a:r>
               <a:rPr lang="es-ES" sz="1200" dirty="0"/>
@@ -20040,36 +21091,6 @@
           </a:p>
         </p:txBody>
       </p:sp>
-      <p:pic>
-        <p:nvPicPr>
-          <p:cNvPr id="9" name="Picture 8">
-            <a:extLst>
-              <a:ext uri="{FF2B5EF4-FFF2-40B4-BE49-F238E27FC236}">
-                <a16:creationId xmlns:a16="http://schemas.microsoft.com/office/drawing/2014/main" id="{88875B32-4AA1-25A4-6378-F36034524DFF}"/>
-              </a:ext>
-            </a:extLst>
-          </p:cNvPr>
-          <p:cNvPicPr>
-            <a:picLocks noChangeAspect="1"/>
-          </p:cNvPicPr>
-          <p:nvPr/>
-        </p:nvPicPr>
-        <p:blipFill>
-          <a:blip r:embed="rId4"/>
-          <a:stretch>
-            <a:fillRect/>
-          </a:stretch>
-        </p:blipFill>
-        <p:spPr>
-          <a:xfrm>
-            <a:off x="2593632" y="1544103"/>
-            <a:ext cx="2395164" cy="5959060"/>
-          </a:xfrm>
-          <a:prstGeom prst="rect">
-            <a:avLst/>
-          </a:prstGeom>
-        </p:spPr>
-      </p:pic>
       <p:cxnSp>
         <p:nvCxnSpPr>
           <p:cNvPr id="15" name="Straight Arrow Connector 14">
@@ -20087,7 +21108,7 @@
         </p:nvCxnSpPr>
         <p:spPr>
           <a:xfrm flipH="1">
-            <a:off x="4988796" y="2089028"/>
+            <a:off x="5046768" y="2613692"/>
             <a:ext cx="338236" cy="0"/>
           </a:xfrm>
           <a:prstGeom prst="straightConnector1">
@@ -20129,8 +21150,8 @@
         </p:nvCxnSpPr>
         <p:spPr>
           <a:xfrm>
-            <a:off x="1794534" y="2704581"/>
-            <a:ext cx="799098" cy="0"/>
+            <a:off x="1835129" y="3313209"/>
+            <a:ext cx="663201" cy="0"/>
           </a:xfrm>
           <a:prstGeom prst="straightConnector1">
             <a:avLst/>
@@ -20165,13 +21186,14 @@
           </p:cNvPr>
           <p:cNvCxnSpPr>
             <a:cxnSpLocks/>
+            <a:stCxn id="34" idx="1"/>
           </p:cNvCxnSpPr>
           <p:nvPr/>
         </p:nvCxnSpPr>
         <p:spPr>
-          <a:xfrm flipH="1">
-            <a:off x="4988796" y="3213100"/>
-            <a:ext cx="456792" cy="0"/>
+          <a:xfrm flipH="1" flipV="1">
+            <a:off x="5074620" y="3759874"/>
+            <a:ext cx="478119" cy="2373"/>
           </a:xfrm>
           <a:prstGeom prst="straightConnector1">
             <a:avLst/>
@@ -20211,7 +21233,7 @@
         </p:nvCxnSpPr>
         <p:spPr>
           <a:xfrm>
-            <a:off x="1644650" y="3594100"/>
+            <a:off x="1612611" y="4203700"/>
             <a:ext cx="948982" cy="0"/>
           </a:xfrm>
           <a:prstGeom prst="straightConnector1">
@@ -20247,13 +21269,15 @@
           </p:cNvPr>
           <p:cNvCxnSpPr>
             <a:cxnSpLocks/>
+            <a:stCxn id="58" idx="1"/>
+            <a:endCxn id="10" idx="3"/>
           </p:cNvCxnSpPr>
           <p:nvPr/>
         </p:nvCxnSpPr>
         <p:spPr>
-          <a:xfrm flipH="1">
-            <a:off x="4988796" y="4127500"/>
-            <a:ext cx="375288" cy="0"/>
+          <a:xfrm flipH="1" flipV="1">
+            <a:off x="5043926" y="4751867"/>
+            <a:ext cx="370749" cy="10057"/>
           </a:xfrm>
           <a:prstGeom prst="straightConnector1">
             <a:avLst/>
@@ -20294,7 +21318,7 @@
         </p:nvCxnSpPr>
         <p:spPr>
           <a:xfrm flipV="1">
-            <a:off x="2145671" y="4697302"/>
+            <a:off x="2128357" y="5162768"/>
             <a:ext cx="447961" cy="338554"/>
           </a:xfrm>
           <a:prstGeom prst="straightConnector1">
@@ -20330,13 +21354,14 @@
           </p:cNvPr>
           <p:cNvCxnSpPr>
             <a:cxnSpLocks/>
+            <a:stCxn id="60" idx="1"/>
           </p:cNvCxnSpPr>
           <p:nvPr/>
         </p:nvCxnSpPr>
         <p:spPr>
-          <a:xfrm flipH="1">
-            <a:off x="4988796" y="5087735"/>
-            <a:ext cx="313087" cy="0"/>
+          <a:xfrm flipH="1" flipV="1">
+            <a:off x="5061670" y="5656866"/>
+            <a:ext cx="337502" cy="100356"/>
           </a:xfrm>
           <a:prstGeom prst="straightConnector1">
             <a:avLst/>
@@ -20371,13 +21396,14 @@
           </p:cNvPr>
           <p:cNvCxnSpPr>
             <a:cxnSpLocks/>
+            <a:stCxn id="63" idx="3"/>
           </p:cNvCxnSpPr>
           <p:nvPr/>
         </p:nvCxnSpPr>
         <p:spPr>
           <a:xfrm flipV="1">
-            <a:off x="2218080" y="5892993"/>
-            <a:ext cx="375552" cy="233220"/>
+            <a:off x="2182540" y="6551151"/>
+            <a:ext cx="364360" cy="342783"/>
           </a:xfrm>
           <a:prstGeom prst="straightConnector1">
             <a:avLst/>
@@ -20415,7 +21441,7 @@
         </p:nvSpPr>
         <p:spPr>
           <a:xfrm>
-            <a:off x="5429329" y="6169285"/>
+            <a:off x="5468801" y="6647713"/>
             <a:ext cx="1833064" cy="861774"/>
           </a:xfrm>
           <a:prstGeom prst="rect">
@@ -20463,7 +21489,7 @@
         </p:nvCxnSpPr>
         <p:spPr>
           <a:xfrm flipH="1">
-            <a:off x="4988796" y="6600172"/>
+            <a:off x="5028268" y="7078600"/>
             <a:ext cx="440533" cy="0"/>
           </a:xfrm>
           <a:prstGeom prst="straightConnector1">
@@ -20502,7 +21528,7 @@
         </p:nvSpPr>
         <p:spPr>
           <a:xfrm>
-            <a:off x="627483" y="7690171"/>
+            <a:off x="498370" y="7811702"/>
             <a:ext cx="1716930" cy="677108"/>
           </a:xfrm>
           <a:prstGeom prst="rect">
@@ -20550,8 +21576,134 @@
         </p:nvCxnSpPr>
         <p:spPr>
           <a:xfrm flipV="1">
-            <a:off x="2344413" y="7503163"/>
-            <a:ext cx="595637" cy="525562"/>
+            <a:off x="2215300" y="7870780"/>
+            <a:ext cx="424875" cy="279476"/>
+          </a:xfrm>
+          <a:prstGeom prst="straightConnector1">
+            <a:avLst/>
+          </a:prstGeom>
+          <a:ln>
+            <a:tailEnd type="triangle"/>
+          </a:ln>
+        </p:spPr>
+        <p:style>
+          <a:lnRef idx="2">
+            <a:schemeClr val="dk1"/>
+          </a:lnRef>
+          <a:fillRef idx="0">
+            <a:schemeClr val="dk1"/>
+          </a:fillRef>
+          <a:effectRef idx="1">
+            <a:schemeClr val="dk1"/>
+          </a:effectRef>
+          <a:fontRef idx="minor">
+            <a:schemeClr val="tx1"/>
+          </a:fontRef>
+        </p:style>
+      </p:cxnSp>
+      <p:pic>
+        <p:nvPicPr>
+          <p:cNvPr id="10" name="Picture 9">
+            <a:extLst>
+              <a:ext uri="{FF2B5EF4-FFF2-40B4-BE49-F238E27FC236}">
+                <a16:creationId xmlns:a16="http://schemas.microsoft.com/office/drawing/2014/main" id="{FC2577F8-AB0F-8E01-A264-A9EB84149E85}"/>
+              </a:ext>
+            </a:extLst>
+          </p:cNvPr>
+          <p:cNvPicPr>
+            <a:picLocks noChangeAspect="1"/>
+          </p:cNvPicPr>
+          <p:nvPr/>
+        </p:nvPicPr>
+        <p:blipFill>
+          <a:blip r:embed="rId4"/>
+          <a:stretch>
+            <a:fillRect/>
+          </a:stretch>
+        </p:blipFill>
+        <p:spPr>
+          <a:xfrm>
+            <a:off x="2570546" y="1677948"/>
+            <a:ext cx="2473380" cy="6147837"/>
+          </a:xfrm>
+          <a:prstGeom prst="rect">
+            <a:avLst/>
+          </a:prstGeom>
+        </p:spPr>
+      </p:pic>
+      <p:sp>
+        <p:nvSpPr>
+          <p:cNvPr id="24" name="CuadroTexto 31">
+            <a:extLst>
+              <a:ext uri="{FF2B5EF4-FFF2-40B4-BE49-F238E27FC236}">
+                <a16:creationId xmlns:a16="http://schemas.microsoft.com/office/drawing/2014/main" id="{56C9D539-DD9E-12CA-DA18-1F4E25822F85}"/>
+              </a:ext>
+            </a:extLst>
+          </p:cNvPr>
+          <p:cNvSpPr txBox="1"/>
+          <p:nvPr/>
+        </p:nvSpPr>
+        <p:spPr>
+          <a:xfrm>
+            <a:off x="219087" y="1767662"/>
+            <a:ext cx="1616042" cy="738664"/>
+          </a:xfrm>
+          <a:prstGeom prst="rect">
+            <a:avLst/>
+          </a:prstGeom>
+          <a:noFill/>
+          <a:ln>
+            <a:solidFill>
+              <a:srgbClr val="C00000"/>
+            </a:solidFill>
+          </a:ln>
+        </p:spPr>
+        <p:txBody>
+          <a:bodyPr wrap="square" rtlCol="0">
+            <a:spAutoFit/>
+          </a:bodyPr>
+          <a:lstStyle/>
+          <a:p>
+            <a:pPr algn="just"/>
+            <a:r>
+              <a:rPr lang="es-ES" sz="1400" b="1" dirty="0"/>
+              <a:t> Inicio. </a:t>
+            </a:r>
+            <a:r>
+              <a:rPr lang="es-ES" sz="1400" dirty="0"/>
+              <a:t>Muestra el resumen de Cámaras y </a:t>
+            </a:r>
+            <a:r>
+              <a:rPr lang="es-ES" sz="1400" dirty="0" err="1"/>
+              <a:t>Nvr</a:t>
+            </a:r>
+            <a:r>
+              <a:rPr lang="es-ES" sz="1400" dirty="0"/>
+              <a:t>. </a:t>
+            </a:r>
+            <a:endParaRPr lang="es-VE" sz="1200" dirty="0"/>
+          </a:p>
+        </p:txBody>
+      </p:sp>
+      <p:cxnSp>
+        <p:nvCxnSpPr>
+          <p:cNvPr id="26" name="Straight Arrow Connector 25">
+            <a:extLst>
+              <a:ext uri="{FF2B5EF4-FFF2-40B4-BE49-F238E27FC236}">
+                <a16:creationId xmlns:a16="http://schemas.microsoft.com/office/drawing/2014/main" id="{3D9D95C5-BE94-4E62-B8D4-5DE07B872E30}"/>
+              </a:ext>
+            </a:extLst>
+          </p:cNvPr>
+          <p:cNvCxnSpPr>
+            <a:cxnSpLocks/>
+            <a:stCxn id="24" idx="3"/>
+          </p:cNvCxnSpPr>
+          <p:nvPr/>
+        </p:nvCxnSpPr>
+        <p:spPr>
+          <a:xfrm>
+            <a:off x="1835129" y="2136994"/>
+            <a:ext cx="711771" cy="0"/>
           </a:xfrm>
           <a:prstGeom prst="straightConnector1">
             <a:avLst/>
@@ -21873,7 +23025,7 @@
                 <a:cs typeface="Montserrat"/>
                 <a:sym typeface="Montserrat"/>
               </a:rPr>
-              <a:t>9</a:t>
+              <a:t>8</a:t>
             </a:r>
           </a:p>
         </p:txBody>
@@ -23150,8 +24302,8 @@
         </p:nvSpPr>
         <p:spPr>
           <a:xfrm>
-            <a:off x="4921251" y="4637613"/>
-            <a:ext cx="2490348" cy="2362195"/>
+            <a:off x="4776111" y="4404124"/>
+            <a:ext cx="2490348" cy="2314171"/>
           </a:xfrm>
           <a:prstGeom prst="roundRect">
             <a:avLst/>
@@ -23190,7 +24342,7 @@
                   <a:schemeClr val="tx1"/>
                 </a:solidFill>
               </a:rPr>
-              <a:t>Una vez ingresado al sistema, se muestra el apartado de inicio dónde se pueden visualizar las tablas que contienen los datos de Cámaras y </a:t>
+              <a:t>Una vez ingresado al sistema, se muestra el apartado de inicio dónde se pueden visualizar dos cuadros, uno para </a:t>
             </a:r>
             <a:r>
               <a:rPr lang="es-VE" sz="1400" dirty="0" err="1">
@@ -23206,23 +24358,7 @@
                   <a:schemeClr val="tx1"/>
                 </a:solidFill>
               </a:rPr>
-              <a:t> que están offline y </a:t>
-            </a:r>
-            <a:r>
-              <a:rPr lang="es-VE" sz="1400" dirty="0" err="1">
-                <a:solidFill>
-                  <a:schemeClr val="tx1"/>
-                </a:solidFill>
-              </a:rPr>
-              <a:t>conecting</a:t>
-            </a:r>
-            <a:r>
-              <a:rPr lang="es-VE" sz="1400" dirty="0">
-                <a:solidFill>
-                  <a:schemeClr val="tx1"/>
-                </a:solidFill>
-              </a:rPr>
-              <a:t>. Dicha tabla se actualiza cada 15 segundos. </a:t>
+              <a:t> y el otro para Cámaras, el cual contiene el total de equipos y la cantidad de equipos que tienen un determinado status.</a:t>
             </a:r>
           </a:p>
         </p:txBody>
@@ -23244,8 +24380,8 @@
         </p:nvCxnSpPr>
         <p:spPr>
           <a:xfrm flipH="1">
-            <a:off x="4567215" y="6999808"/>
-            <a:ext cx="1599210" cy="153684"/>
+            <a:off x="4616450" y="6718295"/>
+            <a:ext cx="1404835" cy="281513"/>
           </a:xfrm>
           <a:prstGeom prst="straightConnector1">
             <a:avLst/>
@@ -23309,10 +24445,10 @@
       </p:sp>
       <p:pic>
         <p:nvPicPr>
-          <p:cNvPr id="4" name="Picture 3">
-            <a:extLst>
-              <a:ext uri="{FF2B5EF4-FFF2-40B4-BE49-F238E27FC236}">
-                <a16:creationId xmlns:a16="http://schemas.microsoft.com/office/drawing/2014/main" id="{DF6353B3-8538-CA80-2ED8-C238FE733CE9}"/>
+          <p:cNvPr id="6" name="Picture 5">
+            <a:extLst>
+              <a:ext uri="{FF2B5EF4-FFF2-40B4-BE49-F238E27FC236}">
+                <a16:creationId xmlns:a16="http://schemas.microsoft.com/office/drawing/2014/main" id="{497C1B3C-7F43-89E7-14DB-A091E467C10B}"/>
               </a:ext>
             </a:extLst>
           </p:cNvPr>
@@ -23329,8 +24465,8 @@
         </p:blipFill>
         <p:spPr>
           <a:xfrm>
-            <a:off x="255565" y="6523017"/>
-            <a:ext cx="4311650" cy="2130711"/>
+            <a:off x="288292" y="6413954"/>
+            <a:ext cx="4159250" cy="1357656"/>
           </a:xfrm>
           <a:prstGeom prst="rect">
             <a:avLst/>

--- a/public/files/Manual de Usuario.pptx
+++ b/public/files/Manual de Usuario.pptx
@@ -167,6 +167,447 @@
 </p:presentation>
 </file>
 
+<file path=ppt/changesInfos/changesInfo1.xml><?xml version="1.0" encoding="utf-8"?>
+<pc:chgInfo xmlns:a="http://schemas.openxmlformats.org/drawingml/2006/main" xmlns:r="http://schemas.openxmlformats.org/officeDocument/2006/relationships" xmlns:ac="http://schemas.microsoft.com/office/drawing/2013/main/command" xmlns:pc="http://schemas.microsoft.com/office/powerpoint/2013/main/command">
+  <pc:docChgLst>
+    <pc:chgData name="Manuel Moreno" userId="02c6592dd1359e13" providerId="LiveId" clId="{D2253FCA-0CFF-40C3-BC4C-35B7C53364CE}"/>
+    <pc:docChg chg="undo custSel modSld">
+      <pc:chgData name="Manuel Moreno" userId="02c6592dd1359e13" providerId="LiveId" clId="{D2253FCA-0CFF-40C3-BC4C-35B7C53364CE}" dt="2025-07-29T19:12:04.430" v="429" actId="20577"/>
+      <pc:docMkLst>
+        <pc:docMk/>
+      </pc:docMkLst>
+      <pc:sldChg chg="addSp delSp modSp mod">
+        <pc:chgData name="Manuel Moreno" userId="02c6592dd1359e13" providerId="LiveId" clId="{D2253FCA-0CFF-40C3-BC4C-35B7C53364CE}" dt="2025-07-29T14:03:33.459" v="5" actId="1076"/>
+        <pc:sldMkLst>
+          <pc:docMk/>
+          <pc:sldMk cId="0" sldId="256"/>
+        </pc:sldMkLst>
+        <pc:picChg chg="add mod">
+          <ac:chgData name="Manuel Moreno" userId="02c6592dd1359e13" providerId="LiveId" clId="{D2253FCA-0CFF-40C3-BC4C-35B7C53364CE}" dt="2025-07-29T14:03:33.459" v="5" actId="1076"/>
+          <ac:picMkLst>
+            <pc:docMk/>
+            <pc:sldMk cId="0" sldId="256"/>
+            <ac:picMk id="13" creationId="{4B13E23F-A113-ACAB-B954-00988B0345DA}"/>
+          </ac:picMkLst>
+        </pc:picChg>
+        <pc:picChg chg="del">
+          <ac:chgData name="Manuel Moreno" userId="02c6592dd1359e13" providerId="LiveId" clId="{D2253FCA-0CFF-40C3-BC4C-35B7C53364CE}" dt="2025-07-29T14:02:47.165" v="0" actId="478"/>
+          <ac:picMkLst>
+            <pc:docMk/>
+            <pc:sldMk cId="0" sldId="256"/>
+            <ac:picMk id="14" creationId="{F0757F67-0DCC-1957-F285-C0C6376C4A6E}"/>
+          </ac:picMkLst>
+        </pc:picChg>
+      </pc:sldChg>
+      <pc:sldChg chg="delSp modSp mod">
+        <pc:chgData name="Manuel Moreno" userId="02c6592dd1359e13" providerId="LiveId" clId="{D2253FCA-0CFF-40C3-BC4C-35B7C53364CE}" dt="2025-07-29T14:38:08.626" v="392" actId="478"/>
+        <pc:sldMkLst>
+          <pc:docMk/>
+          <pc:sldMk cId="0" sldId="257"/>
+        </pc:sldMkLst>
+        <pc:spChg chg="del">
+          <ac:chgData name="Manuel Moreno" userId="02c6592dd1359e13" providerId="LiveId" clId="{D2253FCA-0CFF-40C3-BC4C-35B7C53364CE}" dt="2025-07-29T14:38:08.626" v="392" actId="478"/>
+          <ac:spMkLst>
+            <pc:docMk/>
+            <pc:sldMk cId="0" sldId="257"/>
+            <ac:spMk id="9" creationId="{00000000-0000-0000-0000-000000000000}"/>
+          </ac:spMkLst>
+        </pc:spChg>
+        <pc:graphicFrameChg chg="modGraphic">
+          <ac:chgData name="Manuel Moreno" userId="02c6592dd1359e13" providerId="LiveId" clId="{D2253FCA-0CFF-40C3-BC4C-35B7C53364CE}" dt="2025-07-29T14:37:21.539" v="391" actId="20577"/>
+          <ac:graphicFrameMkLst>
+            <pc:docMk/>
+            <pc:sldMk cId="0" sldId="257"/>
+            <ac:graphicFrameMk id="6" creationId="{00000000-0000-0000-0000-000000000000}"/>
+          </ac:graphicFrameMkLst>
+        </pc:graphicFrameChg>
+      </pc:sldChg>
+      <pc:sldChg chg="delSp modSp mod">
+        <pc:chgData name="Manuel Moreno" userId="02c6592dd1359e13" providerId="LiveId" clId="{D2253FCA-0CFF-40C3-BC4C-35B7C53364CE}" dt="2025-07-29T14:38:14.836" v="393" actId="478"/>
+        <pc:sldMkLst>
+          <pc:docMk/>
+          <pc:sldMk cId="0" sldId="258"/>
+        </pc:sldMkLst>
+        <pc:spChg chg="del">
+          <ac:chgData name="Manuel Moreno" userId="02c6592dd1359e13" providerId="LiveId" clId="{D2253FCA-0CFF-40C3-BC4C-35B7C53364CE}" dt="2025-07-29T14:38:14.836" v="393" actId="478"/>
+          <ac:spMkLst>
+            <pc:docMk/>
+            <pc:sldMk cId="0" sldId="258"/>
+            <ac:spMk id="7" creationId="{00000000-0000-0000-0000-000000000000}"/>
+          </ac:spMkLst>
+        </pc:spChg>
+        <pc:spChg chg="mod">
+          <ac:chgData name="Manuel Moreno" userId="02c6592dd1359e13" providerId="LiveId" clId="{D2253FCA-0CFF-40C3-BC4C-35B7C53364CE}" dt="2025-07-29T14:15:21.405" v="71"/>
+          <ac:spMkLst>
+            <pc:docMk/>
+            <pc:sldMk cId="0" sldId="258"/>
+            <ac:spMk id="17" creationId="{9EE4329A-F664-7EE5-9ED6-62CC365996FD}"/>
+          </ac:spMkLst>
+        </pc:spChg>
+      </pc:sldChg>
+      <pc:sldChg chg="modSp mod">
+        <pc:chgData name="Manuel Moreno" userId="02c6592dd1359e13" providerId="LiveId" clId="{D2253FCA-0CFF-40C3-BC4C-35B7C53364CE}" dt="2025-07-29T19:11:47.653" v="420" actId="255"/>
+        <pc:sldMkLst>
+          <pc:docMk/>
+          <pc:sldMk cId="0" sldId="260"/>
+        </pc:sldMkLst>
+        <pc:spChg chg="mod">
+          <ac:chgData name="Manuel Moreno" userId="02c6592dd1359e13" providerId="LiveId" clId="{D2253FCA-0CFF-40C3-BC4C-35B7C53364CE}" dt="2025-07-29T19:11:47.653" v="420" actId="255"/>
+          <ac:spMkLst>
+            <pc:docMk/>
+            <pc:sldMk cId="0" sldId="260"/>
+            <ac:spMk id="12" creationId="{00000000-0000-0000-0000-000000000000}"/>
+          </ac:spMkLst>
+        </pc:spChg>
+      </pc:sldChg>
+      <pc:sldChg chg="modSp mod">
+        <pc:chgData name="Manuel Moreno" userId="02c6592dd1359e13" providerId="LiveId" clId="{D2253FCA-0CFF-40C3-BC4C-35B7C53364CE}" dt="2025-07-29T19:12:04.430" v="429" actId="20577"/>
+        <pc:sldMkLst>
+          <pc:docMk/>
+          <pc:sldMk cId="0" sldId="261"/>
+        </pc:sldMkLst>
+        <pc:spChg chg="mod">
+          <ac:chgData name="Manuel Moreno" userId="02c6592dd1359e13" providerId="LiveId" clId="{D2253FCA-0CFF-40C3-BC4C-35B7C53364CE}" dt="2025-07-29T19:12:04.430" v="429" actId="20577"/>
+          <ac:spMkLst>
+            <pc:docMk/>
+            <pc:sldMk cId="0" sldId="261"/>
+            <ac:spMk id="6" creationId="{00000000-0000-0000-0000-000000000000}"/>
+          </ac:spMkLst>
+        </pc:spChg>
+        <pc:spChg chg="mod">
+          <ac:chgData name="Manuel Moreno" userId="02c6592dd1359e13" providerId="LiveId" clId="{D2253FCA-0CFF-40C3-BC4C-35B7C53364CE}" dt="2025-07-29T14:38:41.536" v="412" actId="20577"/>
+          <ac:spMkLst>
+            <pc:docMk/>
+            <pc:sldMk cId="0" sldId="261"/>
+            <ac:spMk id="21" creationId="{745F0C0B-DC53-5343-7AF9-CB3F8A42AD1A}"/>
+          </ac:spMkLst>
+        </pc:spChg>
+      </pc:sldChg>
+      <pc:sldChg chg="addSp delSp modSp mod">
+        <pc:chgData name="Manuel Moreno" userId="02c6592dd1359e13" providerId="LiveId" clId="{D2253FCA-0CFF-40C3-BC4C-35B7C53364CE}" dt="2025-07-29T14:15:21.405" v="71"/>
+        <pc:sldMkLst>
+          <pc:docMk/>
+          <pc:sldMk cId="0" sldId="262"/>
+        </pc:sldMkLst>
+        <pc:spChg chg="mod">
+          <ac:chgData name="Manuel Moreno" userId="02c6592dd1359e13" providerId="LiveId" clId="{D2253FCA-0CFF-40C3-BC4C-35B7C53364CE}" dt="2025-07-29T14:15:21.405" v="71"/>
+          <ac:spMkLst>
+            <pc:docMk/>
+            <pc:sldMk cId="0" sldId="262"/>
+            <ac:spMk id="24" creationId="{56C9D539-DD9E-12CA-DA18-1F4E25822F85}"/>
+          </ac:spMkLst>
+        </pc:spChg>
+        <pc:spChg chg="mod">
+          <ac:chgData name="Manuel Moreno" userId="02c6592dd1359e13" providerId="LiveId" clId="{D2253FCA-0CFF-40C3-BC4C-35B7C53364CE}" dt="2025-07-29T14:15:21.405" v="71"/>
+          <ac:spMkLst>
+            <pc:docMk/>
+            <pc:sldMk cId="0" sldId="262"/>
+            <ac:spMk id="32" creationId="{4D5859F3-FF6C-7182-0A14-91720D307F44}"/>
+          </ac:spMkLst>
+        </pc:spChg>
+        <pc:spChg chg="mod">
+          <ac:chgData name="Manuel Moreno" userId="02c6592dd1359e13" providerId="LiveId" clId="{D2253FCA-0CFF-40C3-BC4C-35B7C53364CE}" dt="2025-07-29T14:15:21.405" v="71"/>
+          <ac:spMkLst>
+            <pc:docMk/>
+            <pc:sldMk cId="0" sldId="262"/>
+            <ac:spMk id="34" creationId="{A787A77B-A1A1-4E9F-2B71-629014E7F5AB}"/>
+          </ac:spMkLst>
+        </pc:spChg>
+        <pc:picChg chg="add mod">
+          <ac:chgData name="Manuel Moreno" userId="02c6592dd1359e13" providerId="LiveId" clId="{D2253FCA-0CFF-40C3-BC4C-35B7C53364CE}" dt="2025-07-29T14:14:20.018" v="65" actId="14100"/>
+          <ac:picMkLst>
+            <pc:docMk/>
+            <pc:sldMk cId="0" sldId="262"/>
+            <ac:picMk id="9" creationId="{E21644F5-42CC-90C8-994F-B1B5AA646826}"/>
+          </ac:picMkLst>
+        </pc:picChg>
+        <pc:picChg chg="del">
+          <ac:chgData name="Manuel Moreno" userId="02c6592dd1359e13" providerId="LiveId" clId="{D2253FCA-0CFF-40C3-BC4C-35B7C53364CE}" dt="2025-07-29T14:13:13.415" v="41" actId="478"/>
+          <ac:picMkLst>
+            <pc:docMk/>
+            <pc:sldMk cId="0" sldId="262"/>
+            <ac:picMk id="10" creationId="{FC2577F8-AB0F-8E01-A264-A9EB84149E85}"/>
+          </ac:picMkLst>
+        </pc:picChg>
+        <pc:cxnChg chg="mod">
+          <ac:chgData name="Manuel Moreno" userId="02c6592dd1359e13" providerId="LiveId" clId="{D2253FCA-0CFF-40C3-BC4C-35B7C53364CE}" dt="2025-07-29T14:14:39.290" v="70" actId="14100"/>
+          <ac:cxnSpMkLst>
+            <pc:docMk/>
+            <pc:sldMk cId="0" sldId="262"/>
+            <ac:cxnSpMk id="20" creationId="{DD8BC0A4-D19C-424B-E12D-CAA57DE5DD79}"/>
+          </ac:cxnSpMkLst>
+        </pc:cxnChg>
+        <pc:cxnChg chg="mod">
+          <ac:chgData name="Manuel Moreno" userId="02c6592dd1359e13" providerId="LiveId" clId="{D2253FCA-0CFF-40C3-BC4C-35B7C53364CE}" dt="2025-07-29T14:13:13.415" v="41" actId="478"/>
+          <ac:cxnSpMkLst>
+            <pc:docMk/>
+            <pc:sldMk cId="0" sldId="262"/>
+            <ac:cxnSpMk id="25" creationId="{5F89F53A-FF5A-1607-E500-6A1A4925755B}"/>
+          </ac:cxnSpMkLst>
+        </pc:cxnChg>
+        <pc:cxnChg chg="mod">
+          <ac:chgData name="Manuel Moreno" userId="02c6592dd1359e13" providerId="LiveId" clId="{D2253FCA-0CFF-40C3-BC4C-35B7C53364CE}" dt="2025-07-29T14:14:34.794" v="69" actId="14100"/>
+          <ac:cxnSpMkLst>
+            <pc:docMk/>
+            <pc:sldMk cId="0" sldId="262"/>
+            <ac:cxnSpMk id="30" creationId="{0DA4D2D0-ED60-D920-E86F-2E14315BC11A}"/>
+          </ac:cxnSpMkLst>
+        </pc:cxnChg>
+        <pc:cxnChg chg="mod">
+          <ac:chgData name="Manuel Moreno" userId="02c6592dd1359e13" providerId="LiveId" clId="{D2253FCA-0CFF-40C3-BC4C-35B7C53364CE}" dt="2025-07-29T14:14:31.250" v="68" actId="14100"/>
+          <ac:cxnSpMkLst>
+            <pc:docMk/>
+            <pc:sldMk cId="0" sldId="262"/>
+            <ac:cxnSpMk id="38" creationId="{25970A60-80A8-85D7-80A2-D493B65F4A34}"/>
+          </ac:cxnSpMkLst>
+        </pc:cxnChg>
+        <pc:cxnChg chg="mod">
+          <ac:chgData name="Manuel Moreno" userId="02c6592dd1359e13" providerId="LiveId" clId="{D2253FCA-0CFF-40C3-BC4C-35B7C53364CE}" dt="2025-07-29T14:14:25.954" v="67" actId="14100"/>
+          <ac:cxnSpMkLst>
+            <pc:docMk/>
+            <pc:sldMk cId="0" sldId="262"/>
+            <ac:cxnSpMk id="46" creationId="{CE836520-4626-A2F1-9486-64AB28020A77}"/>
+          </ac:cxnSpMkLst>
+        </pc:cxnChg>
+        <pc:cxnChg chg="mod">
+          <ac:chgData name="Manuel Moreno" userId="02c6592dd1359e13" providerId="LiveId" clId="{D2253FCA-0CFF-40C3-BC4C-35B7C53364CE}" dt="2025-07-29T14:14:23.018" v="66" actId="14100"/>
+          <ac:cxnSpMkLst>
+            <pc:docMk/>
+            <pc:sldMk cId="0" sldId="262"/>
+            <ac:cxnSpMk id="69" creationId="{9F14011F-D237-29B9-5DD4-667D8F1760DB}"/>
+          </ac:cxnSpMkLst>
+        </pc:cxnChg>
+      </pc:sldChg>
+      <pc:sldChg chg="modSp">
+        <pc:chgData name="Manuel Moreno" userId="02c6592dd1359e13" providerId="LiveId" clId="{D2253FCA-0CFF-40C3-BC4C-35B7C53364CE}" dt="2025-07-29T14:15:21.405" v="71"/>
+        <pc:sldMkLst>
+          <pc:docMk/>
+          <pc:sldMk cId="3879200758" sldId="265"/>
+        </pc:sldMkLst>
+        <pc:spChg chg="mod">
+          <ac:chgData name="Manuel Moreno" userId="02c6592dd1359e13" providerId="LiveId" clId="{D2253FCA-0CFF-40C3-BC4C-35B7C53364CE}" dt="2025-07-29T14:15:21.405" v="71"/>
+          <ac:spMkLst>
+            <pc:docMk/>
+            <pc:sldMk cId="3879200758" sldId="265"/>
+            <ac:spMk id="19" creationId="{BBA57163-25FC-D047-6DC1-77F63DD1504F}"/>
+          </ac:spMkLst>
+        </pc:spChg>
+      </pc:sldChg>
+      <pc:sldChg chg="modSp">
+        <pc:chgData name="Manuel Moreno" userId="02c6592dd1359e13" providerId="LiveId" clId="{D2253FCA-0CFF-40C3-BC4C-35B7C53364CE}" dt="2025-07-29T14:15:21.405" v="71"/>
+        <pc:sldMkLst>
+          <pc:docMk/>
+          <pc:sldMk cId="2441115552" sldId="266"/>
+        </pc:sldMkLst>
+        <pc:spChg chg="mod">
+          <ac:chgData name="Manuel Moreno" userId="02c6592dd1359e13" providerId="LiveId" clId="{D2253FCA-0CFF-40C3-BC4C-35B7C53364CE}" dt="2025-07-29T14:15:21.405" v="71"/>
+          <ac:spMkLst>
+            <pc:docMk/>
+            <pc:sldMk cId="2441115552" sldId="266"/>
+            <ac:spMk id="5" creationId="{73789277-E79C-09D0-C8EE-1F5AB29AEE50}"/>
+          </ac:spMkLst>
+        </pc:spChg>
+        <pc:spChg chg="mod">
+          <ac:chgData name="Manuel Moreno" userId="02c6592dd1359e13" providerId="LiveId" clId="{D2253FCA-0CFF-40C3-BC4C-35B7C53364CE}" dt="2025-07-29T14:15:21.405" v="71"/>
+          <ac:spMkLst>
+            <pc:docMk/>
+            <pc:sldMk cId="2441115552" sldId="266"/>
+            <ac:spMk id="41" creationId="{8F25E68E-B542-6181-64DA-ABBC495C7969}"/>
+          </ac:spMkLst>
+        </pc:spChg>
+        <pc:spChg chg="mod">
+          <ac:chgData name="Manuel Moreno" userId="02c6592dd1359e13" providerId="LiveId" clId="{D2253FCA-0CFF-40C3-BC4C-35B7C53364CE}" dt="2025-07-29T14:15:21.405" v="71"/>
+          <ac:spMkLst>
+            <pc:docMk/>
+            <pc:sldMk cId="2441115552" sldId="266"/>
+            <ac:spMk id="74" creationId="{C98D1CC7-932F-D1F4-5CBF-827A26529CF2}"/>
+          </ac:spMkLst>
+        </pc:spChg>
+        <pc:spChg chg="mod">
+          <ac:chgData name="Manuel Moreno" userId="02c6592dd1359e13" providerId="LiveId" clId="{D2253FCA-0CFF-40C3-BC4C-35B7C53364CE}" dt="2025-07-29T14:15:21.405" v="71"/>
+          <ac:spMkLst>
+            <pc:docMk/>
+            <pc:sldMk cId="2441115552" sldId="266"/>
+            <ac:spMk id="79" creationId="{5494C74B-091E-402C-887C-F9C81959D871}"/>
+          </ac:spMkLst>
+        </pc:spChg>
+        <pc:spChg chg="mod">
+          <ac:chgData name="Manuel Moreno" userId="02c6592dd1359e13" providerId="LiveId" clId="{D2253FCA-0CFF-40C3-BC4C-35B7C53364CE}" dt="2025-07-29T14:15:21.405" v="71"/>
+          <ac:spMkLst>
+            <pc:docMk/>
+            <pc:sldMk cId="2441115552" sldId="266"/>
+            <ac:spMk id="81" creationId="{10571E38-6AFE-94B2-6E8F-C93BD192F68A}"/>
+          </ac:spMkLst>
+        </pc:spChg>
+        <pc:spChg chg="mod">
+          <ac:chgData name="Manuel Moreno" userId="02c6592dd1359e13" providerId="LiveId" clId="{D2253FCA-0CFF-40C3-BC4C-35B7C53364CE}" dt="2025-07-29T14:15:21.405" v="71"/>
+          <ac:spMkLst>
+            <pc:docMk/>
+            <pc:sldMk cId="2441115552" sldId="266"/>
+            <ac:spMk id="84" creationId="{BF15EC9F-084F-71A3-81CB-7A6DA467E70B}"/>
+          </ac:spMkLst>
+        </pc:spChg>
+      </pc:sldChg>
+      <pc:sldChg chg="modSp">
+        <pc:chgData name="Manuel Moreno" userId="02c6592dd1359e13" providerId="LiveId" clId="{D2253FCA-0CFF-40C3-BC4C-35B7C53364CE}" dt="2025-07-29T14:15:21.405" v="71"/>
+        <pc:sldMkLst>
+          <pc:docMk/>
+          <pc:sldMk cId="1232585947" sldId="267"/>
+        </pc:sldMkLst>
+        <pc:spChg chg="mod">
+          <ac:chgData name="Manuel Moreno" userId="02c6592dd1359e13" providerId="LiveId" clId="{D2253FCA-0CFF-40C3-BC4C-35B7C53364CE}" dt="2025-07-29T14:15:21.405" v="71"/>
+          <ac:spMkLst>
+            <pc:docMk/>
+            <pc:sldMk cId="1232585947" sldId="267"/>
+            <ac:spMk id="41" creationId="{25B0320E-AF21-D61A-AFBA-F7AD5B4079ED}"/>
+          </ac:spMkLst>
+        </pc:spChg>
+      </pc:sldChg>
+      <pc:sldChg chg="modSp">
+        <pc:chgData name="Manuel Moreno" userId="02c6592dd1359e13" providerId="LiveId" clId="{D2253FCA-0CFF-40C3-BC4C-35B7C53364CE}" dt="2025-07-29T14:15:21.405" v="71"/>
+        <pc:sldMkLst>
+          <pc:docMk/>
+          <pc:sldMk cId="1559086896" sldId="271"/>
+        </pc:sldMkLst>
+        <pc:graphicFrameChg chg="mod">
+          <ac:chgData name="Manuel Moreno" userId="02c6592dd1359e13" providerId="LiveId" clId="{D2253FCA-0CFF-40C3-BC4C-35B7C53364CE}" dt="2025-07-29T14:15:21.405" v="71"/>
+          <ac:graphicFrameMkLst>
+            <pc:docMk/>
+            <pc:sldMk cId="1559086896" sldId="271"/>
+            <ac:graphicFrameMk id="3" creationId="{0EE05497-E2C0-B258-40FC-08E84E3CF39B}"/>
+          </ac:graphicFrameMkLst>
+        </pc:graphicFrameChg>
+      </pc:sldChg>
+      <pc:sldChg chg="modSp">
+        <pc:chgData name="Manuel Moreno" userId="02c6592dd1359e13" providerId="LiveId" clId="{D2253FCA-0CFF-40C3-BC4C-35B7C53364CE}" dt="2025-07-29T14:15:21.405" v="71"/>
+        <pc:sldMkLst>
+          <pc:docMk/>
+          <pc:sldMk cId="54824426" sldId="274"/>
+        </pc:sldMkLst>
+        <pc:spChg chg="mod">
+          <ac:chgData name="Manuel Moreno" userId="02c6592dd1359e13" providerId="LiveId" clId="{D2253FCA-0CFF-40C3-BC4C-35B7C53364CE}" dt="2025-07-29T14:15:21.405" v="71"/>
+          <ac:spMkLst>
+            <pc:docMk/>
+            <pc:sldMk cId="54824426" sldId="274"/>
+            <ac:spMk id="25" creationId="{FB7B69BE-DD3D-46E5-9BF6-7763E06FA705}"/>
+          </ac:spMkLst>
+        </pc:spChg>
+      </pc:sldChg>
+      <pc:sldChg chg="addSp delSp modSp mod">
+        <pc:chgData name="Manuel Moreno" userId="02c6592dd1359e13" providerId="LiveId" clId="{D2253FCA-0CFF-40C3-BC4C-35B7C53364CE}" dt="2025-07-29T14:18:49.428" v="372" actId="123"/>
+        <pc:sldMkLst>
+          <pc:docMk/>
+          <pc:sldMk cId="2350055862" sldId="275"/>
+        </pc:sldMkLst>
+        <pc:spChg chg="mod">
+          <ac:chgData name="Manuel Moreno" userId="02c6592dd1359e13" providerId="LiveId" clId="{D2253FCA-0CFF-40C3-BC4C-35B7C53364CE}" dt="2025-07-29T14:17:54.794" v="362" actId="1076"/>
+          <ac:spMkLst>
+            <pc:docMk/>
+            <pc:sldMk cId="2350055862" sldId="275"/>
+            <ac:spMk id="3" creationId="{067EC943-7A0F-1E16-56F0-651AD6533650}"/>
+          </ac:spMkLst>
+        </pc:spChg>
+        <pc:spChg chg="add mod">
+          <ac:chgData name="Manuel Moreno" userId="02c6592dd1359e13" providerId="LiveId" clId="{D2253FCA-0CFF-40C3-BC4C-35B7C53364CE}" dt="2025-07-29T14:18:49.428" v="372" actId="123"/>
+          <ac:spMkLst>
+            <pc:docMk/>
+            <pc:sldMk cId="2350055862" sldId="275"/>
+            <ac:spMk id="4" creationId="{22B0C14B-DFB7-A05A-056A-717E52BF6DCD}"/>
+          </ac:spMkLst>
+        </pc:spChg>
+        <pc:spChg chg="mod">
+          <ac:chgData name="Manuel Moreno" userId="02c6592dd1359e13" providerId="LiveId" clId="{D2253FCA-0CFF-40C3-BC4C-35B7C53364CE}" dt="2025-07-29T14:18:05.490" v="365" actId="1076"/>
+          <ac:spMkLst>
+            <pc:docMk/>
+            <pc:sldMk cId="2350055862" sldId="275"/>
+            <ac:spMk id="21" creationId="{78850640-B647-2075-C4CA-D5240E0EB17B}"/>
+          </ac:spMkLst>
+        </pc:spChg>
+        <pc:spChg chg="del">
+          <ac:chgData name="Manuel Moreno" userId="02c6592dd1359e13" providerId="LiveId" clId="{D2253FCA-0CFF-40C3-BC4C-35B7C53364CE}" dt="2025-07-29T14:16:00.187" v="74" actId="478"/>
+          <ac:spMkLst>
+            <pc:docMk/>
+            <pc:sldMk cId="2350055862" sldId="275"/>
+            <ac:spMk id="34" creationId="{8D6C4660-8262-D83E-0C9B-BE7AB91CB20B}"/>
+          </ac:spMkLst>
+        </pc:spChg>
+        <pc:spChg chg="del">
+          <ac:chgData name="Manuel Moreno" userId="02c6592dd1359e13" providerId="LiveId" clId="{D2253FCA-0CFF-40C3-BC4C-35B7C53364CE}" dt="2025-07-29T14:16:02.093" v="75" actId="478"/>
+          <ac:spMkLst>
+            <pc:docMk/>
+            <pc:sldMk cId="2350055862" sldId="275"/>
+            <ac:spMk id="36" creationId="{20FDF31C-645A-4BC3-4854-CEAB1D4D3B5B}"/>
+          </ac:spMkLst>
+        </pc:spChg>
+        <pc:picChg chg="mod">
+          <ac:chgData name="Manuel Moreno" userId="02c6592dd1359e13" providerId="LiveId" clId="{D2253FCA-0CFF-40C3-BC4C-35B7C53364CE}" dt="2025-07-29T14:18:02.050" v="364" actId="1076"/>
+          <ac:picMkLst>
+            <pc:docMk/>
+            <pc:sldMk cId="2350055862" sldId="275"/>
+            <ac:picMk id="16" creationId="{8B1664DF-1C68-233D-67C1-7176550E8686}"/>
+          </ac:picMkLst>
+        </pc:picChg>
+        <pc:picChg chg="del">
+          <ac:chgData name="Manuel Moreno" userId="02c6592dd1359e13" providerId="LiveId" clId="{D2253FCA-0CFF-40C3-BC4C-35B7C53364CE}" dt="2025-07-29T14:15:59.158" v="73" actId="478"/>
+          <ac:picMkLst>
+            <pc:docMk/>
+            <pc:sldMk cId="2350055862" sldId="275"/>
+            <ac:picMk id="32" creationId="{862E301F-8F45-CF87-229F-7E86AB2C1651}"/>
+          </ac:picMkLst>
+        </pc:picChg>
+        <pc:picChg chg="del">
+          <ac:chgData name="Manuel Moreno" userId="02c6592dd1359e13" providerId="LiveId" clId="{D2253FCA-0CFF-40C3-BC4C-35B7C53364CE}" dt="2025-07-29T14:15:58.564" v="72" actId="478"/>
+          <ac:picMkLst>
+            <pc:docMk/>
+            <pc:sldMk cId="2350055862" sldId="275"/>
+            <ac:picMk id="33" creationId="{058D8C6D-C766-08BD-FE55-4910403B139C}"/>
+          </ac:picMkLst>
+        </pc:picChg>
+        <pc:cxnChg chg="mod">
+          <ac:chgData name="Manuel Moreno" userId="02c6592dd1359e13" providerId="LiveId" clId="{D2253FCA-0CFF-40C3-BC4C-35B7C53364CE}" dt="2025-07-29T14:18:05.490" v="365" actId="1076"/>
+          <ac:cxnSpMkLst>
+            <pc:docMk/>
+            <pc:sldMk cId="2350055862" sldId="275"/>
+            <ac:cxnSpMk id="22" creationId="{2092904F-31D5-B146-AE49-EFD00D7F0320}"/>
+          </ac:cxnSpMkLst>
+        </pc:cxnChg>
+        <pc:cxnChg chg="del mod">
+          <ac:chgData name="Manuel Moreno" userId="02c6592dd1359e13" providerId="LiveId" clId="{D2253FCA-0CFF-40C3-BC4C-35B7C53364CE}" dt="2025-07-29T14:16:04.254" v="77" actId="478"/>
+          <ac:cxnSpMkLst>
+            <pc:docMk/>
+            <pc:sldMk cId="2350055862" sldId="275"/>
+            <ac:cxnSpMk id="35" creationId="{FB030B3A-5AC1-DC5D-EC19-75A7C6C33DDA}"/>
+          </ac:cxnSpMkLst>
+        </pc:cxnChg>
+        <pc:cxnChg chg="del mod">
+          <ac:chgData name="Manuel Moreno" userId="02c6592dd1359e13" providerId="LiveId" clId="{D2253FCA-0CFF-40C3-BC4C-35B7C53364CE}" dt="2025-07-29T14:16:03.621" v="76" actId="478"/>
+          <ac:cxnSpMkLst>
+            <pc:docMk/>
+            <pc:sldMk cId="2350055862" sldId="275"/>
+            <ac:cxnSpMk id="37" creationId="{7867DF3B-894B-84C8-6086-25362C61F060}"/>
+          </ac:cxnSpMkLst>
+        </pc:cxnChg>
+      </pc:sldChg>
+      <pc:sldChg chg="modSp">
+        <pc:chgData name="Manuel Moreno" userId="02c6592dd1359e13" providerId="LiveId" clId="{D2253FCA-0CFF-40C3-BC4C-35B7C53364CE}" dt="2025-07-29T14:15:21.405" v="71"/>
+        <pc:sldMkLst>
+          <pc:docMk/>
+          <pc:sldMk cId="2621434902" sldId="276"/>
+        </pc:sldMkLst>
+        <pc:spChg chg="mod">
+          <ac:chgData name="Manuel Moreno" userId="02c6592dd1359e13" providerId="LiveId" clId="{D2253FCA-0CFF-40C3-BC4C-35B7C53364CE}" dt="2025-07-29T14:15:21.405" v="71"/>
+          <ac:spMkLst>
+            <pc:docMk/>
+            <pc:sldMk cId="2621434902" sldId="276"/>
+            <ac:spMk id="19" creationId="{76AB79AC-2F2E-B73F-E7EC-949F27D7CBAD}"/>
+          </ac:spMkLst>
+        </pc:spChg>
+      </pc:sldChg>
+    </pc:docChg>
+  </pc:docChgLst>
+</pc:chgInfo>
+</file>
+
 <file path=ppt/notesMasters/notesMaster1.xml><?xml version="1.0" encoding="utf-8"?>
 <p:notesMaster xmlns:a="http://schemas.openxmlformats.org/drawingml/2006/main" xmlns:r="http://schemas.openxmlformats.org/officeDocument/2006/relationships" xmlns:p="http://schemas.openxmlformats.org/presentationml/2006/main">
   <p:cSld>
@@ -249,7 +690,7 @@
           <a:p>
             <a:fld id="{69F8C96D-F554-499D-ABFC-492D82BF14D4}" type="datetimeFigureOut">
               <a:rPr lang="es-VE" smtClean="0"/>
-              <a:t>28/7/2025</a:t>
+              <a:t>29/7/2025</a:t>
             </a:fld>
             <a:endParaRPr lang="es-VE"/>
           </a:p>
@@ -408,7 +849,7 @@
           <a:p>
             <a:fld id="{A0051FEE-5973-4BB2-90A9-241C6D512812}" type="slidenum">
               <a:rPr lang="es-VE" smtClean="0"/>
-              <a:t>‹#›</a:t>
+              <a:t>‹Nº›</a:t>
             </a:fld>
             <a:endParaRPr lang="es-VE"/>
           </a:p>
@@ -2077,7 +2518,7 @@
             <a:fld id="{1D8BD707-D9CF-40AE-B4C6-C98DA3205C09}" type="datetimeFigureOut">
               <a:rPr lang="en-US" smtClean="0"/>
               <a:pPr/>
-              <a:t>7/28/2025</a:t>
+              <a:t>7/29/2025</a:t>
             </a:fld>
             <a:endParaRPr lang="en-US"/>
           </a:p>
@@ -2120,7 +2561,7 @@
             <a:fld id="{B6F15528-21DE-4FAA-801E-634DDDAF4B2B}" type="slidenum">
               <a:rPr lang="en-US" smtClean="0"/>
               <a:pPr/>
-              <a:t>‹#›</a:t>
+              <a:t>‹Nº›</a:t>
             </a:fld>
             <a:endParaRPr lang="en-US"/>
           </a:p>
@@ -2242,7 +2683,7 @@
             <a:fld id="{1D8BD707-D9CF-40AE-B4C6-C98DA3205C09}" type="datetimeFigureOut">
               <a:rPr lang="en-US" smtClean="0"/>
               <a:pPr/>
-              <a:t>7/28/2025</a:t>
+              <a:t>7/29/2025</a:t>
             </a:fld>
             <a:endParaRPr lang="en-US"/>
           </a:p>
@@ -2285,7 +2726,7 @@
             <a:fld id="{B6F15528-21DE-4FAA-801E-634DDDAF4B2B}" type="slidenum">
               <a:rPr lang="en-US" smtClean="0"/>
               <a:pPr/>
-              <a:t>‹#›</a:t>
+              <a:t>‹Nº›</a:t>
             </a:fld>
             <a:endParaRPr lang="en-US"/>
           </a:p>
@@ -2417,7 +2858,7 @@
             <a:fld id="{1D8BD707-D9CF-40AE-B4C6-C98DA3205C09}" type="datetimeFigureOut">
               <a:rPr lang="en-US" smtClean="0"/>
               <a:pPr/>
-              <a:t>7/28/2025</a:t>
+              <a:t>7/29/2025</a:t>
             </a:fld>
             <a:endParaRPr lang="en-US"/>
           </a:p>
@@ -2460,7 +2901,7 @@
             <a:fld id="{B6F15528-21DE-4FAA-801E-634DDDAF4B2B}" type="slidenum">
               <a:rPr lang="en-US" smtClean="0"/>
               <a:pPr/>
-              <a:t>‹#›</a:t>
+              <a:t>‹Nº›</a:t>
             </a:fld>
             <a:endParaRPr lang="en-US"/>
           </a:p>
@@ -2582,7 +3023,7 @@
             <a:fld id="{1D8BD707-D9CF-40AE-B4C6-C98DA3205C09}" type="datetimeFigureOut">
               <a:rPr lang="en-US" smtClean="0"/>
               <a:pPr/>
-              <a:t>7/28/2025</a:t>
+              <a:t>7/29/2025</a:t>
             </a:fld>
             <a:endParaRPr lang="en-US"/>
           </a:p>
@@ -2625,7 +3066,7 @@
             <a:fld id="{B6F15528-21DE-4FAA-801E-634DDDAF4B2B}" type="slidenum">
               <a:rPr lang="en-US" smtClean="0"/>
               <a:pPr/>
-              <a:t>‹#›</a:t>
+              <a:t>‹Nº›</a:t>
             </a:fld>
             <a:endParaRPr lang="en-US"/>
           </a:p>
@@ -2824,7 +3265,7 @@
             <a:fld id="{1D8BD707-D9CF-40AE-B4C6-C98DA3205C09}" type="datetimeFigureOut">
               <a:rPr lang="en-US" smtClean="0"/>
               <a:pPr/>
-              <a:t>7/28/2025</a:t>
+              <a:t>7/29/2025</a:t>
             </a:fld>
             <a:endParaRPr lang="en-US"/>
           </a:p>
@@ -2867,7 +3308,7 @@
             <a:fld id="{B6F15528-21DE-4FAA-801E-634DDDAF4B2B}" type="slidenum">
               <a:rPr lang="en-US" smtClean="0"/>
               <a:pPr/>
-              <a:t>‹#›</a:t>
+              <a:t>‹Nº›</a:t>
             </a:fld>
             <a:endParaRPr lang="en-US"/>
           </a:p>
@@ -3106,7 +3547,7 @@
             <a:fld id="{1D8BD707-D9CF-40AE-B4C6-C98DA3205C09}" type="datetimeFigureOut">
               <a:rPr lang="en-US" smtClean="0"/>
               <a:pPr/>
-              <a:t>7/28/2025</a:t>
+              <a:t>7/29/2025</a:t>
             </a:fld>
             <a:endParaRPr lang="en-US"/>
           </a:p>
@@ -3149,7 +3590,7 @@
             <a:fld id="{B6F15528-21DE-4FAA-801E-634DDDAF4B2B}" type="slidenum">
               <a:rPr lang="en-US" smtClean="0"/>
               <a:pPr/>
-              <a:t>‹#›</a:t>
+              <a:t>‹Nº›</a:t>
             </a:fld>
             <a:endParaRPr lang="en-US"/>
           </a:p>
@@ -3522,7 +3963,7 @@
             <a:fld id="{1D8BD707-D9CF-40AE-B4C6-C98DA3205C09}" type="datetimeFigureOut">
               <a:rPr lang="en-US" smtClean="0"/>
               <a:pPr/>
-              <a:t>7/28/2025</a:t>
+              <a:t>7/29/2025</a:t>
             </a:fld>
             <a:endParaRPr lang="en-US"/>
           </a:p>
@@ -3565,7 +4006,7 @@
             <a:fld id="{B6F15528-21DE-4FAA-801E-634DDDAF4B2B}" type="slidenum">
               <a:rPr lang="en-US" smtClean="0"/>
               <a:pPr/>
-              <a:t>‹#›</a:t>
+              <a:t>‹Nº›</a:t>
             </a:fld>
             <a:endParaRPr lang="en-US"/>
           </a:p>
@@ -3636,7 +4077,7 @@
             <a:fld id="{1D8BD707-D9CF-40AE-B4C6-C98DA3205C09}" type="datetimeFigureOut">
               <a:rPr lang="en-US" smtClean="0"/>
               <a:pPr/>
-              <a:t>7/28/2025</a:t>
+              <a:t>7/29/2025</a:t>
             </a:fld>
             <a:endParaRPr lang="en-US"/>
           </a:p>
@@ -3679,7 +4120,7 @@
             <a:fld id="{B6F15528-21DE-4FAA-801E-634DDDAF4B2B}" type="slidenum">
               <a:rPr lang="en-US" smtClean="0"/>
               <a:pPr/>
-              <a:t>‹#›</a:t>
+              <a:t>‹Nº›</a:t>
             </a:fld>
             <a:endParaRPr lang="en-US"/>
           </a:p>
@@ -3728,7 +4169,7 @@
             <a:fld id="{1D8BD707-D9CF-40AE-B4C6-C98DA3205C09}" type="datetimeFigureOut">
               <a:rPr lang="en-US" smtClean="0"/>
               <a:pPr/>
-              <a:t>7/28/2025</a:t>
+              <a:t>7/29/2025</a:t>
             </a:fld>
             <a:endParaRPr lang="en-US"/>
           </a:p>
@@ -3771,7 +4212,7 @@
             <a:fld id="{B6F15528-21DE-4FAA-801E-634DDDAF4B2B}" type="slidenum">
               <a:rPr lang="en-US" smtClean="0"/>
               <a:pPr/>
-              <a:t>‹#›</a:t>
+              <a:t>‹Nº›</a:t>
             </a:fld>
             <a:endParaRPr lang="en-US"/>
           </a:p>
@@ -4000,7 +4441,7 @@
             <a:fld id="{1D8BD707-D9CF-40AE-B4C6-C98DA3205C09}" type="datetimeFigureOut">
               <a:rPr lang="en-US" smtClean="0"/>
               <a:pPr/>
-              <a:t>7/28/2025</a:t>
+              <a:t>7/29/2025</a:t>
             </a:fld>
             <a:endParaRPr lang="en-US"/>
           </a:p>
@@ -4043,7 +4484,7 @@
             <a:fld id="{B6F15528-21DE-4FAA-801E-634DDDAF4B2B}" type="slidenum">
               <a:rPr lang="en-US" smtClean="0"/>
               <a:pPr/>
-              <a:t>‹#›</a:t>
+              <a:t>‹Nº›</a:t>
             </a:fld>
             <a:endParaRPr lang="en-US"/>
           </a:p>
@@ -4249,7 +4690,7 @@
             <a:fld id="{1D8BD707-D9CF-40AE-B4C6-C98DA3205C09}" type="datetimeFigureOut">
               <a:rPr lang="en-US" smtClean="0"/>
               <a:pPr/>
-              <a:t>7/28/2025</a:t>
+              <a:t>7/29/2025</a:t>
             </a:fld>
             <a:endParaRPr lang="en-US"/>
           </a:p>
@@ -4292,7 +4733,7 @@
             <a:fld id="{B6F15528-21DE-4FAA-801E-634DDDAF4B2B}" type="slidenum">
               <a:rPr lang="en-US" smtClean="0"/>
               <a:pPr/>
-              <a:t>‹#›</a:t>
+              <a:t>‹Nº›</a:t>
             </a:fld>
             <a:endParaRPr lang="en-US"/>
           </a:p>
@@ -4457,7 +4898,7 @@
             <a:fld id="{1D8BD707-D9CF-40AE-B4C6-C98DA3205C09}" type="datetimeFigureOut">
               <a:rPr lang="en-US" smtClean="0"/>
               <a:pPr/>
-              <a:t>7/28/2025</a:t>
+              <a:t>7/29/2025</a:t>
             </a:fld>
             <a:endParaRPr lang="en-US"/>
           </a:p>
@@ -4536,7 +4977,7 @@
             <a:fld id="{B6F15528-21DE-4FAA-801E-634DDDAF4B2B}" type="slidenum">
               <a:rPr lang="en-US" smtClean="0"/>
               <a:pPr/>
-              <a:t>‹#›</a:t>
+              <a:t>‹Nº›</a:t>
             </a:fld>
             <a:endParaRPr lang="en-US"/>
           </a:p>
@@ -5265,10 +5706,10 @@
       </p:sp>
       <p:pic>
         <p:nvPicPr>
-          <p:cNvPr id="14" name="Picture 13">
-            <a:extLst>
-              <a:ext uri="{FF2B5EF4-FFF2-40B4-BE49-F238E27FC236}">
-                <a16:creationId xmlns:a16="http://schemas.microsoft.com/office/drawing/2014/main" id="{F0757F67-0DCC-1957-F285-C0C6376C4A6E}"/>
+          <p:cNvPr id="13" name="Imagen 12">
+            <a:extLst>
+              <a:ext uri="{FF2B5EF4-FFF2-40B4-BE49-F238E27FC236}">
+                <a16:creationId xmlns:a16="http://schemas.microsoft.com/office/drawing/2014/main" id="{4B13E23F-A113-ACAB-B954-00988B0345DA}"/>
               </a:ext>
             </a:extLst>
           </p:cNvPr>
@@ -5285,17 +5726,12 @@
         </p:blipFill>
         <p:spPr>
           <a:xfrm>
-            <a:off x="273050" y="3289300"/>
-            <a:ext cx="5715000" cy="2757925"/>
+            <a:off x="324769" y="3216775"/>
+            <a:ext cx="5650095" cy="2720105"/>
           </a:xfrm>
           <a:prstGeom prst="rect">
             <a:avLst/>
           </a:prstGeom>
-          <a:ln>
-            <a:solidFill>
-              <a:schemeClr val="tx1"/>
-            </a:solidFill>
-          </a:ln>
         </p:spPr>
       </p:pic>
     </p:spTree>
@@ -5701,23 +6137,7 @@
                   <a:schemeClr val="tx1"/>
                 </a:solidFill>
               </a:rPr>
-              <a:t>En monitoreo se pueden visualizar las tablas que contienen los datos de Cámaras y </a:t>
-            </a:r>
-            <a:r>
-              <a:rPr lang="es-VE" sz="1400" dirty="0" err="1">
-                <a:solidFill>
-                  <a:schemeClr val="tx1"/>
-                </a:solidFill>
-              </a:rPr>
-              <a:t>Nvr</a:t>
-            </a:r>
-            <a:r>
-              <a:rPr lang="es-VE" sz="1400" dirty="0">
-                <a:solidFill>
-                  <a:schemeClr val="tx1"/>
-                </a:solidFill>
-              </a:rPr>
-              <a:t> que están offline y </a:t>
+              <a:t>En monitoreo se pueden visualizar las tablas que contienen los datos de Cámaras y NVR que están offline y </a:t>
             </a:r>
             <a:r>
               <a:rPr lang="es-VE" sz="1400" dirty="0" err="1">
@@ -5813,7 +6233,7 @@
           <a:p>
             <a:r>
               <a:rPr lang="es-VE" sz="2400" dirty="0"/>
-              <a:t>3.1 Monitoreo </a:t>
+              <a:t>3.2 Monitoreo </a:t>
             </a:r>
           </a:p>
         </p:txBody>
@@ -6256,39 +6676,7 @@
                   <a:schemeClr val="tx1"/>
                 </a:solidFill>
               </a:rPr>
-              <a:t>Al desplegar la lista de Equipos el primer botón pertenece a </a:t>
-            </a:r>
-            <a:r>
-              <a:rPr lang="es-VE" sz="1400" dirty="0" err="1">
-                <a:solidFill>
-                  <a:schemeClr val="tx1"/>
-                </a:solidFill>
-              </a:rPr>
-              <a:t>Nvr</a:t>
-            </a:r>
-            <a:r>
-              <a:rPr lang="es-VE" sz="1400" dirty="0">
-                <a:solidFill>
-                  <a:schemeClr val="tx1"/>
-                </a:solidFill>
-              </a:rPr>
-              <a:t>, dónde se muestra una tabla con los datos y acciones que se pueden hacer sobre esos registros, como: Ver, editar y eliminar. Además del botón para agregar un nuevo </a:t>
-            </a:r>
-            <a:r>
-              <a:rPr lang="es-VE" sz="1400" dirty="0" err="1">
-                <a:solidFill>
-                  <a:schemeClr val="tx1"/>
-                </a:solidFill>
-              </a:rPr>
-              <a:t>Nvr</a:t>
-            </a:r>
-            <a:r>
-              <a:rPr lang="es-VE" sz="1400" dirty="0">
-                <a:solidFill>
-                  <a:schemeClr val="tx1"/>
-                </a:solidFill>
-              </a:rPr>
-              <a:t>.</a:t>
+              <a:t>Al desplegar la lista de Equipos el primer botón pertenece a NVR, dónde se muestra una tabla con los datos y acciones que se pueden hacer sobre esos registros, como: Ver, editar y eliminar. Además del botón para agregar un nuevo NVR.</a:t>
             </a:r>
           </a:p>
         </p:txBody>
@@ -6535,21 +6923,8 @@
                   <a:schemeClr val="tx1"/>
                 </a:solidFill>
               </a:rPr>
-              <a:t>Agregar nuevo </a:t>
-            </a:r>
-            <a:r>
-              <a:rPr lang="es-VE" sz="1400" dirty="0" err="1">
-                <a:solidFill>
-                  <a:schemeClr val="tx1"/>
-                </a:solidFill>
-              </a:rPr>
-              <a:t>Nvr</a:t>
-            </a:r>
-            <a:endParaRPr lang="es-VE" sz="1400" dirty="0">
-              <a:solidFill>
-                <a:schemeClr val="tx1"/>
-              </a:solidFill>
-            </a:endParaRPr>
+              <a:t>Agregar nuevo NVR</a:t>
+            </a:r>
           </a:p>
         </p:txBody>
       </p:sp>
@@ -6876,23 +7251,7 @@
                   <a:schemeClr val="tx1"/>
                 </a:solidFill>
               </a:rPr>
-              <a:t>Para agregar un nuevo </a:t>
-            </a:r>
-            <a:r>
-              <a:rPr lang="es-VE" sz="1400" dirty="0" err="1">
-                <a:solidFill>
-                  <a:schemeClr val="tx1"/>
-                </a:solidFill>
-              </a:rPr>
-              <a:t>Nvr</a:t>
-            </a:r>
-            <a:r>
-              <a:rPr lang="es-VE" sz="1400" dirty="0">
-                <a:solidFill>
-                  <a:schemeClr val="tx1"/>
-                </a:solidFill>
-              </a:rPr>
-              <a:t> debe presionar el botón ya antes mencionado el cuál apertura un formulario.  </a:t>
+              <a:t>Para agregar un nuevo NVR debe presionar el botón ya antes mencionado el cuál apertura un formulario.  </a:t>
             </a:r>
           </a:p>
         </p:txBody>
@@ -6969,15 +7328,7 @@
           <a:p>
             <a:r>
               <a:rPr lang="es-VE" sz="1400" dirty="0"/>
-              <a:t>Si ya no desea crear un nuevo </a:t>
-            </a:r>
-            <a:r>
-              <a:rPr lang="es-VE" sz="1400" dirty="0" err="1"/>
-              <a:t>Nvr</a:t>
-            </a:r>
-            <a:r>
-              <a:rPr lang="es-VE" sz="1400" dirty="0"/>
-              <a:t> presione          de lo contrario rellene los campos y presione</a:t>
+              <a:t>Si ya no desea crear un nuevo NVR presione          de lo contrario rellene los campos y presione</a:t>
             </a:r>
             <a:endParaRPr lang="es-VE" sz="1400" dirty="0">
               <a:solidFill>
@@ -7099,13 +7450,8 @@
             <a:pPr algn="ctr"/>
             <a:r>
               <a:rPr lang="es-VE" sz="1400" dirty="0"/>
-              <a:t>Guardar </a:t>
-            </a:r>
-            <a:r>
-              <a:rPr lang="es-VE" sz="1400" dirty="0" err="1"/>
-              <a:t>Nvr</a:t>
-            </a:r>
-            <a:endParaRPr lang="es-VE" sz="1400" dirty="0"/>
+              <a:t>Guardar NVR</a:t>
+            </a:r>
           </a:p>
         </p:txBody>
       </p:sp>
@@ -7179,7 +7525,7 @@
           <a:p>
             <a:r>
               <a:rPr lang="es-VE" sz="2400" dirty="0"/>
-              <a:t>3.2 Equipos </a:t>
+              <a:t>3.3 Equipos </a:t>
             </a:r>
           </a:p>
         </p:txBody>
@@ -7214,13 +7560,8 @@
           <a:p>
             <a:r>
               <a:rPr lang="es-VE" sz="2000" dirty="0"/>
-              <a:t>3.2.1 </a:t>
-            </a:r>
-            <a:r>
-              <a:rPr lang="es-VE" sz="2000" dirty="0" err="1"/>
-              <a:t>Nvr</a:t>
-            </a:r>
-            <a:endParaRPr lang="es-VE" sz="2000" dirty="0"/>
+              <a:t>3.3.1 NVR</a:t>
+            </a:r>
           </a:p>
         </p:txBody>
       </p:sp>
@@ -7648,7 +7989,7 @@
           <a:p>
             <a:r>
               <a:rPr lang="es-VE" sz="2400" dirty="0"/>
-              <a:t>3.2 Equipos </a:t>
+              <a:t>3.3 Equipos </a:t>
             </a:r>
           </a:p>
         </p:txBody>
@@ -7886,12 +8227,12 @@
                     <a:p>
                       <a:pPr algn="ctr"/>
                       <a:r>
-                        <a:rPr lang="es-MX" sz="1400" dirty="0" err="1">
+                        <a:rPr lang="es-MX" sz="1400" dirty="0">
                           <a:solidFill>
                             <a:schemeClr val="bg1"/>
                           </a:solidFill>
                         </a:rPr>
-                        <a:t>Nvr</a:t>
+                        <a:t>NVR</a:t>
                       </a:r>
                       <a:endParaRPr lang="es-VE" sz="1400" dirty="0">
                         <a:solidFill>
@@ -8900,21 +9241,8 @@
                   <a:schemeClr val="tx1"/>
                 </a:solidFill>
               </a:rPr>
-              <a:t>Agregar nuevo </a:t>
-            </a:r>
-            <a:r>
-              <a:rPr lang="es-VE" sz="1400" dirty="0" err="1">
-                <a:solidFill>
-                  <a:schemeClr val="tx1"/>
-                </a:solidFill>
-              </a:rPr>
-              <a:t>Nvr</a:t>
-            </a:r>
-            <a:endParaRPr lang="es-VE" sz="1400" dirty="0">
-              <a:solidFill>
-                <a:schemeClr val="tx1"/>
-              </a:solidFill>
-            </a:endParaRPr>
+              <a:t>Agregar nuevo NVR</a:t>
+            </a:r>
           </a:p>
         </p:txBody>
       </p:sp>
@@ -9446,7 +9774,7 @@
           <a:p>
             <a:r>
               <a:rPr lang="es-VE" sz="2400" dirty="0"/>
-              <a:t>3.3 Condición de Atención  </a:t>
+              <a:t>3.4 Condición de Atención  </a:t>
             </a:r>
           </a:p>
         </p:txBody>
@@ -9865,7 +10193,7 @@
           <a:p>
             <a:r>
               <a:rPr lang="es-VE" sz="2400" dirty="0"/>
-              <a:t>3.3 Condición de Atención  </a:t>
+              <a:t>3.4 Condición de Atención  </a:t>
             </a:r>
           </a:p>
         </p:txBody>
@@ -10746,7 +11074,7 @@
           <a:p>
             <a:r>
               <a:rPr lang="es-VE" sz="2400" dirty="0"/>
-              <a:t>3.3 Condición de Atención  </a:t>
+              <a:t>3.4 Condición de Atención  </a:t>
             </a:r>
           </a:p>
         </p:txBody>
@@ -11573,7 +11901,7 @@
           <a:p>
             <a:r>
               <a:rPr lang="es-VE" sz="2400" dirty="0"/>
-              <a:t>3.3 Condición de Atención  </a:t>
+              <a:t>3.4 Condición de Atención  </a:t>
             </a:r>
           </a:p>
         </p:txBody>
@@ -11908,15 +12236,7 @@
             </a:r>
             <a:r>
               <a:rPr lang="es-MX" sz="1200" b="1" dirty="0"/>
-              <a:t>Para las tarjetas de información para </a:t>
-            </a:r>
-            <a:r>
-              <a:rPr lang="es-MX" sz="1200" b="1" dirty="0" err="1"/>
-              <a:t>Nvr</a:t>
-            </a:r>
-            <a:r>
-              <a:rPr lang="es-MX" sz="1200" b="1" dirty="0"/>
-              <a:t> se muestra una tabla con las cámaras enlazadas y para Cámara se muestra una tabla con las condición de atención aplicadas a la cámara.</a:t>
+              <a:t>Para las tarjetas de información para NVR se muestra una tabla con las cámaras enlazadas y para Cámara se muestra una tabla con las condición de atención aplicadas a la cámara.</a:t>
             </a:r>
             <a:endParaRPr lang="es-VE" sz="1200" b="1" dirty="0"/>
           </a:p>
@@ -12696,7 +13016,7 @@
           <a:p>
             <a:r>
               <a:rPr lang="es-VE" sz="2400" dirty="0"/>
-              <a:t>3.4 Historial Eliminados</a:t>
+              <a:t>3.5 Historial Eliminados</a:t>
             </a:r>
           </a:p>
         </p:txBody>
@@ -12731,7 +13051,7 @@
           <a:p>
             <a:r>
               <a:rPr lang="es-VE" sz="2400" dirty="0"/>
-              <a:t>3.5 Reporte</a:t>
+              <a:t>3.6 Reporte</a:t>
             </a:r>
           </a:p>
         </p:txBody>
@@ -13686,7 +14006,7 @@
           <a:p>
             <a:r>
               <a:rPr lang="es-VE" sz="2400" dirty="0"/>
-              <a:t>3.6 Configuración</a:t>
+              <a:t>3.7 Configuración</a:t>
             </a:r>
           </a:p>
         </p:txBody>
@@ -13721,7 +14041,7 @@
           <a:p>
             <a:r>
               <a:rPr lang="es-VE" sz="2000" dirty="0"/>
-              <a:t>3.6.1 Perfil</a:t>
+              <a:t>3.7.1 Perfil</a:t>
             </a:r>
           </a:p>
         </p:txBody>
@@ -14879,7 +15199,7 @@
           <a:p>
             <a:r>
               <a:rPr lang="es-VE" sz="2000" dirty="0"/>
-              <a:t>3.6.2 Usuarios</a:t>
+              <a:t>3.7.2 Usuarios</a:t>
             </a:r>
           </a:p>
         </p:txBody>
@@ -15707,7 +16027,13 @@
           <p:cNvGraphicFramePr>
             <a:graphicFrameLocks noGrp="1"/>
           </p:cNvGraphicFramePr>
-          <p:nvPr/>
+          <p:nvPr>
+            <p:extLst>
+              <p:ext uri="{D42A27DB-BD31-4B8C-83A1-F6EECF244321}">
+                <p14:modId xmlns:p14="http://schemas.microsoft.com/office/powerpoint/2010/main" val="3450152832"/>
+              </p:ext>
+            </p:extLst>
+          </p:nvPr>
         </p:nvGraphicFramePr>
         <p:xfrm>
           <a:off x="752992" y="3189618"/>
@@ -15962,7 +16288,7 @@
                         <a:defRPr/>
                       </a:pPr>
                       <a:r>
-                        <a:rPr lang="en-US" sz="999">
+                        <a:rPr lang="en-US" sz="999" dirty="0" err="1">
                           <a:solidFill>
                             <a:srgbClr val="000000"/>
                           </a:solidFill>
@@ -15971,9 +16297,21 @@
                           <a:cs typeface="Montserrat"/>
                           <a:sym typeface="Montserrat"/>
                         </a:rPr>
-                        <a:t>xxxxx</a:t>
+                        <a:t>CamStatus</a:t>
                       </a:r>
-                      <a:endParaRPr lang="en-US" sz="1100"/>
+                      <a:r>
+                        <a:rPr lang="en-US" sz="999" dirty="0">
+                          <a:solidFill>
+                            <a:srgbClr val="000000"/>
+                          </a:solidFill>
+                          <a:latin typeface="Montserrat"/>
+                          <a:ea typeface="Montserrat"/>
+                          <a:cs typeface="Montserrat"/>
+                          <a:sym typeface="Montserrat"/>
+                        </a:rPr>
+                        <a:t>-Security</a:t>
+                      </a:r>
+                      <a:endParaRPr lang="en-US" sz="1100" dirty="0"/>
                     </a:p>
                   </a:txBody>
                   <a:tcPr marL="0" marR="0" marT="0" marB="0" anchor="ctr">
@@ -16102,7 +16440,7 @@
                         <a:defRPr/>
                       </a:pPr>
                       <a:r>
-                        <a:rPr lang="en-US" sz="999">
+                        <a:rPr lang="en-US" sz="999" dirty="0">
                           <a:solidFill>
                             <a:srgbClr val="000000"/>
                           </a:solidFill>
@@ -16113,7 +16451,7 @@
                         </a:rPr>
                         <a:t>Manual de Usuario</a:t>
                       </a:r>
-                      <a:endParaRPr lang="en-US" sz="1100"/>
+                      <a:endParaRPr lang="en-US" sz="1100" dirty="0"/>
                     </a:p>
                   </a:txBody>
                   <a:tcPr marL="0" marR="0" marT="0" marB="0" anchor="ctr">
@@ -17244,47 +17582,6 @@
           </a:p>
         </p:txBody>
       </p:sp>
-      <p:sp>
-        <p:nvSpPr>
-          <p:cNvPr id="9" name="TextBox 9"/>
-          <p:cNvSpPr txBox="1"/>
-          <p:nvPr/>
-        </p:nvSpPr>
-        <p:spPr>
-          <a:xfrm>
-            <a:off x="756000" y="10084923"/>
-            <a:ext cx="1742330" cy="187325"/>
-          </a:xfrm>
-          <a:prstGeom prst="rect">
-            <a:avLst/>
-          </a:prstGeom>
-        </p:spPr>
-        <p:txBody>
-          <a:bodyPr lIns="0" tIns="0" rIns="0" bIns="0" rtlCol="0" anchor="t">
-            <a:spAutoFit/>
-          </a:bodyPr>
-          <a:lstStyle/>
-          <a:p>
-            <a:pPr algn="l">
-              <a:lnSpc>
-                <a:spcPts val="1599"/>
-              </a:lnSpc>
-            </a:pPr>
-            <a:r>
-              <a:rPr lang="en-US" sz="999">
-                <a:solidFill>
-                  <a:srgbClr val="222525"/>
-                </a:solidFill>
-                <a:latin typeface="Montserrat"/>
-                <a:ea typeface="Montserrat"/>
-                <a:cs typeface="Montserrat"/>
-                <a:sym typeface="Montserrat"/>
-              </a:rPr>
-              <a:t>ESTUDIO SHONOS</a:t>
-            </a:r>
-          </a:p>
-        </p:txBody>
-      </p:sp>
     </p:spTree>
   </p:cSld>
   <p:clrMapOvr>
@@ -17664,7 +17961,7 @@
           <a:p>
             <a:r>
               <a:rPr lang="es-VE" sz="2000" dirty="0"/>
-              <a:t>3.6.3 Manual de Usuario</a:t>
+              <a:t>3.7.3 Manual de Usuario</a:t>
             </a:r>
           </a:p>
         </p:txBody>
@@ -17683,7 +17980,7 @@
         </p:nvSpPr>
         <p:spPr>
           <a:xfrm>
-            <a:off x="496056" y="5579023"/>
+            <a:off x="534184" y="5987353"/>
             <a:ext cx="3435833" cy="400110"/>
           </a:xfrm>
           <a:prstGeom prst="rect">
@@ -17699,7 +17996,7 @@
           <a:p>
             <a:r>
               <a:rPr lang="es-VE" sz="2000" dirty="0"/>
-              <a:t>3.6.4 Manual de Desarrollador</a:t>
+              <a:t>3.7.4 Manual de Desarrollador</a:t>
             </a:r>
           </a:p>
         </p:txBody>
@@ -17757,7 +18054,7 @@
         </p:blipFill>
         <p:spPr>
           <a:xfrm>
-            <a:off x="4341474" y="3096862"/>
+            <a:off x="4340931" y="3600657"/>
             <a:ext cx="2756567" cy="2172096"/>
           </a:xfrm>
           <a:prstGeom prst="rect">
@@ -17862,7 +18159,7 @@
         </p:nvSpPr>
         <p:spPr>
           <a:xfrm>
-            <a:off x="5011160" y="1680414"/>
+            <a:off x="5011160" y="2197188"/>
             <a:ext cx="1792840" cy="1169551"/>
           </a:xfrm>
           <a:prstGeom prst="rect">
@@ -17914,7 +18211,7 @@
         </p:nvCxnSpPr>
         <p:spPr>
           <a:xfrm flipH="1">
-            <a:off x="5530850" y="2849965"/>
+            <a:off x="5530850" y="3366739"/>
             <a:ext cx="376730" cy="246897"/>
           </a:xfrm>
           <a:prstGeom prst="straightConnector1">
@@ -17942,73 +18239,12 @@
           </a:fontRef>
         </p:style>
       </p:cxnSp>
-      <p:pic>
-        <p:nvPicPr>
-          <p:cNvPr id="32" name="Picture 31">
-            <a:extLst>
-              <a:ext uri="{FF2B5EF4-FFF2-40B4-BE49-F238E27FC236}">
-                <a16:creationId xmlns:a16="http://schemas.microsoft.com/office/drawing/2014/main" id="{862E301F-8F45-CF87-229F-7E86AB2C1651}"/>
-              </a:ext>
-            </a:extLst>
-          </p:cNvPr>
-          <p:cNvPicPr>
-            <a:picLocks noChangeAspect="1"/>
-          </p:cNvPicPr>
-          <p:nvPr/>
-        </p:nvPicPr>
-        <p:blipFill>
-          <a:blip r:embed="rId5"/>
-          <a:srcRect t="56668"/>
-          <a:stretch>
-            <a:fillRect/>
-          </a:stretch>
-        </p:blipFill>
-        <p:spPr>
-          <a:xfrm>
-            <a:off x="2331525" y="6326003"/>
-            <a:ext cx="2009949" cy="2556367"/>
-          </a:xfrm>
-          <a:prstGeom prst="rect">
-            <a:avLst/>
-          </a:prstGeom>
-        </p:spPr>
-      </p:pic>
-      <p:pic>
-        <p:nvPicPr>
-          <p:cNvPr id="33" name="Picture 32">
-            <a:extLst>
-              <a:ext uri="{FF2B5EF4-FFF2-40B4-BE49-F238E27FC236}">
-                <a16:creationId xmlns:a16="http://schemas.microsoft.com/office/drawing/2014/main" id="{058D8C6D-C766-08BD-FE55-4910403B139C}"/>
-              </a:ext>
-            </a:extLst>
-          </p:cNvPr>
-          <p:cNvPicPr>
-            <a:picLocks noChangeAspect="1"/>
-          </p:cNvPicPr>
-          <p:nvPr/>
-        </p:nvPicPr>
-        <p:blipFill>
-          <a:blip r:embed="rId6"/>
-          <a:stretch>
-            <a:fillRect/>
-          </a:stretch>
-        </p:blipFill>
-        <p:spPr>
-          <a:xfrm>
-            <a:off x="4462947" y="7654890"/>
-            <a:ext cx="2756567" cy="2172096"/>
-          </a:xfrm>
-          <a:prstGeom prst="rect">
-            <a:avLst/>
-          </a:prstGeom>
-        </p:spPr>
-      </p:pic>
-      <p:sp>
-        <p:nvSpPr>
-          <p:cNvPr id="34" name="TextBox 33">
-            <a:extLst>
-              <a:ext uri="{FF2B5EF4-FFF2-40B4-BE49-F238E27FC236}">
-                <a16:creationId xmlns:a16="http://schemas.microsoft.com/office/drawing/2014/main" id="{8D6C4660-8262-D83E-0C9B-BE7AB91CB20B}"/>
+      <p:sp>
+        <p:nvSpPr>
+          <p:cNvPr id="4" name="TextBox 16">
+            <a:extLst>
+              <a:ext uri="{FF2B5EF4-FFF2-40B4-BE49-F238E27FC236}">
+                <a16:creationId xmlns:a16="http://schemas.microsoft.com/office/drawing/2014/main" id="{22B0C14B-DFB7-A05A-056A-717E52BF6DCD}"/>
               </a:ext>
             </a:extLst>
           </p:cNvPr>
@@ -18017,8 +18253,8 @@
         </p:nvSpPr>
         <p:spPr>
           <a:xfrm>
-            <a:off x="286473" y="7990742"/>
-            <a:ext cx="1792840" cy="307777"/>
+            <a:off x="1885336" y="7135316"/>
+            <a:ext cx="3783311" cy="954107"/>
           </a:xfrm>
           <a:prstGeom prst="rect">
             <a:avLst/>
@@ -18036,92 +18272,25 @@
           </a:bodyPr>
           <a:lstStyle/>
           <a:p>
+            <a:pPr algn="just"/>
             <a:r>
               <a:rPr lang="es-MX" sz="1400" dirty="0"/>
-              <a:t>Al presionar el botón </a:t>
-            </a:r>
-            <a:endParaRPr lang="es-VE" sz="1400" dirty="0"/>
-          </a:p>
-        </p:txBody>
-      </p:sp>
-      <p:cxnSp>
-        <p:nvCxnSpPr>
-          <p:cNvPr id="35" name="Straight Arrow Connector 34">
-            <a:extLst>
-              <a:ext uri="{FF2B5EF4-FFF2-40B4-BE49-F238E27FC236}">
-                <a16:creationId xmlns:a16="http://schemas.microsoft.com/office/drawing/2014/main" id="{FB030B3A-5AC1-DC5D-EC19-75A7C6C33DDA}"/>
-              </a:ext>
-            </a:extLst>
-          </p:cNvPr>
-          <p:cNvCxnSpPr>
-            <a:cxnSpLocks/>
-            <a:stCxn id="34" idx="3"/>
-          </p:cNvCxnSpPr>
-          <p:nvPr/>
-        </p:nvCxnSpPr>
-        <p:spPr>
-          <a:xfrm>
-            <a:off x="2079313" y="8144631"/>
-            <a:ext cx="267936" cy="0"/>
-          </a:xfrm>
-          <a:prstGeom prst="straightConnector1">
-            <a:avLst/>
-          </a:prstGeom>
-          <a:ln>
-            <a:tailEnd type="triangle"/>
-          </a:ln>
-        </p:spPr>
-        <p:style>
-          <a:lnRef idx="2">
-            <a:schemeClr val="dk1"/>
-          </a:lnRef>
-          <a:fillRef idx="0">
-            <a:schemeClr val="dk1"/>
-          </a:fillRef>
-          <a:effectRef idx="1">
-            <a:schemeClr val="dk1"/>
-          </a:effectRef>
-          <a:fontRef idx="minor">
-            <a:schemeClr val="tx1"/>
-          </a:fontRef>
-        </p:style>
-      </p:cxnSp>
-      <p:sp>
-        <p:nvSpPr>
-          <p:cNvPr id="36" name="TextBox 35">
-            <a:extLst>
-              <a:ext uri="{FF2B5EF4-FFF2-40B4-BE49-F238E27FC236}">
-                <a16:creationId xmlns:a16="http://schemas.microsoft.com/office/drawing/2014/main" id="{20FDF31C-645A-4BC3-4854-CEAB1D4D3B5B}"/>
-              </a:ext>
-            </a:extLst>
-          </p:cNvPr>
-          <p:cNvSpPr txBox="1"/>
-          <p:nvPr/>
-        </p:nvSpPr>
-        <p:spPr>
-          <a:xfrm>
-            <a:off x="5132633" y="6238442"/>
-            <a:ext cx="1792840" cy="1169551"/>
-          </a:xfrm>
-          <a:prstGeom prst="rect">
-            <a:avLst/>
-          </a:prstGeom>
-          <a:noFill/>
-          <a:ln>
-            <a:solidFill>
-              <a:srgbClr val="FFC000"/>
-            </a:solidFill>
-          </a:ln>
-        </p:spPr>
-        <p:txBody>
-          <a:bodyPr wrap="square" rtlCol="0">
-            <a:spAutoFit/>
-          </a:bodyPr>
-          <a:lstStyle/>
-          <a:p>
+              <a:t>Para Manual ocurre la misma acción que Manual de Usuario. Al presionar el botón </a:t>
+            </a:r>
+            <a:r>
+              <a:rPr lang="es-MX" sz="1400" dirty="0">
+                <a:solidFill>
+                  <a:schemeClr val="bg1"/>
+                </a:solidFill>
+                <a:highlight>
+                  <a:srgbClr val="800000"/>
+                </a:highlight>
+              </a:rPr>
+              <a:t>Manual de desarrollador </a:t>
+            </a:r>
             <a:r>
               <a:rPr lang="es-MX" sz="1400" dirty="0"/>
-              <a:t>Se apertura una nueva pestaña con un archivo  </a:t>
+              <a:t>se apertura una nueva pestaña con el archivo correspondiente en formato </a:t>
             </a:r>
             <a:r>
               <a:rPr lang="es-MX" sz="1400" dirty="0" err="1"/>
@@ -18129,57 +18298,12 @@
             </a:r>
             <a:r>
               <a:rPr lang="es-MX" sz="1400" dirty="0"/>
-              <a:t> con las instrucciones de Desarrollador.</a:t>
+              <a:t>.</a:t>
             </a:r>
             <a:endParaRPr lang="es-VE" sz="1400" dirty="0"/>
           </a:p>
         </p:txBody>
       </p:sp>
-      <p:cxnSp>
-        <p:nvCxnSpPr>
-          <p:cNvPr id="37" name="Straight Arrow Connector 36">
-            <a:extLst>
-              <a:ext uri="{FF2B5EF4-FFF2-40B4-BE49-F238E27FC236}">
-                <a16:creationId xmlns:a16="http://schemas.microsoft.com/office/drawing/2014/main" id="{7867DF3B-894B-84C8-6086-25362C61F060}"/>
-              </a:ext>
-            </a:extLst>
-          </p:cNvPr>
-          <p:cNvCxnSpPr>
-            <a:cxnSpLocks/>
-            <a:stCxn id="36" idx="2"/>
-          </p:cNvCxnSpPr>
-          <p:nvPr/>
-        </p:nvCxnSpPr>
-        <p:spPr>
-          <a:xfrm flipH="1">
-            <a:off x="5652323" y="7407993"/>
-            <a:ext cx="376730" cy="246897"/>
-          </a:xfrm>
-          <a:prstGeom prst="straightConnector1">
-            <a:avLst/>
-          </a:prstGeom>
-          <a:ln>
-            <a:solidFill>
-              <a:srgbClr val="FF0000"/>
-            </a:solidFill>
-            <a:tailEnd type="triangle"/>
-          </a:ln>
-        </p:spPr>
-        <p:style>
-          <a:lnRef idx="2">
-            <a:schemeClr val="dk1"/>
-          </a:lnRef>
-          <a:fillRef idx="0">
-            <a:schemeClr val="dk1"/>
-          </a:fillRef>
-          <a:effectRef idx="1">
-            <a:schemeClr val="dk1"/>
-          </a:effectRef>
-          <a:fontRef idx="minor">
-            <a:schemeClr val="tx1"/>
-          </a:fontRef>
-        </p:style>
-      </p:cxnSp>
     </p:spTree>
     <p:extLst>
       <p:ext uri="{BB962C8B-B14F-4D97-AF65-F5344CB8AC3E}">
@@ -18520,47 +18644,6 @@
       </p:sp>
       <p:sp>
         <p:nvSpPr>
-          <p:cNvPr id="7" name="TextBox 7"/>
-          <p:cNvSpPr txBox="1"/>
-          <p:nvPr/>
-        </p:nvSpPr>
-        <p:spPr>
-          <a:xfrm>
-            <a:off x="756000" y="10084923"/>
-            <a:ext cx="1742330" cy="187325"/>
-          </a:xfrm>
-          <a:prstGeom prst="rect">
-            <a:avLst/>
-          </a:prstGeom>
-        </p:spPr>
-        <p:txBody>
-          <a:bodyPr lIns="0" tIns="0" rIns="0" bIns="0" rtlCol="0" anchor="t">
-            <a:spAutoFit/>
-          </a:bodyPr>
-          <a:lstStyle/>
-          <a:p>
-            <a:pPr algn="l">
-              <a:lnSpc>
-                <a:spcPts val="1599"/>
-              </a:lnSpc>
-            </a:pPr>
-            <a:r>
-              <a:rPr lang="en-US" sz="999">
-                <a:solidFill>
-                  <a:srgbClr val="222525"/>
-                </a:solidFill>
-                <a:latin typeface="Montserrat"/>
-                <a:ea typeface="Montserrat"/>
-                <a:cs typeface="Montserrat"/>
-                <a:sym typeface="Montserrat"/>
-              </a:rPr>
-              <a:t>ESTUDIO SHONOS</a:t>
-            </a:r>
-          </a:p>
-        </p:txBody>
-      </p:sp>
-      <p:sp>
-        <p:nvSpPr>
           <p:cNvPr id="9" name="AutoShape 9"/>
           <p:cNvSpPr/>
           <p:nvPr/>
@@ -18769,7 +18852,7 @@
         <p:spPr>
           <a:xfrm>
             <a:off x="589521" y="5153604"/>
-            <a:ext cx="6727159" cy="4401205"/>
+            <a:ext cx="6966979" cy="4401205"/>
           </a:xfrm>
           <a:prstGeom prst="rect">
             <a:avLst/>
@@ -18788,7 +18871,7 @@
             </a:pPr>
             <a:r>
               <a:rPr lang="es-VE" sz="1400" dirty="0"/>
-              <a:t>Funcionalidad   …………………..………………………………………………………………………………..     5   </a:t>
+              <a:t>Funcionalidad   …………………..………………………………………………………………………………..    5   </a:t>
             </a:r>
           </a:p>
           <a:p>
@@ -18815,120 +18898,112 @@
             <a:pPr algn="just"/>
             <a:r>
               <a:rPr lang="es-VE" sz="1400" dirty="0"/>
-              <a:t>         3.1    Inicio   …………………………………………………………………………………………………………...   9</a:t>
+              <a:t>         3.1    Inicio   …………………………………………………………………………………………………………..    9</a:t>
             </a:r>
           </a:p>
           <a:p>
             <a:pPr algn="just"/>
             <a:r>
               <a:rPr lang="es-VE" sz="1400" dirty="0"/>
-              <a:t>         3.2    Monitoreo  .………………………………………………………………………………………………….. 10</a:t>
+              <a:t>         3.2    Monitoreo   ..………………………………………………………………………………………………..   10</a:t>
             </a:r>
           </a:p>
           <a:p>
             <a:pPr algn="just"/>
             <a:r>
               <a:rPr lang="es-VE" sz="1400" dirty="0"/>
-              <a:t>         3.3    Equipos   ………………………………………………………………………………………………………. 11</a:t>
+              <a:t>         3.3    Equipos   ……………………………………………………………………………………………………….   11</a:t>
             </a:r>
           </a:p>
           <a:p>
             <a:pPr algn="just"/>
             <a:r>
               <a:rPr lang="es-VE" sz="1400" dirty="0"/>
-              <a:t>	3.3.1    </a:t>
-            </a:r>
-            <a:r>
-              <a:rPr lang="es-VE" sz="1400" dirty="0" err="1"/>
-              <a:t>Nvr</a:t>
-            </a:r>
+              <a:t>	3.3.1    NVR   …..………………………………………………………………………………………...   11</a:t>
+            </a:r>
+          </a:p>
+          <a:p>
+            <a:pPr algn="just"/>
             <a:r>
               <a:rPr lang="es-VE" sz="1400" dirty="0"/>
-              <a:t>   ……………………………………………………………………………………………...  11</a:t>
+              <a:t>	3.3.2    Cámara   ………………………………………………………………………………………..    11</a:t>
             </a:r>
           </a:p>
           <a:p>
             <a:pPr algn="just"/>
             <a:r>
               <a:rPr lang="es-VE" sz="1400" dirty="0"/>
-              <a:t>	3.3.2    Cámara   ………………………………………………………………………………………..  11</a:t>
+              <a:t>	3.3.3    Enlace   ………………………………………………………………………………………….    11</a:t>
             </a:r>
           </a:p>
           <a:p>
             <a:pPr algn="just"/>
             <a:r>
               <a:rPr lang="es-VE" sz="1400" dirty="0"/>
-              <a:t>	3.3.3    Enlace   ………………………………………………………………………………………….  11</a:t>
+              <a:t>	3.3.4    Switch   ………………………………………………………………………………………….    11</a:t>
             </a:r>
           </a:p>
           <a:p>
             <a:pPr algn="just"/>
             <a:r>
               <a:rPr lang="es-VE" sz="1400" dirty="0"/>
-              <a:t>	3.3.4    Switch   ………………………………………………………………………………………….  11</a:t>
+              <a:t>          	3.3.5    Cámara en Stock   ………………………………………………………………………….    11</a:t>
             </a:r>
           </a:p>
           <a:p>
             <a:pPr algn="just"/>
             <a:r>
               <a:rPr lang="es-VE" sz="1400" dirty="0"/>
-              <a:t>          	3.3.5   Cámara en Stock   …………………………………………………………………………..  11</a:t>
+              <a:t>          3.4    Condición de Atención   .………………………………………………………………………………    13</a:t>
             </a:r>
           </a:p>
           <a:p>
             <a:pPr algn="just"/>
             <a:r>
               <a:rPr lang="es-VE" sz="1400" dirty="0"/>
-              <a:t>          3.4    Condición de Atención   ………………………………………………………………………………   13</a:t>
+              <a:t>          3.5    Historial Eliminados   ……………………………………………………………………………………    17</a:t>
             </a:r>
           </a:p>
           <a:p>
             <a:pPr algn="just"/>
             <a:r>
               <a:rPr lang="es-VE" sz="1400" dirty="0"/>
-              <a:t>          3.5    Historial Eliminados  ……………………………………………………………………………………   17</a:t>
+              <a:t>          3.6    Reporte   .……………………………………………………………………………………………………..    17</a:t>
             </a:r>
           </a:p>
           <a:p>
             <a:pPr algn="just"/>
             <a:r>
               <a:rPr lang="es-VE" sz="1400" dirty="0"/>
-              <a:t>          3.6    Reporte   ……………………………………………………………………………………………………..   17</a:t>
+              <a:t>          3.7    Configuración   ……………………………………………………………………………………………..    18 </a:t>
             </a:r>
           </a:p>
           <a:p>
             <a:pPr algn="just"/>
             <a:r>
               <a:rPr lang="es-VE" sz="1400" dirty="0"/>
-              <a:t>          3.7    Configuración   …………………………………………………………………………………………….  18 </a:t>
+              <a:t>                       3.6.1    Perfil   .……………………………………………………………………………………………     18</a:t>
             </a:r>
           </a:p>
           <a:p>
             <a:pPr algn="just"/>
             <a:r>
               <a:rPr lang="es-VE" sz="1400" dirty="0"/>
-              <a:t>                       3.6.1    Perfil   ……………………………………………………………………………………………   18</a:t>
+              <a:t>                       3.6.2    Usuarios   ..……………………………………………………………………………………..     19</a:t>
             </a:r>
           </a:p>
           <a:p>
             <a:pPr algn="just"/>
             <a:r>
               <a:rPr lang="es-VE" sz="1400" dirty="0"/>
-              <a:t>                       3.6.2    Usuarios   ……………………………………………………………………………………..    19</a:t>
+              <a:t>                       3.6.3    Manual de Usuario   ..……………………………………………………………………..     19</a:t>
             </a:r>
           </a:p>
           <a:p>
             <a:pPr algn="just"/>
             <a:r>
               <a:rPr lang="es-VE" sz="1400" dirty="0"/>
-              <a:t>                       3.6.3    Manual de Usuario   ……………………………………………………………………..    19</a:t>
-            </a:r>
-          </a:p>
-          <a:p>
-            <a:pPr algn="just"/>
-            <a:r>
-              <a:rPr lang="es-VE" sz="1400" dirty="0"/>
-              <a:t>                       3.6.4    Manual de Desarrollador  .…………………………………………………………….   19</a:t>
+              <a:t>                       3.6.4    Manual de Desarrollador   ..…………………………………………………………….     19</a:t>
             </a:r>
           </a:p>
           <a:p>
@@ -19241,7 +19316,7 @@
         <p:spPr>
           <a:xfrm>
             <a:off x="589521" y="1439886"/>
-            <a:ext cx="6048000" cy="698500"/>
+            <a:ext cx="6048000" cy="660181"/>
           </a:xfrm>
           <a:prstGeom prst="rect">
             <a:avLst/>
@@ -19259,7 +19334,19 @@
               </a:lnSpc>
             </a:pPr>
             <a:r>
-              <a:rPr lang="en-US" sz="5000" dirty="0" err="1">
+              <a:rPr lang="en-US" sz="4000" dirty="0">
+                <a:solidFill>
+                  <a:srgbClr val="222525"/>
+                </a:solidFill>
+                <a:latin typeface="DM Serif Display"/>
+                <a:ea typeface="DM Serif Display"/>
+                <a:cs typeface="DM Serif Display"/>
+                <a:sym typeface="DM Serif Display"/>
+              </a:rPr>
+              <a:t>I. </a:t>
+            </a:r>
+            <a:r>
+              <a:rPr lang="en-US" sz="4000" dirty="0" err="1">
                 <a:solidFill>
                   <a:srgbClr val="222525"/>
                 </a:solidFill>
@@ -19270,7 +19357,7 @@
               </a:rPr>
               <a:t>Introducción</a:t>
             </a:r>
-            <a:endParaRPr lang="en-US" sz="5000" dirty="0">
+            <a:endParaRPr lang="en-US" sz="4000" dirty="0">
               <a:solidFill>
                 <a:srgbClr val="222525"/>
               </a:solidFill>
@@ -19908,7 +19995,7 @@
         <p:spPr>
           <a:xfrm>
             <a:off x="284667" y="1371282"/>
-            <a:ext cx="6984650" cy="697755"/>
+            <a:ext cx="6984650" cy="660181"/>
           </a:xfrm>
           <a:prstGeom prst="rect">
             <a:avLst/>
@@ -19926,7 +20013,19 @@
               </a:lnSpc>
             </a:pPr>
             <a:r>
-              <a:rPr lang="en-US" sz="5000" dirty="0" err="1">
+              <a:rPr lang="en-US" sz="4000" dirty="0">
+                <a:solidFill>
+                  <a:srgbClr val="222525"/>
+                </a:solidFill>
+                <a:latin typeface="DM Serif Display"/>
+                <a:ea typeface="DM Serif Display"/>
+                <a:cs typeface="DM Serif Display"/>
+                <a:sym typeface="DM Serif Display"/>
+              </a:rPr>
+              <a:t>II. </a:t>
+            </a:r>
+            <a:r>
+              <a:rPr lang="en-US" sz="4000" dirty="0" err="1">
                 <a:solidFill>
                   <a:srgbClr val="222525"/>
                 </a:solidFill>
@@ -19938,7 +20037,7 @@
               <a:t>Operaciones</a:t>
             </a:r>
             <a:r>
-              <a:rPr lang="en-US" sz="5000" dirty="0">
+              <a:rPr lang="en-US" sz="4000" dirty="0">
                 <a:solidFill>
                   <a:srgbClr val="222525"/>
                 </a:solidFill>
@@ -19950,7 +20049,7 @@
               <a:t> del </a:t>
             </a:r>
             <a:r>
-              <a:rPr lang="en-US" sz="5000" dirty="0" err="1">
+              <a:rPr lang="en-US" sz="4000" dirty="0" err="1">
                 <a:solidFill>
                   <a:srgbClr val="222525"/>
                 </a:solidFill>
@@ -19961,7 +20060,7 @@
               </a:rPr>
               <a:t>sistema</a:t>
             </a:r>
-            <a:endParaRPr lang="en-US" sz="5000" dirty="0">
+            <a:endParaRPr lang="en-US" sz="4000" dirty="0">
               <a:solidFill>
                 <a:srgbClr val="222525"/>
               </a:solidFill>
@@ -20169,7 +20268,7 @@
         <p:spPr>
           <a:xfrm>
             <a:off x="425656" y="2692320"/>
-            <a:ext cx="6237354" cy="1877437"/>
+            <a:ext cx="6237354" cy="1938992"/>
           </a:xfrm>
           <a:prstGeom prst="rect">
             <a:avLst/>
@@ -20211,12 +20310,20 @@
               <a:t>El sistema </a:t>
             </a:r>
             <a:r>
-              <a:rPr lang="es-ES" sz="1400" b="1" dirty="0" err="1">
+              <a:rPr lang="es-ES" b="1" dirty="0" err="1">
                 <a:solidFill>
                   <a:schemeClr val="bg1"/>
                 </a:solidFill>
               </a:rPr>
-              <a:t>xxxxxxx</a:t>
+              <a:t>CamStatus</a:t>
+            </a:r>
+            <a:r>
+              <a:rPr lang="es-ES" b="1" dirty="0">
+                <a:solidFill>
+                  <a:schemeClr val="bg1"/>
+                </a:solidFill>
+              </a:rPr>
+              <a:t>-Security</a:t>
             </a:r>
             <a:r>
               <a:rPr lang="es-ES" sz="1400" b="1" dirty="0">
@@ -20224,15 +20331,15 @@
                   <a:schemeClr val="bg1"/>
                 </a:solidFill>
               </a:rPr>
-              <a:t> permite a la Sección de Seguridad Tecnológica registrar, modificar y eliminar equipos del sistema de videovigilancia. Además, lleva un registro de condición de atención, registro de equipos eliminados,  el monitoreo en tiempo real de </a:t>
-            </a:r>
-            <a:r>
-              <a:rPr lang="es-ES" sz="1400" b="1" dirty="0" err="1">
+              <a:t> permite a </a:t>
+            </a:r>
+            <a:r>
+              <a:rPr lang="es-ES" sz="1400" b="1">
                 <a:solidFill>
                   <a:schemeClr val="bg1"/>
                 </a:solidFill>
               </a:rPr>
-              <a:t>Nvr</a:t>
+              <a:t>la sección </a:t>
             </a:r>
             <a:r>
               <a:rPr lang="es-ES" sz="1400" b="1" dirty="0">
@@ -20240,7 +20347,7 @@
                   <a:schemeClr val="bg1"/>
                 </a:solidFill>
               </a:rPr>
-              <a:t> y Cámaras para determinar su estatus, y exportación de archivos log, inventarios y un reporte final. </a:t>
+              <a:t>de Seguridad Tecnológica registrar, modificar y eliminar equipos del sistema de videovigilancia. Además, lleva un registro de condición de atención, registro de equipos eliminados,  el monitoreo en tiempo real de NVR y Cámaras para determinar su estatus, y exportación de archivos log, inventarios y un reporte final. </a:t>
             </a:r>
             <a:endParaRPr lang="es-VE" sz="1400" b="1" dirty="0">
               <a:solidFill>
@@ -20756,7 +20863,7 @@
         <p:spPr>
           <a:xfrm>
             <a:off x="5552739" y="3423693"/>
-            <a:ext cx="1800547" cy="677108"/>
+            <a:ext cx="1800547" cy="861774"/>
           </a:xfrm>
           <a:prstGeom prst="rect">
             <a:avLst/>
@@ -20776,24 +20883,12 @@
           <a:p>
             <a:pPr algn="just"/>
             <a:r>
-              <a:rPr lang="es-VE" sz="1400" b="1" dirty="0" err="1"/>
-              <a:t>Nvr</a:t>
-            </a:r>
-            <a:r>
               <a:rPr lang="es-VE" sz="1400" b="1" dirty="0"/>
-              <a:t>.  </a:t>
+              <a:t>NVR.  </a:t>
             </a:r>
             <a:r>
               <a:rPr lang="es-VE" sz="1200" dirty="0"/>
-              <a:t>Permite al usuario visualizar el listado de </a:t>
-            </a:r>
-            <a:r>
-              <a:rPr lang="es-VE" sz="1200" dirty="0" err="1"/>
-              <a:t>Nvr</a:t>
-            </a:r>
-            <a:r>
-              <a:rPr lang="es-VE" sz="1200" dirty="0"/>
-              <a:t> registrados en el sistema. </a:t>
+              <a:t>Permite al usuario visualizar el listado de NVR registrados en el sistema. </a:t>
             </a:r>
           </a:p>
         </p:txBody>
@@ -21069,15 +21164,7 @@
             </a:r>
             <a:r>
               <a:rPr lang="es-ES" sz="1200" dirty="0"/>
-              <a:t>Permite al usuario visualizar el monitoreo en  tiempo real de </a:t>
-            </a:r>
-            <a:r>
-              <a:rPr lang="es-ES" sz="1200" dirty="0" err="1"/>
-              <a:t>Nvr</a:t>
-            </a:r>
-            <a:r>
-              <a:rPr lang="es-ES" sz="1200" dirty="0"/>
-              <a:t> y Cámaras. Sólo se muestran los equipos con estatus offline y </a:t>
+              <a:t>Permite al usuario visualizar el monitoreo en  tiempo real de NVR y Cámaras. Sólo se muestran los equipos con estatus offline y </a:t>
             </a:r>
             <a:r>
               <a:rPr lang="es-ES" sz="1200" dirty="0" err="1"/>
@@ -21192,8 +21279,8 @@
         </p:nvCxnSpPr>
         <p:spPr>
           <a:xfrm flipH="1" flipV="1">
-            <a:off x="5074620" y="3759874"/>
-            <a:ext cx="478119" cy="2373"/>
+            <a:off x="5028268" y="3807818"/>
+            <a:ext cx="524471" cy="46762"/>
           </a:xfrm>
           <a:prstGeom prst="straightConnector1">
             <a:avLst/>
@@ -21270,7 +21357,6 @@
           <p:cNvCxnSpPr>
             <a:cxnSpLocks/>
             <a:stCxn id="58" idx="1"/>
-            <a:endCxn id="10" idx="3"/>
           </p:cNvCxnSpPr>
           <p:nvPr/>
         </p:nvCxnSpPr>
@@ -21318,8 +21404,8 @@
         </p:nvCxnSpPr>
         <p:spPr>
           <a:xfrm flipV="1">
-            <a:off x="2128357" y="5162768"/>
-            <a:ext cx="447961" cy="338554"/>
+            <a:off x="2128357" y="5232840"/>
+            <a:ext cx="447961" cy="268482"/>
           </a:xfrm>
           <a:prstGeom prst="straightConnector1">
             <a:avLst/>
@@ -21360,8 +21446,8 @@
         </p:nvCxnSpPr>
         <p:spPr>
           <a:xfrm flipH="1" flipV="1">
-            <a:off x="5061670" y="5656866"/>
-            <a:ext cx="337502" cy="100356"/>
+            <a:off x="5028268" y="5747165"/>
+            <a:ext cx="370904" cy="10057"/>
           </a:xfrm>
           <a:prstGeom prst="straightConnector1">
             <a:avLst/>
@@ -21402,8 +21488,8 @@
         </p:nvCxnSpPr>
         <p:spPr>
           <a:xfrm flipV="1">
-            <a:off x="2182540" y="6551151"/>
-            <a:ext cx="364360" cy="342783"/>
+            <a:off x="2182540" y="6625452"/>
+            <a:ext cx="393778" cy="268482"/>
           </a:xfrm>
           <a:prstGeom prst="straightConnector1">
             <a:avLst/>
@@ -21576,8 +21662,96 @@
         </p:nvCxnSpPr>
         <p:spPr>
           <a:xfrm flipV="1">
-            <a:off x="2215300" y="7870780"/>
-            <a:ext cx="424875" cy="279476"/>
+            <a:off x="2215300" y="7923073"/>
+            <a:ext cx="572350" cy="227183"/>
+          </a:xfrm>
+          <a:prstGeom prst="straightConnector1">
+            <a:avLst/>
+          </a:prstGeom>
+          <a:ln>
+            <a:tailEnd type="triangle"/>
+          </a:ln>
+        </p:spPr>
+        <p:style>
+          <a:lnRef idx="2">
+            <a:schemeClr val="dk1"/>
+          </a:lnRef>
+          <a:fillRef idx="0">
+            <a:schemeClr val="dk1"/>
+          </a:fillRef>
+          <a:effectRef idx="1">
+            <a:schemeClr val="dk1"/>
+          </a:effectRef>
+          <a:fontRef idx="minor">
+            <a:schemeClr val="tx1"/>
+          </a:fontRef>
+        </p:style>
+      </p:cxnSp>
+      <p:sp>
+        <p:nvSpPr>
+          <p:cNvPr id="24" name="CuadroTexto 31">
+            <a:extLst>
+              <a:ext uri="{FF2B5EF4-FFF2-40B4-BE49-F238E27FC236}">
+                <a16:creationId xmlns:a16="http://schemas.microsoft.com/office/drawing/2014/main" id="{56C9D539-DD9E-12CA-DA18-1F4E25822F85}"/>
+              </a:ext>
+            </a:extLst>
+          </p:cNvPr>
+          <p:cNvSpPr txBox="1"/>
+          <p:nvPr/>
+        </p:nvSpPr>
+        <p:spPr>
+          <a:xfrm>
+            <a:off x="219087" y="1767662"/>
+            <a:ext cx="1616042" cy="738664"/>
+          </a:xfrm>
+          <a:prstGeom prst="rect">
+            <a:avLst/>
+          </a:prstGeom>
+          <a:noFill/>
+          <a:ln>
+            <a:solidFill>
+              <a:srgbClr val="C00000"/>
+            </a:solidFill>
+          </a:ln>
+        </p:spPr>
+        <p:txBody>
+          <a:bodyPr wrap="square" rtlCol="0">
+            <a:spAutoFit/>
+          </a:bodyPr>
+          <a:lstStyle/>
+          <a:p>
+            <a:pPr algn="just"/>
+            <a:r>
+              <a:rPr lang="es-ES" sz="1400" b="1" dirty="0"/>
+              <a:t> Inicio. </a:t>
+            </a:r>
+            <a:r>
+              <a:rPr lang="es-ES" sz="1400" dirty="0"/>
+              <a:t>Muestra el resumen de Cámaras y NVR. </a:t>
+            </a:r>
+            <a:endParaRPr lang="es-VE" sz="1200" dirty="0"/>
+          </a:p>
+        </p:txBody>
+      </p:sp>
+      <p:cxnSp>
+        <p:nvCxnSpPr>
+          <p:cNvPr id="26" name="Straight Arrow Connector 25">
+            <a:extLst>
+              <a:ext uri="{FF2B5EF4-FFF2-40B4-BE49-F238E27FC236}">
+                <a16:creationId xmlns:a16="http://schemas.microsoft.com/office/drawing/2014/main" id="{3D9D95C5-BE94-4E62-B8D4-5DE07B872E30}"/>
+              </a:ext>
+            </a:extLst>
+          </p:cNvPr>
+          <p:cNvCxnSpPr>
+            <a:cxnSpLocks/>
+            <a:stCxn id="24" idx="3"/>
+          </p:cNvCxnSpPr>
+          <p:nvPr/>
+        </p:nvCxnSpPr>
+        <p:spPr>
+          <a:xfrm>
+            <a:off x="1835129" y="2136994"/>
+            <a:ext cx="711771" cy="0"/>
           </a:xfrm>
           <a:prstGeom prst="straightConnector1">
             <a:avLst/>
@@ -21603,10 +21777,10 @@
       </p:cxnSp>
       <p:pic>
         <p:nvPicPr>
-          <p:cNvPr id="10" name="Picture 9">
-            <a:extLst>
-              <a:ext uri="{FF2B5EF4-FFF2-40B4-BE49-F238E27FC236}">
-                <a16:creationId xmlns:a16="http://schemas.microsoft.com/office/drawing/2014/main" id="{FC2577F8-AB0F-8E01-A264-A9EB84149E85}"/>
+          <p:cNvPr id="9" name="Imagen 8">
+            <a:extLst>
+              <a:ext uri="{FF2B5EF4-FFF2-40B4-BE49-F238E27FC236}">
+                <a16:creationId xmlns:a16="http://schemas.microsoft.com/office/drawing/2014/main" id="{E21644F5-42CC-90C8-994F-B1B5AA646826}"/>
               </a:ext>
             </a:extLst>
           </p:cNvPr>
@@ -21623,110 +21797,14 @@
         </p:blipFill>
         <p:spPr>
           <a:xfrm>
-            <a:off x="2570546" y="1677948"/>
-            <a:ext cx="2473380" cy="6147837"/>
+            <a:off x="2606476" y="1612900"/>
+            <a:ext cx="2401115" cy="6257879"/>
           </a:xfrm>
           <a:prstGeom prst="rect">
             <a:avLst/>
           </a:prstGeom>
         </p:spPr>
       </p:pic>
-      <p:sp>
-        <p:nvSpPr>
-          <p:cNvPr id="24" name="CuadroTexto 31">
-            <a:extLst>
-              <a:ext uri="{FF2B5EF4-FFF2-40B4-BE49-F238E27FC236}">
-                <a16:creationId xmlns:a16="http://schemas.microsoft.com/office/drawing/2014/main" id="{56C9D539-DD9E-12CA-DA18-1F4E25822F85}"/>
-              </a:ext>
-            </a:extLst>
-          </p:cNvPr>
-          <p:cNvSpPr txBox="1"/>
-          <p:nvPr/>
-        </p:nvSpPr>
-        <p:spPr>
-          <a:xfrm>
-            <a:off x="219087" y="1767662"/>
-            <a:ext cx="1616042" cy="738664"/>
-          </a:xfrm>
-          <a:prstGeom prst="rect">
-            <a:avLst/>
-          </a:prstGeom>
-          <a:noFill/>
-          <a:ln>
-            <a:solidFill>
-              <a:srgbClr val="C00000"/>
-            </a:solidFill>
-          </a:ln>
-        </p:spPr>
-        <p:txBody>
-          <a:bodyPr wrap="square" rtlCol="0">
-            <a:spAutoFit/>
-          </a:bodyPr>
-          <a:lstStyle/>
-          <a:p>
-            <a:pPr algn="just"/>
-            <a:r>
-              <a:rPr lang="es-ES" sz="1400" b="1" dirty="0"/>
-              <a:t> Inicio. </a:t>
-            </a:r>
-            <a:r>
-              <a:rPr lang="es-ES" sz="1400" dirty="0"/>
-              <a:t>Muestra el resumen de Cámaras y </a:t>
-            </a:r>
-            <a:r>
-              <a:rPr lang="es-ES" sz="1400" dirty="0" err="1"/>
-              <a:t>Nvr</a:t>
-            </a:r>
-            <a:r>
-              <a:rPr lang="es-ES" sz="1400" dirty="0"/>
-              <a:t>. </a:t>
-            </a:r>
-            <a:endParaRPr lang="es-VE" sz="1200" dirty="0"/>
-          </a:p>
-        </p:txBody>
-      </p:sp>
-      <p:cxnSp>
-        <p:nvCxnSpPr>
-          <p:cNvPr id="26" name="Straight Arrow Connector 25">
-            <a:extLst>
-              <a:ext uri="{FF2B5EF4-FFF2-40B4-BE49-F238E27FC236}">
-                <a16:creationId xmlns:a16="http://schemas.microsoft.com/office/drawing/2014/main" id="{3D9D95C5-BE94-4E62-B8D4-5DE07B872E30}"/>
-              </a:ext>
-            </a:extLst>
-          </p:cNvPr>
-          <p:cNvCxnSpPr>
-            <a:cxnSpLocks/>
-            <a:stCxn id="24" idx="3"/>
-          </p:cNvCxnSpPr>
-          <p:nvPr/>
-        </p:nvCxnSpPr>
-        <p:spPr>
-          <a:xfrm>
-            <a:off x="1835129" y="2136994"/>
-            <a:ext cx="711771" cy="0"/>
-          </a:xfrm>
-          <a:prstGeom prst="straightConnector1">
-            <a:avLst/>
-          </a:prstGeom>
-          <a:ln>
-            <a:tailEnd type="triangle"/>
-          </a:ln>
-        </p:spPr>
-        <p:style>
-          <a:lnRef idx="2">
-            <a:schemeClr val="dk1"/>
-          </a:lnRef>
-          <a:fillRef idx="0">
-            <a:schemeClr val="dk1"/>
-          </a:fillRef>
-          <a:effectRef idx="1">
-            <a:schemeClr val="dk1"/>
-          </a:effectRef>
-          <a:fontRef idx="minor">
-            <a:schemeClr val="tx1"/>
-          </a:fontRef>
-        </p:style>
-      </p:cxnSp>
     </p:spTree>
   </p:cSld>
   <p:clrMapOvr>
@@ -24342,23 +24420,7 @@
                   <a:schemeClr val="tx1"/>
                 </a:solidFill>
               </a:rPr>
-              <a:t>Una vez ingresado al sistema, se muestra el apartado de inicio dónde se pueden visualizar dos cuadros, uno para </a:t>
-            </a:r>
-            <a:r>
-              <a:rPr lang="es-VE" sz="1400" dirty="0" err="1">
-                <a:solidFill>
-                  <a:schemeClr val="tx1"/>
-                </a:solidFill>
-              </a:rPr>
-              <a:t>Nvr</a:t>
-            </a:r>
-            <a:r>
-              <a:rPr lang="es-VE" sz="1400" dirty="0">
-                <a:solidFill>
-                  <a:schemeClr val="tx1"/>
-                </a:solidFill>
-              </a:rPr>
-              <a:t> y el otro para Cámaras, el cual contiene el total de equipos y la cantidad de equipos que tienen un determinado status.</a:t>
+              <a:t>Una vez ingresado al sistema, se muestra el apartado de inicio dónde se pueden visualizar dos cuadros, uno para NVR y el otro para Cámaras, el cual contiene el total de equipos y la cantidad de equipos que tienen un determinado status.</a:t>
             </a:r>
           </a:p>
         </p:txBody>

--- a/public/files/Manual de Usuario.pptx
+++ b/public/files/Manual de Usuario.pptx
@@ -172,7 +172,7 @@
   <pc:docChgLst>
     <pc:chgData name="Manuel Moreno" userId="02c6592dd1359e13" providerId="LiveId" clId="{D2253FCA-0CFF-40C3-BC4C-35B7C53364CE}"/>
     <pc:docChg chg="undo custSel modSld">
-      <pc:chgData name="Manuel Moreno" userId="02c6592dd1359e13" providerId="LiveId" clId="{D2253FCA-0CFF-40C3-BC4C-35B7C53364CE}" dt="2025-07-29T19:12:04.430" v="429" actId="20577"/>
+      <pc:chgData name="Manuel Moreno" userId="02c6592dd1359e13" providerId="LiveId" clId="{D2253FCA-0CFF-40C3-BC4C-35B7C53364CE}" dt="2025-08-01T01:54:17.886" v="503" actId="20577"/>
       <pc:docMkLst>
         <pc:docMk/>
       </pc:docMkLst>
@@ -190,14 +190,6 @@
             <ac:picMk id="13" creationId="{4B13E23F-A113-ACAB-B954-00988B0345DA}"/>
           </ac:picMkLst>
         </pc:picChg>
-        <pc:picChg chg="del">
-          <ac:chgData name="Manuel Moreno" userId="02c6592dd1359e13" providerId="LiveId" clId="{D2253FCA-0CFF-40C3-BC4C-35B7C53364CE}" dt="2025-07-29T14:02:47.165" v="0" actId="478"/>
-          <ac:picMkLst>
-            <pc:docMk/>
-            <pc:sldMk cId="0" sldId="256"/>
-            <ac:picMk id="14" creationId="{F0757F67-0DCC-1957-F285-C0C6376C4A6E}"/>
-          </ac:picMkLst>
-        </pc:picChg>
       </pc:sldChg>
       <pc:sldChg chg="delSp modSp mod">
         <pc:chgData name="Manuel Moreno" userId="02c6592dd1359e13" providerId="LiveId" clId="{D2253FCA-0CFF-40C3-BC4C-35B7C53364CE}" dt="2025-07-29T14:38:08.626" v="392" actId="478"/>
@@ -205,14 +197,6 @@
           <pc:docMk/>
           <pc:sldMk cId="0" sldId="257"/>
         </pc:sldMkLst>
-        <pc:spChg chg="del">
-          <ac:chgData name="Manuel Moreno" userId="02c6592dd1359e13" providerId="LiveId" clId="{D2253FCA-0CFF-40C3-BC4C-35B7C53364CE}" dt="2025-07-29T14:38:08.626" v="392" actId="478"/>
-          <ac:spMkLst>
-            <pc:docMk/>
-            <pc:sldMk cId="0" sldId="257"/>
-            <ac:spMk id="9" creationId="{00000000-0000-0000-0000-000000000000}"/>
-          </ac:spMkLst>
-        </pc:spChg>
         <pc:graphicFrameChg chg="modGraphic">
           <ac:chgData name="Manuel Moreno" userId="02c6592dd1359e13" providerId="LiveId" clId="{D2253FCA-0CFF-40C3-BC4C-35B7C53364CE}" dt="2025-07-29T14:37:21.539" v="391" actId="20577"/>
           <ac:graphicFrameMkLst>
@@ -228,14 +212,6 @@
           <pc:docMk/>
           <pc:sldMk cId="0" sldId="258"/>
         </pc:sldMkLst>
-        <pc:spChg chg="del">
-          <ac:chgData name="Manuel Moreno" userId="02c6592dd1359e13" providerId="LiveId" clId="{D2253FCA-0CFF-40C3-BC4C-35B7C53364CE}" dt="2025-07-29T14:38:14.836" v="393" actId="478"/>
-          <ac:spMkLst>
-            <pc:docMk/>
-            <pc:sldMk cId="0" sldId="258"/>
-            <ac:spMk id="7" creationId="{00000000-0000-0000-0000-000000000000}"/>
-          </ac:spMkLst>
-        </pc:spChg>
         <pc:spChg chg="mod">
           <ac:chgData name="Manuel Moreno" userId="02c6592dd1359e13" providerId="LiveId" clId="{D2253FCA-0CFF-40C3-BC4C-35B7C53364CE}" dt="2025-07-29T14:15:21.405" v="71"/>
           <ac:spMkLst>
@@ -246,7 +222,7 @@
         </pc:spChg>
       </pc:sldChg>
       <pc:sldChg chg="modSp mod">
-        <pc:chgData name="Manuel Moreno" userId="02c6592dd1359e13" providerId="LiveId" clId="{D2253FCA-0CFF-40C3-BC4C-35B7C53364CE}" dt="2025-07-29T19:11:47.653" v="420" actId="255"/>
+        <pc:chgData name="Manuel Moreno" userId="02c6592dd1359e13" providerId="LiveId" clId="{D2253FCA-0CFF-40C3-BC4C-35B7C53364CE}" dt="2025-08-01T01:54:17.886" v="503" actId="20577"/>
         <pc:sldMkLst>
           <pc:docMk/>
           <pc:sldMk cId="0" sldId="260"/>
@@ -257,6 +233,22 @@
             <pc:docMk/>
             <pc:sldMk cId="0" sldId="260"/>
             <ac:spMk id="12" creationId="{00000000-0000-0000-0000-000000000000}"/>
+          </ac:spMkLst>
+        </pc:spChg>
+        <pc:spChg chg="mod">
+          <ac:chgData name="Manuel Moreno" userId="02c6592dd1359e13" providerId="LiveId" clId="{D2253FCA-0CFF-40C3-BC4C-35B7C53364CE}" dt="2025-07-31T13:04:17.406" v="451" actId="113"/>
+          <ac:spMkLst>
+            <pc:docMk/>
+            <pc:sldMk cId="0" sldId="260"/>
+            <ac:spMk id="25" creationId="{C991836F-B109-1965-EAA5-4C91125EC72A}"/>
+          </ac:spMkLst>
+        </pc:spChg>
+        <pc:spChg chg="mod">
+          <ac:chgData name="Manuel Moreno" userId="02c6592dd1359e13" providerId="LiveId" clId="{D2253FCA-0CFF-40C3-BC4C-35B7C53364CE}" dt="2025-08-01T01:54:17.886" v="503" actId="20577"/>
+          <ac:spMkLst>
+            <pc:docMk/>
+            <pc:sldMk cId="0" sldId="260"/>
+            <ac:spMk id="29" creationId="{68F11F59-3675-FB10-6706-860E59584EDB}"/>
           </ac:spMkLst>
         </pc:spChg>
       </pc:sldChg>
@@ -319,14 +311,6 @@
             <pc:docMk/>
             <pc:sldMk cId="0" sldId="262"/>
             <ac:picMk id="9" creationId="{E21644F5-42CC-90C8-994F-B1B5AA646826}"/>
-          </ac:picMkLst>
-        </pc:picChg>
-        <pc:picChg chg="del">
-          <ac:chgData name="Manuel Moreno" userId="02c6592dd1359e13" providerId="LiveId" clId="{D2253FCA-0CFF-40C3-BC4C-35B7C53364CE}" dt="2025-07-29T14:13:13.415" v="41" actId="478"/>
-          <ac:picMkLst>
-            <pc:docMk/>
-            <pc:sldMk cId="0" sldId="262"/>
-            <ac:picMk id="10" creationId="{FC2577F8-AB0F-8E01-A264-A9EB84149E85}"/>
           </ac:picMkLst>
         </pc:picChg>
         <pc:cxnChg chg="mod">
@@ -463,12 +447,20 @@
           </ac:spMkLst>
         </pc:spChg>
       </pc:sldChg>
-      <pc:sldChg chg="modSp">
-        <pc:chgData name="Manuel Moreno" userId="02c6592dd1359e13" providerId="LiveId" clId="{D2253FCA-0CFF-40C3-BC4C-35B7C53364CE}" dt="2025-07-29T14:15:21.405" v="71"/>
+      <pc:sldChg chg="modSp mod">
+        <pc:chgData name="Manuel Moreno" userId="02c6592dd1359e13" providerId="LiveId" clId="{D2253FCA-0CFF-40C3-BC4C-35B7C53364CE}" dt="2025-07-31T13:03:24.299" v="430" actId="113"/>
         <pc:sldMkLst>
           <pc:docMk/>
           <pc:sldMk cId="1559086896" sldId="271"/>
         </pc:sldMkLst>
+        <pc:spChg chg="mod">
+          <ac:chgData name="Manuel Moreno" userId="02c6592dd1359e13" providerId="LiveId" clId="{D2253FCA-0CFF-40C3-BC4C-35B7C53364CE}" dt="2025-07-31T13:03:24.299" v="430" actId="113"/>
+          <ac:spMkLst>
+            <pc:docMk/>
+            <pc:sldMk cId="1559086896" sldId="271"/>
+            <ac:spMk id="2" creationId="{B7607C38-0E33-2E9E-7548-A3803527EED2}"/>
+          </ac:spMkLst>
+        </pc:spChg>
         <pc:graphicFrameChg chg="mod">
           <ac:chgData name="Manuel Moreno" userId="02c6592dd1359e13" providerId="LiveId" clId="{D2253FCA-0CFF-40C3-BC4C-35B7C53364CE}" dt="2025-07-29T14:15:21.405" v="71"/>
           <ac:graphicFrameMkLst>
@@ -523,22 +515,6 @@
             <ac:spMk id="21" creationId="{78850640-B647-2075-C4CA-D5240E0EB17B}"/>
           </ac:spMkLst>
         </pc:spChg>
-        <pc:spChg chg="del">
-          <ac:chgData name="Manuel Moreno" userId="02c6592dd1359e13" providerId="LiveId" clId="{D2253FCA-0CFF-40C3-BC4C-35B7C53364CE}" dt="2025-07-29T14:16:00.187" v="74" actId="478"/>
-          <ac:spMkLst>
-            <pc:docMk/>
-            <pc:sldMk cId="2350055862" sldId="275"/>
-            <ac:spMk id="34" creationId="{8D6C4660-8262-D83E-0C9B-BE7AB91CB20B}"/>
-          </ac:spMkLst>
-        </pc:spChg>
-        <pc:spChg chg="del">
-          <ac:chgData name="Manuel Moreno" userId="02c6592dd1359e13" providerId="LiveId" clId="{D2253FCA-0CFF-40C3-BC4C-35B7C53364CE}" dt="2025-07-29T14:16:02.093" v="75" actId="478"/>
-          <ac:spMkLst>
-            <pc:docMk/>
-            <pc:sldMk cId="2350055862" sldId="275"/>
-            <ac:spMk id="36" creationId="{20FDF31C-645A-4BC3-4854-CEAB1D4D3B5B}"/>
-          </ac:spMkLst>
-        </pc:spChg>
         <pc:picChg chg="mod">
           <ac:chgData name="Manuel Moreno" userId="02c6592dd1359e13" providerId="LiveId" clId="{D2253FCA-0CFF-40C3-BC4C-35B7C53364CE}" dt="2025-07-29T14:18:02.050" v="364" actId="1076"/>
           <ac:picMkLst>
@@ -547,44 +523,12 @@
             <ac:picMk id="16" creationId="{8B1664DF-1C68-233D-67C1-7176550E8686}"/>
           </ac:picMkLst>
         </pc:picChg>
-        <pc:picChg chg="del">
-          <ac:chgData name="Manuel Moreno" userId="02c6592dd1359e13" providerId="LiveId" clId="{D2253FCA-0CFF-40C3-BC4C-35B7C53364CE}" dt="2025-07-29T14:15:59.158" v="73" actId="478"/>
-          <ac:picMkLst>
-            <pc:docMk/>
-            <pc:sldMk cId="2350055862" sldId="275"/>
-            <ac:picMk id="32" creationId="{862E301F-8F45-CF87-229F-7E86AB2C1651}"/>
-          </ac:picMkLst>
-        </pc:picChg>
-        <pc:picChg chg="del">
-          <ac:chgData name="Manuel Moreno" userId="02c6592dd1359e13" providerId="LiveId" clId="{D2253FCA-0CFF-40C3-BC4C-35B7C53364CE}" dt="2025-07-29T14:15:58.564" v="72" actId="478"/>
-          <ac:picMkLst>
-            <pc:docMk/>
-            <pc:sldMk cId="2350055862" sldId="275"/>
-            <ac:picMk id="33" creationId="{058D8C6D-C766-08BD-FE55-4910403B139C}"/>
-          </ac:picMkLst>
-        </pc:picChg>
         <pc:cxnChg chg="mod">
           <ac:chgData name="Manuel Moreno" userId="02c6592dd1359e13" providerId="LiveId" clId="{D2253FCA-0CFF-40C3-BC4C-35B7C53364CE}" dt="2025-07-29T14:18:05.490" v="365" actId="1076"/>
           <ac:cxnSpMkLst>
             <pc:docMk/>
             <pc:sldMk cId="2350055862" sldId="275"/>
             <ac:cxnSpMk id="22" creationId="{2092904F-31D5-B146-AE49-EFD00D7F0320}"/>
-          </ac:cxnSpMkLst>
-        </pc:cxnChg>
-        <pc:cxnChg chg="del mod">
-          <ac:chgData name="Manuel Moreno" userId="02c6592dd1359e13" providerId="LiveId" clId="{D2253FCA-0CFF-40C3-BC4C-35B7C53364CE}" dt="2025-07-29T14:16:04.254" v="77" actId="478"/>
-          <ac:cxnSpMkLst>
-            <pc:docMk/>
-            <pc:sldMk cId="2350055862" sldId="275"/>
-            <ac:cxnSpMk id="35" creationId="{FB030B3A-5AC1-DC5D-EC19-75A7C6C33DDA}"/>
-          </ac:cxnSpMkLst>
-        </pc:cxnChg>
-        <pc:cxnChg chg="del mod">
-          <ac:chgData name="Manuel Moreno" userId="02c6592dd1359e13" providerId="LiveId" clId="{D2253FCA-0CFF-40C3-BC4C-35B7C53364CE}" dt="2025-07-29T14:16:03.621" v="76" actId="478"/>
-          <ac:cxnSpMkLst>
-            <pc:docMk/>
-            <pc:sldMk cId="2350055862" sldId="275"/>
-            <ac:cxnSpMk id="37" creationId="{7867DF3B-894B-84C8-6086-25362C61F060}"/>
           </ac:cxnSpMkLst>
         </pc:cxnChg>
       </pc:sldChg>
@@ -690,7 +634,7 @@
           <a:p>
             <a:fld id="{69F8C96D-F554-499D-ABFC-492D82BF14D4}" type="datetimeFigureOut">
               <a:rPr lang="es-VE" smtClean="0"/>
-              <a:t>29/7/2025</a:t>
+              <a:t>31/7/2025</a:t>
             </a:fld>
             <a:endParaRPr lang="es-VE"/>
           </a:p>
@@ -2518,7 +2462,7 @@
             <a:fld id="{1D8BD707-D9CF-40AE-B4C6-C98DA3205C09}" type="datetimeFigureOut">
               <a:rPr lang="en-US" smtClean="0"/>
               <a:pPr/>
-              <a:t>7/29/2025</a:t>
+              <a:t>7/31/2025</a:t>
             </a:fld>
             <a:endParaRPr lang="en-US"/>
           </a:p>
@@ -2683,7 +2627,7 @@
             <a:fld id="{1D8BD707-D9CF-40AE-B4C6-C98DA3205C09}" type="datetimeFigureOut">
               <a:rPr lang="en-US" smtClean="0"/>
               <a:pPr/>
-              <a:t>7/29/2025</a:t>
+              <a:t>7/31/2025</a:t>
             </a:fld>
             <a:endParaRPr lang="en-US"/>
           </a:p>
@@ -2858,7 +2802,7 @@
             <a:fld id="{1D8BD707-D9CF-40AE-B4C6-C98DA3205C09}" type="datetimeFigureOut">
               <a:rPr lang="en-US" smtClean="0"/>
               <a:pPr/>
-              <a:t>7/29/2025</a:t>
+              <a:t>7/31/2025</a:t>
             </a:fld>
             <a:endParaRPr lang="en-US"/>
           </a:p>
@@ -3023,7 +2967,7 @@
             <a:fld id="{1D8BD707-D9CF-40AE-B4C6-C98DA3205C09}" type="datetimeFigureOut">
               <a:rPr lang="en-US" smtClean="0"/>
               <a:pPr/>
-              <a:t>7/29/2025</a:t>
+              <a:t>7/31/2025</a:t>
             </a:fld>
             <a:endParaRPr lang="en-US"/>
           </a:p>
@@ -3265,7 +3209,7 @@
             <a:fld id="{1D8BD707-D9CF-40AE-B4C6-C98DA3205C09}" type="datetimeFigureOut">
               <a:rPr lang="en-US" smtClean="0"/>
               <a:pPr/>
-              <a:t>7/29/2025</a:t>
+              <a:t>7/31/2025</a:t>
             </a:fld>
             <a:endParaRPr lang="en-US"/>
           </a:p>
@@ -3547,7 +3491,7 @@
             <a:fld id="{1D8BD707-D9CF-40AE-B4C6-C98DA3205C09}" type="datetimeFigureOut">
               <a:rPr lang="en-US" smtClean="0"/>
               <a:pPr/>
-              <a:t>7/29/2025</a:t>
+              <a:t>7/31/2025</a:t>
             </a:fld>
             <a:endParaRPr lang="en-US"/>
           </a:p>
@@ -3963,7 +3907,7 @@
             <a:fld id="{1D8BD707-D9CF-40AE-B4C6-C98DA3205C09}" type="datetimeFigureOut">
               <a:rPr lang="en-US" smtClean="0"/>
               <a:pPr/>
-              <a:t>7/29/2025</a:t>
+              <a:t>7/31/2025</a:t>
             </a:fld>
             <a:endParaRPr lang="en-US"/>
           </a:p>
@@ -4077,7 +4021,7 @@
             <a:fld id="{1D8BD707-D9CF-40AE-B4C6-C98DA3205C09}" type="datetimeFigureOut">
               <a:rPr lang="en-US" smtClean="0"/>
               <a:pPr/>
-              <a:t>7/29/2025</a:t>
+              <a:t>7/31/2025</a:t>
             </a:fld>
             <a:endParaRPr lang="en-US"/>
           </a:p>
@@ -4169,7 +4113,7 @@
             <a:fld id="{1D8BD707-D9CF-40AE-B4C6-C98DA3205C09}" type="datetimeFigureOut">
               <a:rPr lang="en-US" smtClean="0"/>
               <a:pPr/>
-              <a:t>7/29/2025</a:t>
+              <a:t>7/31/2025</a:t>
             </a:fld>
             <a:endParaRPr lang="en-US"/>
           </a:p>
@@ -4441,7 +4385,7 @@
             <a:fld id="{1D8BD707-D9CF-40AE-B4C6-C98DA3205C09}" type="datetimeFigureOut">
               <a:rPr lang="en-US" smtClean="0"/>
               <a:pPr/>
-              <a:t>7/29/2025</a:t>
+              <a:t>7/31/2025</a:t>
             </a:fld>
             <a:endParaRPr lang="en-US"/>
           </a:p>
@@ -4690,7 +4634,7 @@
             <a:fld id="{1D8BD707-D9CF-40AE-B4C6-C98DA3205C09}" type="datetimeFigureOut">
               <a:rPr lang="en-US" smtClean="0"/>
               <a:pPr/>
-              <a:t>7/29/2025</a:t>
+              <a:t>7/31/2025</a:t>
             </a:fld>
             <a:endParaRPr lang="en-US"/>
           </a:p>
@@ -4898,7 +4842,7 @@
             <a:fld id="{1D8BD707-D9CF-40AE-B4C6-C98DA3205C09}" type="datetimeFigureOut">
               <a:rPr lang="en-US" smtClean="0"/>
               <a:pPr/>
-              <a:t>7/29/2025</a:t>
+              <a:t>7/31/2025</a:t>
             </a:fld>
             <a:endParaRPr lang="en-US"/>
           </a:p>
@@ -6233,7 +6177,7 @@
           <a:p>
             <a:r>
               <a:rPr lang="es-VE" sz="2400" dirty="0"/>
-              <a:t>3.2 Monitoreo </a:t>
+              <a:t>3.1 Monitoreo </a:t>
             </a:r>
           </a:p>
         </p:txBody>
@@ -7525,7 +7469,7 @@
           <a:p>
             <a:r>
               <a:rPr lang="es-VE" sz="2400" dirty="0"/>
-              <a:t>3.3 Equipos </a:t>
+              <a:t>3.2 Equipos </a:t>
             </a:r>
           </a:p>
         </p:txBody>
@@ -7560,7 +7504,7 @@
           <a:p>
             <a:r>
               <a:rPr lang="es-VE" sz="2000" dirty="0"/>
-              <a:t>3.3.1 NVR</a:t>
+              <a:t>3.2.1 NVR</a:t>
             </a:r>
           </a:p>
         </p:txBody>
@@ -7989,7 +7933,7 @@
           <a:p>
             <a:r>
               <a:rPr lang="es-VE" sz="2400" dirty="0"/>
-              <a:t>3.3 Equipos </a:t>
+              <a:t>3.2 Equipos </a:t>
             </a:r>
           </a:p>
         </p:txBody>
@@ -8031,30 +7975,14 @@
           <a:p>
             <a:pPr algn="just"/>
             <a:r>
-              <a:rPr lang="es-MX" sz="1400" dirty="0">
-                <a:solidFill>
-                  <a:schemeClr val="bg1"/>
-                </a:solidFill>
-              </a:rPr>
-              <a:t>Ya que la vista de cada de equipo son similares entre si no se mostrarán gráficos, pero a continuación se mostrará una tabla  con los datos que </a:t>
-            </a:r>
-            <a:r>
               <a:rPr lang="es-MX" sz="1400" b="1" dirty="0">
                 <a:solidFill>
                   <a:schemeClr val="bg1"/>
                 </a:solidFill>
               </a:rPr>
-              <a:t>no son editables </a:t>
-            </a:r>
-            <a:r>
-              <a:rPr lang="es-MX" sz="1400" dirty="0">
-                <a:solidFill>
-                  <a:schemeClr val="bg1"/>
-                </a:solidFill>
-              </a:rPr>
-              <a:t>para cada equipo. Esto ayudará a evitar errores en datos importantes de los equipos.</a:t>
-            </a:r>
-            <a:endParaRPr lang="es-VE" sz="1400" dirty="0">
+              <a:t>Ya que la vista de cada de equipo son similares entre si no se mostrarán gráficos, pero a continuación se mostrará una tabla  con los datos que no son editables para cada equipo. Esto ayudará a evitar errores en datos importantes de los equipos.</a:t>
+            </a:r>
+            <a:endParaRPr lang="es-VE" sz="1400" b="1" dirty="0">
               <a:solidFill>
                 <a:schemeClr val="bg1"/>
               </a:solidFill>
@@ -9774,7 +9702,7 @@
           <a:p>
             <a:r>
               <a:rPr lang="es-VE" sz="2400" dirty="0"/>
-              <a:t>3.4 Condición de Atención  </a:t>
+              <a:t>3.3 Condición de Atención  </a:t>
             </a:r>
           </a:p>
         </p:txBody>
@@ -10193,7 +10121,7 @@
           <a:p>
             <a:r>
               <a:rPr lang="es-VE" sz="2400" dirty="0"/>
-              <a:t>3.4 Condición de Atención  </a:t>
+              <a:t>3.3 Condición de Atención  </a:t>
             </a:r>
           </a:p>
         </p:txBody>
@@ -11074,7 +11002,7 @@
           <a:p>
             <a:r>
               <a:rPr lang="es-VE" sz="2400" dirty="0"/>
-              <a:t>3.4 Condición de Atención  </a:t>
+              <a:t>3.3 Condición de Atención  </a:t>
             </a:r>
           </a:p>
         </p:txBody>
@@ -11901,7 +11829,7 @@
           <a:p>
             <a:r>
               <a:rPr lang="es-VE" sz="2400" dirty="0"/>
-              <a:t>3.4 Condición de Atención  </a:t>
+              <a:t>3.3 Condición de Atención  </a:t>
             </a:r>
           </a:p>
         </p:txBody>
@@ -13016,7 +12944,7 @@
           <a:p>
             <a:r>
               <a:rPr lang="es-VE" sz="2400" dirty="0"/>
-              <a:t>3.5 Historial Eliminados</a:t>
+              <a:t>3.4 Historial Eliminados</a:t>
             </a:r>
           </a:p>
         </p:txBody>
@@ -13051,7 +12979,7 @@
           <a:p>
             <a:r>
               <a:rPr lang="es-VE" sz="2400" dirty="0"/>
-              <a:t>3.6 Reporte</a:t>
+              <a:t>3.5 Reporte</a:t>
             </a:r>
           </a:p>
         </p:txBody>
@@ -14006,7 +13934,7 @@
           <a:p>
             <a:r>
               <a:rPr lang="es-VE" sz="2400" dirty="0"/>
-              <a:t>3.7 Configuración</a:t>
+              <a:t>3.6 Configuración</a:t>
             </a:r>
           </a:p>
         </p:txBody>
@@ -14041,7 +13969,7 @@
           <a:p>
             <a:r>
               <a:rPr lang="es-VE" sz="2000" dirty="0"/>
-              <a:t>3.7.1 Perfil</a:t>
+              <a:t>3.6.1 Perfil</a:t>
             </a:r>
           </a:p>
         </p:txBody>
@@ -15199,7 +15127,7 @@
           <a:p>
             <a:r>
               <a:rPr lang="es-VE" sz="2000" dirty="0"/>
-              <a:t>3.7.2 Usuarios</a:t>
+              <a:t>3.6.2 Usuarios</a:t>
             </a:r>
           </a:p>
         </p:txBody>
@@ -17961,7 +17889,7 @@
           <a:p>
             <a:r>
               <a:rPr lang="es-VE" sz="2000" dirty="0"/>
-              <a:t>3.7.3 Manual de Usuario</a:t>
+              <a:t>3.6.3 Manual de Usuario</a:t>
             </a:r>
           </a:p>
         </p:txBody>
@@ -17996,7 +17924,7 @@
           <a:p>
             <a:r>
               <a:rPr lang="es-VE" sz="2000" dirty="0"/>
-              <a:t>3.7.4 Manual de Desarrollador</a:t>
+              <a:t>3.6.4 Manual de Desarrollador</a:t>
             </a:r>
           </a:p>
         </p:txBody>
@@ -18852,7 +18780,7 @@
         <p:spPr>
           <a:xfrm>
             <a:off x="589521" y="5153604"/>
-            <a:ext cx="6966979" cy="4401205"/>
+            <a:ext cx="6727159" cy="4401205"/>
           </a:xfrm>
           <a:prstGeom prst="rect">
             <a:avLst/>
@@ -18871,7 +18799,7 @@
             </a:pPr>
             <a:r>
               <a:rPr lang="es-VE" sz="1400" dirty="0"/>
-              <a:t>Funcionalidad   …………………..………………………………………………………………………………..    5   </a:t>
+              <a:t>Funcionalidad   …………………..………………………………………………………………………………..     5   </a:t>
             </a:r>
           </a:p>
           <a:p>
@@ -18905,105 +18833,105 @@
             <a:pPr algn="just"/>
             <a:r>
               <a:rPr lang="es-VE" sz="1400" dirty="0"/>
-              <a:t>         3.2    Monitoreo   ..………………………………………………………………………………………………..   10</a:t>
+              <a:t>         3.2    Monitoreo  .………………………………………………………………………………………………….. 10</a:t>
             </a:r>
           </a:p>
           <a:p>
             <a:pPr algn="just"/>
             <a:r>
               <a:rPr lang="es-VE" sz="1400" dirty="0"/>
-              <a:t>         3.3    Equipos   ……………………………………………………………………………………………………….   11</a:t>
+              <a:t>         3.3    Equipos   ……………………………………………………………………………………………………….  11</a:t>
             </a:r>
           </a:p>
           <a:p>
             <a:pPr algn="just"/>
             <a:r>
               <a:rPr lang="es-VE" sz="1400" dirty="0"/>
-              <a:t>	3.3.1    NVR   …..………………………………………………………………………………………...   11</a:t>
+              <a:t>	3.3.1    NVR  ……………………………………………………………………………………………...  11</a:t>
             </a:r>
           </a:p>
           <a:p>
             <a:pPr algn="just"/>
             <a:r>
               <a:rPr lang="es-VE" sz="1400" dirty="0"/>
-              <a:t>	3.3.2    Cámara   ………………………………………………………………………………………..    11</a:t>
+              <a:t>	3.3.2    Cámara   ………………………………………………………………………………………..  11</a:t>
             </a:r>
           </a:p>
           <a:p>
             <a:pPr algn="just"/>
             <a:r>
               <a:rPr lang="es-VE" sz="1400" dirty="0"/>
-              <a:t>	3.3.3    Enlace   ………………………………………………………………………………………….    11</a:t>
+              <a:t>	3.3.3    Enlace   ………………………………………………………………………………………….  11</a:t>
             </a:r>
           </a:p>
           <a:p>
             <a:pPr algn="just"/>
             <a:r>
               <a:rPr lang="es-VE" sz="1400" dirty="0"/>
-              <a:t>	3.3.4    Switch   ………………………………………………………………………………………….    11</a:t>
+              <a:t>	3.3.4    Switch   ………………………………………………………………………………………….  11</a:t>
             </a:r>
           </a:p>
           <a:p>
             <a:pPr algn="just"/>
             <a:r>
               <a:rPr lang="es-VE" sz="1400" dirty="0"/>
-              <a:t>          	3.3.5    Cámara en Stock   ………………………………………………………………………….    11</a:t>
+              <a:t>          	3.3.5    Cámara en Stock   ………………………………………………………………………….  11</a:t>
             </a:r>
           </a:p>
           <a:p>
             <a:pPr algn="just"/>
             <a:r>
               <a:rPr lang="es-VE" sz="1400" dirty="0"/>
-              <a:t>          3.4    Condición de Atención   .………………………………………………………………………………    13</a:t>
+              <a:t>          3.4    Condición de Atención   ………………………………………………………………………………   13</a:t>
             </a:r>
           </a:p>
           <a:p>
             <a:pPr algn="just"/>
             <a:r>
               <a:rPr lang="es-VE" sz="1400" dirty="0"/>
-              <a:t>          3.5    Historial Eliminados   ……………………………………………………………………………………    17</a:t>
+              <a:t>          3.5    Historial Eliminados  ……………………………………………………………………………………   17</a:t>
             </a:r>
           </a:p>
           <a:p>
             <a:pPr algn="just"/>
             <a:r>
               <a:rPr lang="es-VE" sz="1400" dirty="0"/>
-              <a:t>          3.6    Reporte   .……………………………………………………………………………………………………..    17</a:t>
+              <a:t>          3.6    Reporte   ……………………………………………………………………………………………………..   17</a:t>
             </a:r>
           </a:p>
           <a:p>
             <a:pPr algn="just"/>
             <a:r>
               <a:rPr lang="es-VE" sz="1400" dirty="0"/>
-              <a:t>          3.7    Configuración   ……………………………………………………………………………………………..    18 </a:t>
+              <a:t>          3.7    Configuración   …………………………………………………………………………………………….   18 </a:t>
             </a:r>
           </a:p>
           <a:p>
             <a:pPr algn="just"/>
             <a:r>
               <a:rPr lang="es-VE" sz="1400" dirty="0"/>
-              <a:t>                       3.6.1    Perfil   .……………………………………………………………………………………………     18</a:t>
+              <a:t>                       3.6.1    Perfil   ……………………………………………………………………………………………   18</a:t>
             </a:r>
           </a:p>
           <a:p>
             <a:pPr algn="just"/>
             <a:r>
               <a:rPr lang="es-VE" sz="1400" dirty="0"/>
-              <a:t>                       3.6.2    Usuarios   ..……………………………………………………………………………………..     19</a:t>
+              <a:t>                       3.6.2    Usuarios   ……………………………………………………………………………………..    19</a:t>
             </a:r>
           </a:p>
           <a:p>
             <a:pPr algn="just"/>
             <a:r>
               <a:rPr lang="es-VE" sz="1400" dirty="0"/>
-              <a:t>                       3.6.3    Manual de Usuario   ..……………………………………………………………………..     19</a:t>
+              <a:t>                       3.6.3    Manual de Usuario   ……………………………………………………………………..    19</a:t>
             </a:r>
           </a:p>
           <a:p>
             <a:pPr algn="just"/>
             <a:r>
               <a:rPr lang="es-VE" sz="1400" dirty="0"/>
-              <a:t>                       3.6.4    Manual de Desarrollador   ..…………………………………………………………….     19</a:t>
+              <a:t>                       3.6.4    Manual de Desarrollador  .…………………………………………………………….   19</a:t>
             </a:r>
           </a:p>
           <a:p>
@@ -19475,7 +19403,7 @@
         <p:spPr>
           <a:xfrm>
             <a:off x="1568450" y="2644320"/>
-            <a:ext cx="5708130" cy="2308324"/>
+            <a:ext cx="5708130" cy="2523768"/>
           </a:xfrm>
           <a:prstGeom prst="rect">
             <a:avLst/>
@@ -19510,8 +19438,12 @@
               <a:t>El objetivo del manual de usuario del Sistema </a:t>
             </a:r>
             <a:r>
-              <a:rPr lang="es-ES" sz="1400" dirty="0" err="1"/>
-              <a:t>xxxxxxxx</a:t>
+              <a:rPr lang="es-ES" sz="1400" b="1" dirty="0" err="1"/>
+              <a:t>CamStatus</a:t>
+            </a:r>
+            <a:r>
+              <a:rPr lang="es-ES" sz="1400" b="1" dirty="0"/>
+              <a:t>-Security</a:t>
             </a:r>
             <a:r>
               <a:rPr lang="es-ES" sz="1400" dirty="0"/>
@@ -19644,7 +19576,7 @@
         <p:spPr>
           <a:xfrm>
             <a:off x="390445" y="6301838"/>
-            <a:ext cx="5055143" cy="2369880"/>
+            <a:ext cx="5055143" cy="2523768"/>
           </a:xfrm>
           <a:prstGeom prst="rect">
             <a:avLst/>
@@ -19684,7 +19616,7 @@
                   <a:schemeClr val="bg1"/>
                 </a:solidFill>
               </a:rPr>
-              <a:t>Equipo Pentium 4 o Superior</a:t>
+              <a:t>Equipo Pentium 4 o Superior.</a:t>
             </a:r>
           </a:p>
           <a:p>
@@ -19698,7 +19630,7 @@
                   <a:schemeClr val="bg1"/>
                 </a:solidFill>
               </a:rPr>
-              <a:t>Mínimo 4Gb en RAM</a:t>
+              <a:t>Mínimo 4Gb en RAM.</a:t>
             </a:r>
           </a:p>
           <a:p>
@@ -19712,7 +19644,7 @@
                   <a:schemeClr val="bg1"/>
                 </a:solidFill>
               </a:rPr>
-              <a:t>Sistema Operativo Ubuntu 10.4 - Windows 7 o Superior</a:t>
+              <a:t>Sistema Operativo Ubuntu 10.4 - Windows 7 o Superior.</a:t>
             </a:r>
           </a:p>
           <a:p>
@@ -19726,7 +19658,7 @@
                   <a:schemeClr val="bg1"/>
                 </a:solidFill>
               </a:rPr>
-              <a:t>Resolución gráfica 800*600</a:t>
+              <a:t>Resolución gráfica 800*600.</a:t>
             </a:r>
           </a:p>
           <a:p>
@@ -19754,11 +19686,11 @@
                   <a:schemeClr val="bg1"/>
                 </a:solidFill>
               </a:rPr>
-              <a:t>Adobe Reader 5.0 o posterior</a:t>
-            </a:r>
-          </a:p>
-          <a:p>
-            <a:pPr marL="285750" indent="-285750">
+              <a:t>Microsoft Office 13 o posterior.</a:t>
+            </a:r>
+          </a:p>
+          <a:p>
+            <a:pPr marL="285750" indent="-285750" algn="just">
               <a:buFont typeface="Arial" panose="020B0604020202020204" pitchFamily="34" charset="0"/>
               <a:buChar char="•"/>
             </a:pPr>
@@ -19768,7 +19700,21 @@
                   <a:schemeClr val="bg1"/>
                 </a:solidFill>
               </a:rPr>
-              <a:t>Conexión al servidor</a:t>
+              <a:t>Adobe Reader 5.0 o posterior (opcional).</a:t>
+            </a:r>
+          </a:p>
+          <a:p>
+            <a:pPr marL="285750" indent="-285750">
+              <a:buFont typeface="Arial" panose="020B0604020202020204" pitchFamily="34" charset="0"/>
+              <a:buChar char="•"/>
+            </a:pPr>
+            <a:r>
+              <a:rPr lang="es-VE" sz="1400" dirty="0">
+                <a:solidFill>
+                  <a:schemeClr val="bg1"/>
+                </a:solidFill>
+              </a:rPr>
+              <a:t>Conexión al servidor.</a:t>
             </a:r>
           </a:p>
         </p:txBody>
